--- a/Lectures/9 Big Data Human.pptx
+++ b/Lectures/9 Big Data Human.pptx
@@ -5,72 +5,73 @@
     <p:sldMasterId id="2147483648" r:id="rId1"/>
   </p:sldMasterIdLst>
   <p:notesMasterIdLst>
-    <p:notesMasterId r:id="rId62"/>
+    <p:notesMasterId r:id="rId63"/>
   </p:notesMasterIdLst>
   <p:handoutMasterIdLst>
-    <p:handoutMasterId r:id="rId63"/>
+    <p:handoutMasterId r:id="rId64"/>
   </p:handoutMasterIdLst>
   <p:sldIdLst>
     <p:sldId id="258" r:id="rId2"/>
-    <p:sldId id="323" r:id="rId3"/>
-    <p:sldId id="422" r:id="rId4"/>
-    <p:sldId id="423" r:id="rId5"/>
-    <p:sldId id="421" r:id="rId6"/>
-    <p:sldId id="424" r:id="rId7"/>
-    <p:sldId id="425" r:id="rId8"/>
-    <p:sldId id="259" r:id="rId9"/>
-    <p:sldId id="426" r:id="rId10"/>
-    <p:sldId id="359" r:id="rId11"/>
-    <p:sldId id="428" r:id="rId12"/>
-    <p:sldId id="438" r:id="rId13"/>
-    <p:sldId id="439" r:id="rId14"/>
-    <p:sldId id="440" r:id="rId15"/>
-    <p:sldId id="441" r:id="rId16"/>
-    <p:sldId id="442" r:id="rId17"/>
-    <p:sldId id="443" r:id="rId18"/>
-    <p:sldId id="444" r:id="rId19"/>
-    <p:sldId id="445" r:id="rId20"/>
-    <p:sldId id="361" r:id="rId21"/>
-    <p:sldId id="446" r:id="rId22"/>
-    <p:sldId id="427" r:id="rId23"/>
-    <p:sldId id="262" r:id="rId24"/>
-    <p:sldId id="263" r:id="rId25"/>
-    <p:sldId id="265" r:id="rId26"/>
-    <p:sldId id="264" r:id="rId27"/>
-    <p:sldId id="266" r:id="rId28"/>
-    <p:sldId id="267" r:id="rId29"/>
-    <p:sldId id="278" r:id="rId30"/>
-    <p:sldId id="414" r:id="rId31"/>
-    <p:sldId id="415" r:id="rId32"/>
-    <p:sldId id="268" r:id="rId33"/>
-    <p:sldId id="464" r:id="rId34"/>
-    <p:sldId id="276" r:id="rId35"/>
-    <p:sldId id="277" r:id="rId36"/>
-    <p:sldId id="269" r:id="rId37"/>
-    <p:sldId id="272" r:id="rId38"/>
-    <p:sldId id="274" r:id="rId39"/>
-    <p:sldId id="273" r:id="rId40"/>
-    <p:sldId id="363" r:id="rId41"/>
-    <p:sldId id="447" r:id="rId42"/>
-    <p:sldId id="448" r:id="rId43"/>
-    <p:sldId id="449" r:id="rId44"/>
-    <p:sldId id="450" r:id="rId45"/>
-    <p:sldId id="451" r:id="rId46"/>
-    <p:sldId id="452" r:id="rId47"/>
-    <p:sldId id="453" r:id="rId48"/>
-    <p:sldId id="454" r:id="rId49"/>
-    <p:sldId id="455" r:id="rId50"/>
-    <p:sldId id="456" r:id="rId51"/>
-    <p:sldId id="457" r:id="rId52"/>
-    <p:sldId id="458" r:id="rId53"/>
-    <p:sldId id="459" r:id="rId54"/>
-    <p:sldId id="460" r:id="rId55"/>
-    <p:sldId id="461" r:id="rId56"/>
-    <p:sldId id="462" r:id="rId57"/>
-    <p:sldId id="463" r:id="rId58"/>
-    <p:sldId id="435" r:id="rId59"/>
-    <p:sldId id="270" r:id="rId60"/>
-    <p:sldId id="436" r:id="rId61"/>
+    <p:sldId id="465" r:id="rId3"/>
+    <p:sldId id="323" r:id="rId4"/>
+    <p:sldId id="422" r:id="rId5"/>
+    <p:sldId id="423" r:id="rId6"/>
+    <p:sldId id="421" r:id="rId7"/>
+    <p:sldId id="424" r:id="rId8"/>
+    <p:sldId id="425" r:id="rId9"/>
+    <p:sldId id="259" r:id="rId10"/>
+    <p:sldId id="426" r:id="rId11"/>
+    <p:sldId id="359" r:id="rId12"/>
+    <p:sldId id="428" r:id="rId13"/>
+    <p:sldId id="438" r:id="rId14"/>
+    <p:sldId id="439" r:id="rId15"/>
+    <p:sldId id="440" r:id="rId16"/>
+    <p:sldId id="441" r:id="rId17"/>
+    <p:sldId id="442" r:id="rId18"/>
+    <p:sldId id="443" r:id="rId19"/>
+    <p:sldId id="444" r:id="rId20"/>
+    <p:sldId id="445" r:id="rId21"/>
+    <p:sldId id="361" r:id="rId22"/>
+    <p:sldId id="446" r:id="rId23"/>
+    <p:sldId id="427" r:id="rId24"/>
+    <p:sldId id="262" r:id="rId25"/>
+    <p:sldId id="263" r:id="rId26"/>
+    <p:sldId id="265" r:id="rId27"/>
+    <p:sldId id="264" r:id="rId28"/>
+    <p:sldId id="266" r:id="rId29"/>
+    <p:sldId id="267" r:id="rId30"/>
+    <p:sldId id="278" r:id="rId31"/>
+    <p:sldId id="414" r:id="rId32"/>
+    <p:sldId id="415" r:id="rId33"/>
+    <p:sldId id="268" r:id="rId34"/>
+    <p:sldId id="464" r:id="rId35"/>
+    <p:sldId id="276" r:id="rId36"/>
+    <p:sldId id="277" r:id="rId37"/>
+    <p:sldId id="269" r:id="rId38"/>
+    <p:sldId id="272" r:id="rId39"/>
+    <p:sldId id="274" r:id="rId40"/>
+    <p:sldId id="273" r:id="rId41"/>
+    <p:sldId id="363" r:id="rId42"/>
+    <p:sldId id="447" r:id="rId43"/>
+    <p:sldId id="448" r:id="rId44"/>
+    <p:sldId id="449" r:id="rId45"/>
+    <p:sldId id="450" r:id="rId46"/>
+    <p:sldId id="451" r:id="rId47"/>
+    <p:sldId id="452" r:id="rId48"/>
+    <p:sldId id="453" r:id="rId49"/>
+    <p:sldId id="454" r:id="rId50"/>
+    <p:sldId id="455" r:id="rId51"/>
+    <p:sldId id="456" r:id="rId52"/>
+    <p:sldId id="457" r:id="rId53"/>
+    <p:sldId id="458" r:id="rId54"/>
+    <p:sldId id="459" r:id="rId55"/>
+    <p:sldId id="460" r:id="rId56"/>
+    <p:sldId id="461" r:id="rId57"/>
+    <p:sldId id="462" r:id="rId58"/>
+    <p:sldId id="463" r:id="rId59"/>
+    <p:sldId id="435" r:id="rId60"/>
+    <p:sldId id="270" r:id="rId61"/>
+    <p:sldId id="436" r:id="rId62"/>
   </p:sldIdLst>
   <p:sldSz cx="9144000" cy="6858000" type="screen4x3"/>
   <p:notesSz cx="6858000" cy="9144000"/>
@@ -169,6 +170,22 @@
       </a:defRPr>
     </a:lvl9pPr>
   </p:defaultTextStyle>
+  <p:extLst>
+    <p:ext uri="{EFAFB233-063F-42B5-8137-9DF3F51BA10A}">
+      <p15:sldGuideLst xmlns:p15="http://schemas.microsoft.com/office/powerpoint/2012/main">
+        <p15:guide id="1" orient="horz" pos="2160">
+          <p15:clr>
+            <a:srgbClr val="A4A3A4"/>
+          </p15:clr>
+        </p15:guide>
+        <p15:guide id="2" pos="583">
+          <p15:clr>
+            <a:srgbClr val="A4A3A4"/>
+          </p15:clr>
+        </p15:guide>
+      </p15:sldGuideLst>
+    </p:ext>
+  </p:extLst>
 </p:presentation>
 </file>
 
@@ -254,7 +271,7 @@
           <a:p>
             <a:fld id="{D3AAB66F-B1B7-D045-B4E8-4F60236F228D}" type="datetimeFigureOut">
               <a:rPr lang="en-US" smtClean="0"/>
-              <a:t>6/10/16</a:t>
+              <a:t>1/6/17</a:t>
             </a:fld>
             <a:endParaRPr lang="en-US"/>
           </a:p>
@@ -420,7 +437,7 @@
           <a:p>
             <a:fld id="{BCCF8E76-06A6-164E-A6FA-EC32C13EB232}" type="datetimeFigureOut">
               <a:rPr lang="en-US" smtClean="0"/>
-              <a:t>6/10/16</a:t>
+              <a:t>1/6/17</a:t>
             </a:fld>
             <a:endParaRPr lang="en-US"/>
           </a:p>
@@ -874,7 +891,7 @@
           <a:p>
             <a:fld id="{FD66F34B-9C4D-8640-BB34-4C24A79C9FFB}" type="slidenum">
               <a:rPr lang="en-US" smtClean="0"/>
-              <a:t>31</a:t>
+              <a:t>32</a:t>
             </a:fld>
             <a:endParaRPr lang="en-US"/>
           </a:p>
@@ -970,7 +987,7 @@
           <a:p>
             <a:fld id="{FD66F34B-9C4D-8640-BB34-4C24A79C9FFB}" type="slidenum">
               <a:rPr lang="en-US" smtClean="0"/>
-              <a:t>33</a:t>
+              <a:t>34</a:t>
             </a:fld>
             <a:endParaRPr lang="en-US"/>
           </a:p>
@@ -1081,7 +1098,7 @@
           <a:p>
             <a:fld id="{FD66F34B-9C4D-8640-BB34-4C24A79C9FFB}" type="slidenum">
               <a:rPr lang="en-US" smtClean="0"/>
-              <a:t>35</a:t>
+              <a:t>36</a:t>
             </a:fld>
             <a:endParaRPr lang="en-US"/>
           </a:p>
@@ -1260,7 +1277,7 @@
           <a:p>
             <a:fld id="{FD66F34B-9C4D-8640-BB34-4C24A79C9FFB}" type="slidenum">
               <a:rPr lang="en-US" smtClean="0"/>
-              <a:t>45</a:t>
+              <a:t>46</a:t>
             </a:fld>
             <a:endParaRPr lang="en-US"/>
           </a:p>
@@ -1361,7 +1378,7 @@
           <a:p>
             <a:fld id="{FD66F34B-9C4D-8640-BB34-4C24A79C9FFB}" type="slidenum">
               <a:rPr lang="en-US" smtClean="0"/>
-              <a:t>50</a:t>
+              <a:t>51</a:t>
             </a:fld>
             <a:endParaRPr lang="en-US"/>
           </a:p>
@@ -1614,7 +1631,7 @@
           <a:p>
             <a:fld id="{FD66F34B-9C4D-8640-BB34-4C24A79C9FFB}" type="slidenum">
               <a:rPr lang="en-US" smtClean="0"/>
-              <a:t>51</a:t>
+              <a:t>52</a:t>
             </a:fld>
             <a:endParaRPr lang="en-US"/>
           </a:p>
@@ -1782,7 +1799,7 @@
           <a:p>
             <a:fld id="{FD66F34B-9C4D-8640-BB34-4C24A79C9FFB}" type="slidenum">
               <a:rPr lang="en-US" smtClean="0"/>
-              <a:t>53</a:t>
+              <a:t>54</a:t>
             </a:fld>
             <a:endParaRPr lang="en-US"/>
           </a:p>
@@ -1922,7 +1939,7 @@
           <a:p>
             <a:fld id="{FD66F34B-9C4D-8640-BB34-4C24A79C9FFB}" type="slidenum">
               <a:rPr lang="en-US" smtClean="0"/>
-              <a:t>54</a:t>
+              <a:t>55</a:t>
             </a:fld>
             <a:endParaRPr lang="en-US"/>
           </a:p>
@@ -2055,7 +2072,7 @@
           <a:p>
             <a:fld id="{FD66F34B-9C4D-8640-BB34-4C24A79C9FFB}" type="slidenum">
               <a:rPr lang="en-US" smtClean="0"/>
-              <a:t>55</a:t>
+              <a:t>56</a:t>
             </a:fld>
             <a:endParaRPr lang="en-US"/>
           </a:p>
@@ -2200,7 +2217,7 @@
           <a:p>
             <a:fld id="{FD66F34B-9C4D-8640-BB34-4C24A79C9FFB}" type="slidenum">
               <a:rPr lang="en-US" smtClean="0"/>
-              <a:t>56</a:t>
+              <a:t>57</a:t>
             </a:fld>
             <a:endParaRPr lang="en-US"/>
           </a:p>
@@ -2309,7 +2326,7 @@
           <a:p>
             <a:fld id="{FD66F34B-9C4D-8640-BB34-4C24A79C9FFB}" type="slidenum">
               <a:rPr lang="en-US" smtClean="0"/>
-              <a:t>3</a:t>
+              <a:t>4</a:t>
             </a:fld>
             <a:endParaRPr lang="en-US"/>
           </a:p>
@@ -2417,7 +2434,7 @@
           <a:p>
             <a:fld id="{FD66F34B-9C4D-8640-BB34-4C24A79C9FFB}" type="slidenum">
               <a:rPr lang="en-US" smtClean="0"/>
-              <a:t>57</a:t>
+              <a:t>58</a:t>
             </a:fld>
             <a:endParaRPr lang="en-US"/>
           </a:p>
@@ -2546,7 +2563,7 @@
           <a:p>
             <a:fld id="{FD66F34B-9C4D-8640-BB34-4C24A79C9FFB}" type="slidenum">
               <a:rPr lang="en-US" smtClean="0"/>
-              <a:t>59</a:t>
+              <a:t>60</a:t>
             </a:fld>
             <a:endParaRPr lang="en-US"/>
           </a:p>
@@ -2694,7 +2711,7 @@
           <a:p>
             <a:fld id="{FD66F34B-9C4D-8640-BB34-4C24A79C9FFB}" type="slidenum">
               <a:rPr lang="en-US" smtClean="0"/>
-              <a:t>4</a:t>
+              <a:t>5</a:t>
             </a:fld>
             <a:endParaRPr lang="en-US"/>
           </a:p>
@@ -2786,7 +2803,7 @@
           <a:p>
             <a:fld id="{FD66F34B-9C4D-8640-BB34-4C24A79C9FFB}" type="slidenum">
               <a:rPr lang="en-US" smtClean="0"/>
-              <a:t>8</a:t>
+              <a:t>9</a:t>
             </a:fld>
             <a:endParaRPr lang="en-US"/>
           </a:p>
@@ -2882,7 +2899,7 @@
           <a:p>
             <a:fld id="{FD66F34B-9C4D-8640-BB34-4C24A79C9FFB}" type="slidenum">
               <a:rPr lang="en-US" smtClean="0"/>
-              <a:t>10</a:t>
+              <a:t>11</a:t>
             </a:fld>
             <a:endParaRPr lang="en-US"/>
           </a:p>
@@ -2978,7 +2995,7 @@
           <a:p>
             <a:fld id="{FD66F34B-9C4D-8640-BB34-4C24A79C9FFB}" type="slidenum">
               <a:rPr lang="en-US" smtClean="0"/>
-              <a:t>11</a:t>
+              <a:t>12</a:t>
             </a:fld>
             <a:endParaRPr lang="en-US"/>
           </a:p>
@@ -3066,7 +3083,7 @@
           <a:p>
             <a:fld id="{FD66F34B-9C4D-8640-BB34-4C24A79C9FFB}" type="slidenum">
               <a:rPr lang="en-US" smtClean="0"/>
-              <a:t>17</a:t>
+              <a:t>18</a:t>
             </a:fld>
             <a:endParaRPr lang="en-US"/>
           </a:p>
@@ -3150,7 +3167,7 @@
           <a:p>
             <a:fld id="{FD66F34B-9C4D-8640-BB34-4C24A79C9FFB}" type="slidenum">
               <a:rPr lang="en-US" smtClean="0"/>
-              <a:t>21</a:t>
+              <a:t>22</a:t>
             </a:fld>
             <a:endParaRPr lang="en-US"/>
           </a:p>
@@ -3300,7 +3317,7 @@
           <a:p>
             <a:fld id="{FD66F34B-9C4D-8640-BB34-4C24A79C9FFB}" type="slidenum">
               <a:rPr lang="en-US" smtClean="0"/>
-              <a:t>30</a:t>
+              <a:t>31</a:t>
             </a:fld>
             <a:endParaRPr lang="en-US"/>
           </a:p>
@@ -3836,7 +3853,7 @@
             <a:fld id="{FA3C144B-2939-9A49-B014-915EC3E81866}" type="datetime1">
               <a:rPr lang="en-US" smtClean="0"/>
               <a:pPr/>
-              <a:t>6/10/16</a:t>
+              <a:t>1/6/17</a:t>
             </a:fld>
             <a:endParaRPr lang="en-US" dirty="0"/>
           </a:p>
@@ -4265,7 +4282,7 @@
           <a:p>
             <a:fld id="{76838339-A875-5E45-AB3F-AAABD270346A}" type="datetime1">
               <a:rPr lang="en-US" smtClean="0"/>
-              <a:t>6/10/16</a:t>
+              <a:t>1/6/17</a:t>
             </a:fld>
             <a:endParaRPr lang="en-US"/>
           </a:p>
@@ -4551,7 +4568,7 @@
             <a:fld id="{FA3C144B-2939-9A49-B014-915EC3E81866}" type="datetime1">
               <a:rPr lang="en-US" smtClean="0"/>
               <a:pPr/>
-              <a:t>6/10/16</a:t>
+              <a:t>1/6/17</a:t>
             </a:fld>
             <a:endParaRPr lang="en-US" dirty="0"/>
           </a:p>
@@ -5033,7 +5050,7 @@
           <a:p>
             <a:fld id="{A73F672F-A5FB-5745-934A-1BF51CA5539C}" type="datetime1">
               <a:rPr lang="en-US" smtClean="0"/>
-              <a:t>6/10/16</a:t>
+              <a:t>1/6/17</a:t>
             </a:fld>
             <a:endParaRPr lang="en-US"/>
           </a:p>
@@ -5375,7 +5392,7 @@
             <a:fld id="{FA3C144B-2939-9A49-B014-915EC3E81866}" type="datetime1">
               <a:rPr lang="en-US" smtClean="0"/>
               <a:pPr/>
-              <a:t>6/10/16</a:t>
+              <a:t>1/6/17</a:t>
             </a:fld>
             <a:endParaRPr lang="en-US" dirty="0"/>
           </a:p>
@@ -5839,7 +5856,7 @@
           <a:p>
             <a:fld id="{6AFE6A63-5EBE-3E48-B0AE-DF655A1ECE76}" type="datetime1">
               <a:rPr lang="en-US" smtClean="0"/>
-              <a:t>6/10/16</a:t>
+              <a:t>1/6/17</a:t>
             </a:fld>
             <a:endParaRPr lang="en-US"/>
           </a:p>
@@ -6158,7 +6175,7 @@
           <a:p>
             <a:fld id="{4A019F0C-9D18-B54A-9AC9-18AA74EDB034}" type="datetime1">
               <a:rPr lang="en-US" smtClean="0"/>
-              <a:t>6/10/16</a:t>
+              <a:t>1/6/17</a:t>
             </a:fld>
             <a:endParaRPr lang="en-US"/>
           </a:p>
@@ -6468,7 +6485,7 @@
             <a:fld id="{FA3C144B-2939-9A49-B014-915EC3E81866}" type="datetime1">
               <a:rPr lang="en-US" smtClean="0"/>
               <a:pPr/>
-              <a:t>6/10/16</a:t>
+              <a:t>1/6/17</a:t>
             </a:fld>
             <a:endParaRPr lang="en-US" dirty="0"/>
           </a:p>
@@ -6731,7 +6748,7 @@
           <a:p>
             <a:fld id="{FA3C144B-2939-9A49-B014-915EC3E81866}" type="datetime1">
               <a:rPr lang="en-US" smtClean="0"/>
-              <a:t>6/10/16</a:t>
+              <a:t>1/6/17</a:t>
             </a:fld>
             <a:endParaRPr lang="en-US" dirty="0"/>
           </a:p>
@@ -7099,7 +7116,7 @@
           <a:p>
             <a:fld id="{7053BEFA-1175-F644-B249-7D41D72BD3FF}" type="datetime1">
               <a:rPr lang="en-US" smtClean="0"/>
-              <a:t>6/10/16</a:t>
+              <a:t>1/6/17</a:t>
             </a:fld>
             <a:endParaRPr lang="en-US"/>
           </a:p>
@@ -7218,7 +7235,7 @@
             <a:fld id="{FA3C144B-2939-9A49-B014-915EC3E81866}" type="datetime1">
               <a:rPr lang="en-US" smtClean="0"/>
               <a:pPr/>
-              <a:t>6/10/16</a:t>
+              <a:t>1/6/17</a:t>
             </a:fld>
             <a:endParaRPr lang="en-US" dirty="0"/>
           </a:p>
@@ -7435,7 +7452,7 @@
             <a:fld id="{FA3C144B-2939-9A49-B014-915EC3E81866}" type="datetime1">
               <a:rPr lang="en-US" smtClean="0"/>
               <a:pPr/>
-              <a:t>6/10/16</a:t>
+              <a:t>1/6/17</a:t>
             </a:fld>
             <a:endParaRPr lang="en-US" dirty="0"/>
           </a:p>
@@ -7680,7 +7697,7 @@
             <a:fld id="{FA3C144B-2939-9A49-B014-915EC3E81866}" type="datetime1">
               <a:rPr lang="en-US" smtClean="0"/>
               <a:pPr/>
-              <a:t>6/10/16</a:t>
+              <a:t>1/6/17</a:t>
             </a:fld>
             <a:endParaRPr lang="en-US" dirty="0"/>
           </a:p>
@@ -8058,7 +8075,7 @@
           <a:p>
             <a:fld id="{111EEF3B-ABF2-AA4E-9E24-0C6256942674}" type="datetime1">
               <a:rPr lang="en-US" smtClean="0"/>
-              <a:t>6/10/16</a:t>
+              <a:t>1/6/17</a:t>
             </a:fld>
             <a:endParaRPr lang="en-US"/>
           </a:p>
@@ -8222,7 +8239,7 @@
             <a:fld id="{FA3C144B-2939-9A49-B014-915EC3E81866}" type="datetime1">
               <a:rPr lang="en-US" smtClean="0"/>
               <a:pPr/>
-              <a:t>6/10/16</a:t>
+              <a:t>1/6/17</a:t>
             </a:fld>
             <a:endParaRPr lang="en-US" dirty="0"/>
           </a:p>
@@ -8639,7 +8656,7 @@
             <a:fld id="{FA3C144B-2939-9A49-B014-915EC3E81866}" type="datetime1">
               <a:rPr lang="en-US" smtClean="0"/>
               <a:pPr/>
-              <a:t>6/10/16</a:t>
+              <a:t>1/6/17</a:t>
             </a:fld>
             <a:endParaRPr lang="en-US" dirty="0"/>
           </a:p>
@@ -8955,7 +8972,7 @@
             <a:fld id="{FA3C144B-2939-9A49-B014-915EC3E81866}" type="datetime1">
               <a:rPr lang="en-US" smtClean="0"/>
               <a:pPr/>
-              <a:t>6/10/16</a:t>
+              <a:t>1/6/17</a:t>
             </a:fld>
             <a:endParaRPr lang="en-US" dirty="0"/>
           </a:p>
@@ -9621,7 +9638,7 @@
             <a:fld id="{FA3C144B-2939-9A49-B014-915EC3E81866}" type="datetime1">
               <a:rPr lang="en-US" smtClean="0"/>
               <a:pPr/>
-              <a:t>6/10/16</a:t>
+              <a:t>1/6/17</a:t>
             </a:fld>
             <a:endParaRPr lang="en-US" dirty="0"/>
           </a:p>
@@ -9906,7 +9923,7 @@
           <a:effectLst/>
           <a:extLst>
             <a:ext uri="{91240B29-F687-4f45-9708-019B960494DF}">
-              <a14:hiddenLine xmlns:a14="http://schemas.microsoft.com/office/drawing/2010/main" w="9525">
+              <a14:hiddenLine xmlns:a14="http://schemas.microsoft.com/office/drawing/2010/main" xmlns="" w="9525">
                 <a:solidFill>
                   <a:srgbClr val="000000"/>
                 </a:solidFill>
@@ -9916,7 +9933,7 @@
               </a14:hiddenLine>
             </a:ext>
             <a:ext uri="{AF507438-7753-43e0-B8FC-AC1667EBCBE1}">
-              <a14:hiddenEffects xmlns:a14="http://schemas.microsoft.com/office/drawing/2010/main">
+              <a14:hiddenEffects xmlns:a14="http://schemas.microsoft.com/office/drawing/2010/main" xmlns="">
                 <a:effectLst>
                   <a:outerShdw blurRad="40000" dist="23000" dir="5400000" rotWithShape="0">
                     <a:srgbClr val="000000">
@@ -10016,7 +10033,7 @@
   <p:timing>
     <p:tnLst>
       <p:par>
-        <p:cTn xmlns:p14="http://schemas.microsoft.com/office/powerpoint/2010/main" id="1" dur="indefinite" restart="never" nodeType="tmRoot"/>
+        <p:cTn id="1" dur="indefinite" restart="never" nodeType="tmRoot"/>
       </p:par>
     </p:tnLst>
   </p:timing>
@@ -10623,7 +10640,7 @@
           <a:effectLst/>
           <a:extLst>
             <a:ext uri="{91240B29-F687-4f45-9708-019B960494DF}">
-              <a14:hiddenLine xmlns:a14="http://schemas.microsoft.com/office/drawing/2010/main" w="9525">
+              <a14:hiddenLine xmlns:a14="http://schemas.microsoft.com/office/drawing/2010/main" xmlns="" w="9525">
                 <a:solidFill>
                   <a:srgbClr val="000000"/>
                 </a:solidFill>
@@ -10633,7 +10650,7 @@
               </a14:hiddenLine>
             </a:ext>
             <a:ext uri="{AF507438-7753-43e0-B8FC-AC1667EBCBE1}">
-              <a14:hiddenEffects xmlns:a14="http://schemas.microsoft.com/office/drawing/2010/main">
+              <a14:hiddenEffects xmlns:a14="http://schemas.microsoft.com/office/drawing/2010/main" xmlns="">
                 <a:effectLst>
                   <a:outerShdw blurRad="40000" dist="23000" dir="5400000" rotWithShape="0">
                     <a:srgbClr val="000000">
@@ -10670,7 +10687,7 @@
   <p:timing>
     <p:tnLst>
       <p:par>
-        <p:cTn xmlns:p14="http://schemas.microsoft.com/office/powerpoint/2010/main" id="1" dur="indefinite" restart="never" nodeType="tmRoot"/>
+        <p:cTn id="1" dur="indefinite" restart="never" nodeType="tmRoot"/>
       </p:par>
     </p:tnLst>
   </p:timing>
@@ -10704,27 +10721,14 @@
             <p:ph type="title"/>
           </p:nvPr>
         </p:nvSpPr>
-        <p:spPr>
-          <a:xfrm>
-            <a:off x="954132" y="310162"/>
-            <a:ext cx="6915521" cy="990107"/>
-          </a:xfrm>
-        </p:spPr>
-        <p:txBody>
-          <a:bodyPr/>
-          <a:lstStyle/>
-          <a:p>
-            <a:r>
-              <a:rPr lang="en-US" dirty="0" smtClean="0"/>
-              <a:t>What are some Big </a:t>
-            </a:r>
-            <a:r>
-              <a:rPr lang="en-US" dirty="0"/>
-              <a:t>D</a:t>
-            </a:r>
-            <a:r>
-              <a:rPr lang="en-US" dirty="0" smtClean="0"/>
-              <a:t>ata problems?</a:t>
+        <p:spPr/>
+        <p:txBody>
+          <a:bodyPr/>
+          <a:lstStyle/>
+          <a:p>
+            <a:r>
+              <a:rPr lang="en-US" dirty="0" smtClean="0"/>
+              <a:t>What do we want to do with it?</a:t>
             </a:r>
             <a:endParaRPr lang="en-US" dirty="0"/>
           </a:p>
@@ -10747,35 +10751,33 @@
           <a:p>
             <a:r>
               <a:rPr lang="en-US" dirty="0" smtClean="0"/>
-              <a:t>Acquiring data</a:t>
-            </a:r>
-          </a:p>
-          <a:p>
-            <a:r>
-              <a:rPr lang="en-US" dirty="0" smtClean="0"/>
-              <a:t>Choosing an </a:t>
-            </a:r>
-            <a:r>
-              <a:rPr lang="en-US" dirty="0" smtClean="0"/>
-              <a:t>appropriate architecture</a:t>
-            </a:r>
-            <a:endParaRPr lang="en-US" dirty="0" smtClean="0"/>
-          </a:p>
-          <a:p>
-            <a:r>
-              <a:rPr lang="en-US" dirty="0" smtClean="0"/>
-              <a:t>Case Study</a:t>
-            </a:r>
-          </a:p>
-          <a:p>
-            <a:r>
-              <a:rPr lang="en-US" dirty="0" smtClean="0"/>
-              <a:t>Algorithmic Insights</a:t>
-            </a:r>
-            <a:endParaRPr lang="en-US" dirty="0"/>
-          </a:p>
-          <a:p>
-            <a:endParaRPr lang="en-US" dirty="0" smtClean="0"/>
+              <a:t>Demand driven analytics / direct modification</a:t>
+            </a:r>
+          </a:p>
+          <a:p>
+            <a:r>
+              <a:rPr lang="en-US" dirty="0" smtClean="0"/>
+              <a:t>Communicating high confidence results</a:t>
+            </a:r>
+          </a:p>
+          <a:p>
+            <a:r>
+              <a:rPr lang="en-US" dirty="0" smtClean="0"/>
+              <a:t>Track provenance and manipulation</a:t>
+            </a:r>
+          </a:p>
+          <a:p>
+            <a:r>
+              <a:rPr lang="en-US" dirty="0" smtClean="0"/>
+              <a:t>Test hypotheses and form theories (academic and/or design)</a:t>
+            </a:r>
+          </a:p>
+          <a:p>
+            <a:r>
+              <a:rPr lang="en-US" dirty="0" smtClean="0"/>
+              <a:t>Identify relationships</a:t>
+            </a:r>
+            <a:endParaRPr lang="en-US" dirty="0"/>
           </a:p>
         </p:txBody>
       </p:sp>
@@ -10796,7 +10798,7 @@
           <a:p>
             <a:fld id="{7053BEFA-1175-F644-B249-7D41D72BD3FF}" type="datetime1">
               <a:rPr lang="en-US" smtClean="0"/>
-              <a:t>6/12/16</a:t>
+              <a:t>1/6/17</a:t>
             </a:fld>
             <a:endParaRPr lang="en-US"/>
           </a:p>
@@ -10847,7 +10849,7 @@
     </p:spTree>
     <p:extLst>
       <p:ext uri="{BB962C8B-B14F-4D97-AF65-F5344CB8AC3E}">
-        <p14:creationId xmlns:p14="http://schemas.microsoft.com/office/powerpoint/2010/main" val="195419440"/>
+        <p14:creationId xmlns:p14="http://schemas.microsoft.com/office/powerpoint/2010/main" val="719339863"/>
       </p:ext>
     </p:extLst>
   </p:cSld>
@@ -10926,86 +10928,31 @@
           <a:lstStyle/>
           <a:p>
             <a:r>
-              <a:rPr lang="en-US" b="1" dirty="0"/>
-              <a:t>Acquiring data: </a:t>
-            </a:r>
-            <a:r>
-              <a:rPr lang="en-US" dirty="0"/>
-              <a:t>Acquiring: standards </a:t>
-            </a:r>
-            <a:r>
-              <a:rPr lang="en-US" dirty="0" smtClean="0"/>
-              <a:t>don</a:t>
-            </a:r>
-            <a:r>
-              <a:rPr lang="fr-FR" dirty="0" smtClean="0"/>
-              <a:t>’</a:t>
-            </a:r>
-            <a:r>
-              <a:rPr lang="en-US" dirty="0" smtClean="0"/>
-              <a:t>t </a:t>
-            </a:r>
-            <a:r>
-              <a:rPr lang="en-US" dirty="0"/>
-              <a:t>exist for announcing, sharing, or formatting</a:t>
-            </a:r>
+              <a:rPr lang="en-US" dirty="0" smtClean="0"/>
+              <a:t>Acquiring data</a:t>
+            </a:r>
+          </a:p>
+          <a:p>
+            <a:r>
+              <a:rPr lang="en-US" dirty="0" smtClean="0"/>
+              <a:t>Choosing an appropriate architecture</a:t>
+            </a:r>
+          </a:p>
+          <a:p>
+            <a:r>
+              <a:rPr lang="en-US" dirty="0" smtClean="0"/>
+              <a:t>Case Study</a:t>
+            </a:r>
+          </a:p>
+          <a:p>
+            <a:r>
+              <a:rPr lang="en-US" dirty="0" smtClean="0"/>
+              <a:t>Algorithmic Insights</a:t>
+            </a:r>
+            <a:endParaRPr lang="en-US" dirty="0"/>
+          </a:p>
+          <a:p>
             <a:endParaRPr lang="en-US" dirty="0" smtClean="0"/>
-          </a:p>
-          <a:p>
-            <a:r>
-              <a:rPr lang="en-US" dirty="0" smtClean="0">
-                <a:solidFill>
-                  <a:schemeClr val="accent5"/>
-                </a:solidFill>
-              </a:rPr>
-              <a:t>Choosing </a:t>
-            </a:r>
-            <a:r>
-              <a:rPr lang="en-US" dirty="0">
-                <a:solidFill>
-                  <a:schemeClr val="accent5"/>
-                </a:solidFill>
-              </a:rPr>
-              <a:t>an </a:t>
-            </a:r>
-            <a:r>
-              <a:rPr lang="en-US" dirty="0" smtClean="0">
-                <a:solidFill>
-                  <a:schemeClr val="accent5"/>
-                </a:solidFill>
-              </a:rPr>
-              <a:t>appropriate architecture</a:t>
-            </a:r>
-            <a:endParaRPr lang="en-US" dirty="0">
-              <a:solidFill>
-                <a:schemeClr val="accent5"/>
-              </a:solidFill>
-            </a:endParaRPr>
-          </a:p>
-          <a:p>
-            <a:r>
-              <a:rPr lang="en-US" dirty="0">
-                <a:solidFill>
-                  <a:schemeClr val="accent5"/>
-                </a:solidFill>
-              </a:rPr>
-              <a:t>Case Study</a:t>
-            </a:r>
-          </a:p>
-          <a:p>
-            <a:r>
-              <a:rPr lang="en-US" dirty="0" smtClean="0">
-                <a:solidFill>
-                  <a:schemeClr val="accent5"/>
-                </a:solidFill>
-              </a:rPr>
-              <a:t>Algorithmic Insights</a:t>
-            </a:r>
-            <a:endParaRPr lang="en-US" dirty="0">
-              <a:solidFill>
-                <a:schemeClr val="accent5"/>
-              </a:solidFill>
-            </a:endParaRPr>
           </a:p>
         </p:txBody>
       </p:sp>
@@ -11026,7 +10973,7 @@
           <a:p>
             <a:fld id="{7053BEFA-1175-F644-B249-7D41D72BD3FF}" type="datetime1">
               <a:rPr lang="en-US" smtClean="0"/>
-              <a:t>6/12/16</a:t>
+              <a:t>1/6/17</a:t>
             </a:fld>
             <a:endParaRPr lang="en-US"/>
           </a:p>
@@ -11077,7 +11024,7 @@
     </p:spTree>
     <p:extLst>
       <p:ext uri="{BB962C8B-B14F-4D97-AF65-F5344CB8AC3E}">
-        <p14:creationId xmlns:p14="http://schemas.microsoft.com/office/powerpoint/2010/main" val="4018642143"/>
+        <p14:creationId xmlns:p14="http://schemas.microsoft.com/office/powerpoint/2010/main" val="195419440"/>
       </p:ext>
     </p:extLst>
   </p:cSld>
@@ -11116,8 +11063,8 @@
         </p:nvSpPr>
         <p:spPr>
           <a:xfrm>
-            <a:off x="954131" y="310162"/>
-            <a:ext cx="8061951" cy="990107"/>
+            <a:off x="954132" y="310162"/>
+            <a:ext cx="6915521" cy="990107"/>
           </a:xfrm>
         </p:spPr>
         <p:txBody>
@@ -11126,26 +11073,15 @@
           <a:p>
             <a:r>
               <a:rPr lang="en-US" dirty="0" smtClean="0"/>
-              <a:t>Special Case:</a:t>
-            </a:r>
-            <a:br>
-              <a:rPr lang="en-US" dirty="0" smtClean="0"/>
-            </a:br>
-            <a:r>
-              <a:rPr lang="en-US" dirty="0" smtClean="0"/>
-              <a:t>Mining </a:t>
-            </a:r>
-            <a:r>
-              <a:rPr lang="en-US" dirty="0" smtClean="0"/>
-              <a:t>data from streams [</a:t>
-            </a:r>
-            <a:r>
-              <a:rPr lang="en-US" i="1" dirty="0" smtClean="0"/>
-              <a:t>e.g.</a:t>
-            </a:r>
-            <a:r>
-              <a:rPr lang="en-US" dirty="0" smtClean="0"/>
-              <a:t>, Twitter]</a:t>
+              <a:t>What are some Big </a:t>
+            </a:r>
+            <a:r>
+              <a:rPr lang="en-US" dirty="0"/>
+              <a:t>D</a:t>
+            </a:r>
+            <a:r>
+              <a:rPr lang="en-US" dirty="0" smtClean="0"/>
+              <a:t>ata problems?</a:t>
             </a:r>
             <a:endParaRPr lang="en-US" dirty="0"/>
           </a:p>
@@ -11166,45 +11102,87 @@
           <a:bodyPr/>
           <a:lstStyle/>
           <a:p>
-            <a:pPr marL="0" indent="0">
-              <a:buNone/>
-            </a:pPr>
-            <a:r>
-              <a:rPr lang="en-US" dirty="0" smtClean="0"/>
-              <a:t>Don’t know entire data set in advance</a:t>
-            </a:r>
-          </a:p>
-          <a:p>
-            <a:pPr marL="0" indent="0">
-              <a:buNone/>
-            </a:pPr>
-            <a:r>
-              <a:rPr lang="en-US" dirty="0" smtClean="0"/>
-              <a:t>Cannot store entire stream</a:t>
-            </a:r>
-            <a:endParaRPr lang="en-US" dirty="0"/>
-          </a:p>
-          <a:p>
-            <a:pPr marL="0" indent="0">
-              <a:buNone/>
-            </a:pPr>
-            <a:r>
-              <a:rPr lang="en-US" dirty="0" smtClean="0"/>
-              <a:t>Ideal for ‘online learning’ </a:t>
-            </a:r>
-          </a:p>
-          <a:p>
-            <a:r>
-              <a:rPr lang="en-US" dirty="0" smtClean="0"/>
-              <a:t>Train on initial data</a:t>
-            </a:r>
-          </a:p>
-          <a:p>
-            <a:r>
-              <a:rPr lang="en-US" dirty="0" smtClean="0"/>
-              <a:t>Each new example in the stream updates the model</a:t>
-            </a:r>
-            <a:endParaRPr lang="en-US" dirty="0"/>
+            <a:r>
+              <a:rPr lang="en-US" b="1" dirty="0"/>
+              <a:t>Acquiring data: </a:t>
+            </a:r>
+            <a:r>
+              <a:rPr lang="en-US" dirty="0"/>
+              <a:t>Acquiring: standards </a:t>
+            </a:r>
+            <a:r>
+              <a:rPr lang="en-US" dirty="0" smtClean="0"/>
+              <a:t>don</a:t>
+            </a:r>
+            <a:r>
+              <a:rPr lang="fr-FR" dirty="0" smtClean="0"/>
+              <a:t>’</a:t>
+            </a:r>
+            <a:r>
+              <a:rPr lang="en-US" dirty="0" smtClean="0"/>
+              <a:t>t </a:t>
+            </a:r>
+            <a:r>
+              <a:rPr lang="en-US" dirty="0"/>
+              <a:t>exist for announcing, sharing, or formatting</a:t>
+            </a:r>
+            <a:endParaRPr lang="en-US" dirty="0" smtClean="0"/>
+          </a:p>
+          <a:p>
+            <a:r>
+              <a:rPr lang="en-US" dirty="0" smtClean="0">
+                <a:solidFill>
+                  <a:schemeClr val="accent5"/>
+                </a:solidFill>
+              </a:rPr>
+              <a:t>Choosing </a:t>
+            </a:r>
+            <a:r>
+              <a:rPr lang="en-US" dirty="0">
+                <a:solidFill>
+                  <a:schemeClr val="accent5"/>
+                </a:solidFill>
+              </a:rPr>
+              <a:t>an </a:t>
+            </a:r>
+            <a:r>
+              <a:rPr lang="en-US" dirty="0" smtClean="0">
+                <a:solidFill>
+                  <a:schemeClr val="accent5"/>
+                </a:solidFill>
+              </a:rPr>
+              <a:t>appropriate architecture</a:t>
+            </a:r>
+            <a:endParaRPr lang="en-US" dirty="0">
+              <a:solidFill>
+                <a:schemeClr val="accent5"/>
+              </a:solidFill>
+            </a:endParaRPr>
+          </a:p>
+          <a:p>
+            <a:r>
+              <a:rPr lang="en-US" dirty="0">
+                <a:solidFill>
+                  <a:schemeClr val="accent5"/>
+                </a:solidFill>
+              </a:rPr>
+              <a:t>Case Study</a:t>
+            </a:r>
+          </a:p>
+          <a:p>
+            <a:r>
+              <a:rPr lang="en-US" dirty="0" smtClean="0">
+                <a:solidFill>
+                  <a:schemeClr val="accent5"/>
+                </a:solidFill>
+              </a:rPr>
+              <a:t>Algorithmic Insights</a:t>
+            </a:r>
+            <a:endParaRPr lang="en-US" dirty="0">
+              <a:solidFill>
+                <a:schemeClr val="accent5"/>
+              </a:solidFill>
+            </a:endParaRPr>
           </a:p>
         </p:txBody>
       </p:sp>
@@ -11225,7 +11203,7 @@
           <a:p>
             <a:fld id="{7053BEFA-1175-F644-B249-7D41D72BD3FF}" type="datetime1">
               <a:rPr lang="en-US" smtClean="0"/>
-              <a:t>6/12/16</a:t>
+              <a:t>1/6/17</a:t>
             </a:fld>
             <a:endParaRPr lang="en-US"/>
           </a:p>
@@ -11276,7 +11254,7 @@
     </p:spTree>
     <p:extLst>
       <p:ext uri="{BB962C8B-B14F-4D97-AF65-F5344CB8AC3E}">
-        <p14:creationId xmlns:p14="http://schemas.microsoft.com/office/powerpoint/2010/main" val="3872599222"/>
+        <p14:creationId xmlns:p14="http://schemas.microsoft.com/office/powerpoint/2010/main" val="4018642143"/>
       </p:ext>
     </p:extLst>
   </p:cSld>
@@ -11313,66 +11291,93 @@
             <p:ph type="title"/>
           </p:nvPr>
         </p:nvSpPr>
-        <p:spPr/>
-        <p:txBody>
-          <a:bodyPr/>
-          <a:lstStyle/>
-          <a:p>
-            <a:r>
-              <a:rPr lang="en-US" dirty="0" smtClean="0"/>
-              <a:t>Sampling from Streams</a:t>
-            </a:r>
-            <a:endParaRPr lang="en-US" dirty="0"/>
-          </a:p>
-        </p:txBody>
-      </p:sp>
-      <p:sp>
-        <p:nvSpPr>
-          <p:cNvPr id="3" name="Content Placeholder 2"/>
-          <p:cNvSpPr>
-            <a:spLocks noGrp="1"/>
-          </p:cNvSpPr>
-          <p:nvPr>
-            <p:ph idx="1"/>
-          </p:nvPr>
-        </p:nvSpPr>
         <p:spPr>
           <a:xfrm>
-            <a:off x="1128943" y="1621018"/>
-            <a:ext cx="7048804" cy="4379976"/>
+            <a:off x="954131" y="310162"/>
+            <a:ext cx="8061951" cy="990107"/>
           </a:xfrm>
         </p:spPr>
         <p:txBody>
           <a:bodyPr/>
           <a:lstStyle/>
           <a:p>
+            <a:r>
+              <a:rPr lang="en-US" dirty="0" smtClean="0"/>
+              <a:t>Special Case:</a:t>
+            </a:r>
+            <a:br>
+              <a:rPr lang="en-US" dirty="0" smtClean="0"/>
+            </a:br>
+            <a:r>
+              <a:rPr lang="en-US" dirty="0" smtClean="0"/>
+              <a:t>Mining data from streams [</a:t>
+            </a:r>
+            <a:r>
+              <a:rPr lang="en-US" i="1" dirty="0" smtClean="0"/>
+              <a:t>e.g.</a:t>
+            </a:r>
+            <a:r>
+              <a:rPr lang="en-US" dirty="0" smtClean="0"/>
+              <a:t>, Twitter]</a:t>
+            </a:r>
+            <a:endParaRPr lang="en-US" dirty="0"/>
+          </a:p>
+        </p:txBody>
+      </p:sp>
+      <p:sp>
+        <p:nvSpPr>
+          <p:cNvPr id="3" name="Content Placeholder 2"/>
+          <p:cNvSpPr>
+            <a:spLocks noGrp="1"/>
+          </p:cNvSpPr>
+          <p:nvPr>
+            <p:ph idx="1"/>
+          </p:nvPr>
+        </p:nvSpPr>
+        <p:spPr/>
+        <p:txBody>
+          <a:bodyPr/>
+          <a:lstStyle/>
+          <a:p>
             <a:pPr marL="0" indent="0">
               <a:buNone/>
             </a:pPr>
             <a:r>
               <a:rPr lang="en-US" dirty="0" smtClean="0"/>
-              <a:t>Example</a:t>
-            </a:r>
-            <a:r>
-              <a:rPr lang="en-US" dirty="0"/>
-              <a:t>: Want to ask question of a subset of data and have them be representative of the whole stream</a:t>
+              <a:t>Don’t know entire data set in advance</a:t>
             </a:r>
           </a:p>
           <a:p>
             <a:pPr marL="0" indent="0">
               <a:buNone/>
             </a:pPr>
-            <a:endParaRPr lang="en-US" dirty="0" smtClean="0"/>
+            <a:r>
+              <a:rPr lang="en-US" dirty="0" smtClean="0"/>
+              <a:t>Cannot store entire stream</a:t>
+            </a:r>
+            <a:endParaRPr lang="en-US" dirty="0"/>
           </a:p>
           <a:p>
             <a:pPr marL="0" indent="0">
               <a:buNone/>
             </a:pPr>
             <a:r>
-              <a:rPr lang="en-US" dirty="0"/>
-              <a:t>	</a:t>
-            </a:r>
-            <a:endParaRPr lang="en-US" dirty="0" smtClean="0"/>
+              <a:rPr lang="en-US" dirty="0" smtClean="0"/>
+              <a:t>Ideal for ‘online learning’ </a:t>
+            </a:r>
+          </a:p>
+          <a:p>
+            <a:r>
+              <a:rPr lang="en-US" dirty="0" smtClean="0"/>
+              <a:t>Train on initial data</a:t>
+            </a:r>
+          </a:p>
+          <a:p>
+            <a:r>
+              <a:rPr lang="en-US" dirty="0" smtClean="0"/>
+              <a:t>Each new example in the stream updates the model</a:t>
+            </a:r>
+            <a:endParaRPr lang="en-US" dirty="0"/>
           </a:p>
         </p:txBody>
       </p:sp>
@@ -11393,7 +11398,7 @@
           <a:p>
             <a:fld id="{7053BEFA-1175-F644-B249-7D41D72BD3FF}" type="datetime1">
               <a:rPr lang="en-US" smtClean="0"/>
-              <a:t>6/12/16</a:t>
+              <a:t>1/6/17</a:t>
             </a:fld>
             <a:endParaRPr lang="en-US"/>
           </a:p>
@@ -11441,91 +11446,10 @@
           </a:p>
         </p:txBody>
       </p:sp>
-      <p:sp>
-        <p:nvSpPr>
-          <p:cNvPr id="7" name="Rectangle 6"/>
-          <p:cNvSpPr/>
-          <p:nvPr/>
-        </p:nvSpPr>
-        <p:spPr>
-          <a:xfrm>
-            <a:off x="1128943" y="5635665"/>
-            <a:ext cx="7219734" cy="369332"/>
-          </a:xfrm>
-          <a:prstGeom prst="rect">
-            <a:avLst/>
-          </a:prstGeom>
-        </p:spPr>
-        <p:txBody>
-          <a:bodyPr wrap="square">
-            <a:spAutoFit/>
-          </a:bodyPr>
-          <a:lstStyle/>
-          <a:p>
-            <a:r>
-              <a:rPr lang="en-US" dirty="0" err="1" smtClean="0"/>
-              <a:t>infolab.stanford.edu</a:t>
-            </a:r>
-            <a:r>
-              <a:rPr lang="en-US" dirty="0" smtClean="0"/>
-              <a:t>/~</a:t>
-            </a:r>
-            <a:r>
-              <a:rPr lang="en-US" dirty="0" err="1" smtClean="0"/>
-              <a:t>ullman</a:t>
-            </a:r>
-            <a:r>
-              <a:rPr lang="en-US" dirty="0" smtClean="0"/>
-              <a:t>/</a:t>
-            </a:r>
-            <a:r>
-              <a:rPr lang="en-US" dirty="0" err="1" smtClean="0"/>
-              <a:t>mmds</a:t>
-            </a:r>
-            <a:r>
-              <a:rPr lang="en-US" dirty="0" smtClean="0"/>
-              <a:t>/ch4.pdf</a:t>
-            </a:r>
-            <a:endParaRPr lang="en-US" dirty="0"/>
-          </a:p>
-        </p:txBody>
-      </p:sp>
-      <p:sp>
-        <p:nvSpPr>
-          <p:cNvPr id="8" name="Rectangle 7"/>
-          <p:cNvSpPr/>
-          <p:nvPr/>
-        </p:nvSpPr>
-        <p:spPr>
-          <a:xfrm>
-            <a:off x="1142657" y="6044837"/>
-            <a:ext cx="6223341" cy="369332"/>
-          </a:xfrm>
-          <a:prstGeom prst="rect">
-            <a:avLst/>
-          </a:prstGeom>
-        </p:spPr>
-        <p:txBody>
-          <a:bodyPr wrap="square">
-            <a:spAutoFit/>
-          </a:bodyPr>
-          <a:lstStyle/>
-          <a:p>
-            <a:r>
-              <a:rPr lang="en-US" dirty="0" err="1"/>
-              <a:t>www.kdd.org</a:t>
-            </a:r>
-            <a:r>
-              <a:rPr lang="en-US" dirty="0"/>
-              <a:t>/kdd2014/tutorials/t10_part1.pptx</a:t>
-            </a:r>
-          </a:p>
-        </p:txBody>
-      </p:sp>
     </p:spTree>
     <p:extLst>
       <p:ext uri="{BB962C8B-B14F-4D97-AF65-F5344CB8AC3E}">
-        <p14:creationId xmlns:p14="http://schemas.microsoft.com/office/powerpoint/2010/main" val="3278992490"/>
+        <p14:creationId xmlns:p14="http://schemas.microsoft.com/office/powerpoint/2010/main" val="3872599222"/>
       </p:ext>
     </p:extLst>
   </p:cSld>
@@ -11604,53 +11528,8 @@
             </a:r>
             <a:r>
               <a:rPr lang="en-US" dirty="0"/>
-              <a:t>: Want to ask question of a subset of data and have them be representative of the whole </a:t>
-            </a:r>
-            <a:r>
-              <a:rPr lang="en-US" dirty="0" smtClean="0"/>
-              <a:t>stream</a:t>
-            </a:r>
-          </a:p>
-          <a:p>
-            <a:pPr marL="0" indent="0">
-              <a:buNone/>
-            </a:pPr>
-            <a:r>
-              <a:rPr lang="en-US" dirty="0" smtClean="0"/>
-              <a:t>Could sample 1 of every n elements</a:t>
-            </a:r>
-          </a:p>
-          <a:p>
-            <a:pPr marL="0" indent="0">
-              <a:buNone/>
-            </a:pPr>
-            <a:r>
-              <a:rPr lang="en-US" dirty="0" smtClean="0"/>
-              <a:t>Can also sample based on priority, weights, etc.</a:t>
-            </a:r>
-          </a:p>
-          <a:p>
-            <a:pPr marL="0" indent="0">
-              <a:buNone/>
-            </a:pPr>
-            <a:r>
-              <a:rPr lang="en-US" dirty="0" smtClean="0"/>
-              <a:t>Can sample based on a </a:t>
-            </a:r>
-            <a:r>
-              <a:rPr lang="en-US" dirty="0" smtClean="0"/>
-              <a:t>filter</a:t>
-            </a:r>
-          </a:p>
-          <a:p>
-            <a:pPr marL="0" indent="0">
-              <a:buNone/>
-            </a:pPr>
-            <a:r>
-              <a:rPr lang="en-US" dirty="0" smtClean="0"/>
-              <a:t>Can sample 1/n users </a:t>
-            </a:r>
-            <a:endParaRPr lang="en-US" dirty="0" smtClean="0"/>
+              <a:t>: Want to ask question of a subset of data and have them be representative of the whole stream</a:t>
+            </a:r>
           </a:p>
           <a:p>
             <a:pPr marL="0" indent="0">
@@ -11662,6 +11541,10 @@
             <a:pPr marL="0" indent="0">
               <a:buNone/>
             </a:pPr>
+            <a:r>
+              <a:rPr lang="en-US" dirty="0"/>
+              <a:t>	</a:t>
+            </a:r>
             <a:endParaRPr lang="en-US" dirty="0" smtClean="0"/>
           </a:p>
         </p:txBody>
@@ -11683,7 +11566,7 @@
           <a:p>
             <a:fld id="{7053BEFA-1175-F644-B249-7D41D72BD3FF}" type="datetime1">
               <a:rPr lang="en-US" smtClean="0"/>
-              <a:t>6/12/16</a:t>
+              <a:t>1/6/17</a:t>
             </a:fld>
             <a:endParaRPr lang="en-US"/>
           </a:p>
@@ -11815,7 +11698,7 @@
     </p:spTree>
     <p:extLst>
       <p:ext uri="{BB962C8B-B14F-4D97-AF65-F5344CB8AC3E}">
-        <p14:creationId xmlns:p14="http://schemas.microsoft.com/office/powerpoint/2010/main" val="3024281597"/>
+        <p14:creationId xmlns:p14="http://schemas.microsoft.com/office/powerpoint/2010/main" val="3278992490"/>
       </p:ext>
     </p:extLst>
   </p:cSld>
@@ -11826,7 +11709,7 @@
 </file>
 
 <file path=ppt/slides/slide15.xml><?xml version="1.0" encoding="utf-8"?>
-<p:sld xmlns:a="http://schemas.openxmlformats.org/drawingml/2006/main" xmlns:r="http://schemas.openxmlformats.org/officeDocument/2006/relationships" xmlns:p="http://schemas.openxmlformats.org/presentationml/2006/main" show="0">
+<p:sld xmlns:a="http://schemas.openxmlformats.org/drawingml/2006/main" xmlns:r="http://schemas.openxmlformats.org/officeDocument/2006/relationships" xmlns:p="http://schemas.openxmlformats.org/presentationml/2006/main">
   <p:cSld>
     <p:spTree>
       <p:nvGrpSpPr>
@@ -11889,8 +11772,12 @@
               <a:buNone/>
             </a:pPr>
             <a:r>
+              <a:rPr lang="en-US" dirty="0" smtClean="0"/>
+              <a:t>Example</a:t>
+            </a:r>
+            <a:r>
               <a:rPr lang="en-US" dirty="0"/>
-              <a:t>Example: Want to ask question of a subset of data and have them be representative of the whole </a:t>
+              <a:t>: Want to ask question of a subset of data and have them be representative of the whole </a:t>
             </a:r>
             <a:r>
               <a:rPr lang="en-US" dirty="0" smtClean="0"/>
@@ -11903,7 +11790,34 @@
             </a:pPr>
             <a:r>
               <a:rPr lang="en-US" dirty="0" smtClean="0"/>
-              <a:t>Example: Want to ask a question over a subset of time</a:t>
+              <a:t>Could sample 1 of every n elements</a:t>
+            </a:r>
+          </a:p>
+          <a:p>
+            <a:pPr marL="0" indent="0">
+              <a:buNone/>
+            </a:pPr>
+            <a:r>
+              <a:rPr lang="en-US" dirty="0" smtClean="0"/>
+              <a:t>Can also sample based on priority, weights, etc.</a:t>
+            </a:r>
+          </a:p>
+          <a:p>
+            <a:pPr marL="0" indent="0">
+              <a:buNone/>
+            </a:pPr>
+            <a:r>
+              <a:rPr lang="en-US" dirty="0" smtClean="0"/>
+              <a:t>Can sample based on a filter</a:t>
+            </a:r>
+          </a:p>
+          <a:p>
+            <a:pPr marL="0" indent="0">
+              <a:buNone/>
+            </a:pPr>
+            <a:r>
+              <a:rPr lang="en-US" dirty="0" smtClean="0"/>
+              <a:t>Can sample 1/n users </a:t>
             </a:r>
           </a:p>
           <a:p>
@@ -11916,10 +11830,6 @@
             <a:pPr marL="0" indent="0">
               <a:buNone/>
             </a:pPr>
-            <a:r>
-              <a:rPr lang="en-US" dirty="0"/>
-              <a:t>	</a:t>
-            </a:r>
             <a:endParaRPr lang="en-US" dirty="0" smtClean="0"/>
           </a:p>
         </p:txBody>
@@ -11941,7 +11851,7 @@
           <a:p>
             <a:fld id="{7053BEFA-1175-F644-B249-7D41D72BD3FF}" type="datetime1">
               <a:rPr lang="en-US" smtClean="0"/>
-              <a:t>6/12/16</a:t>
+              <a:t>1/6/17</a:t>
             </a:fld>
             <a:endParaRPr lang="en-US"/>
           </a:p>
@@ -12073,21 +11983,13 @@
     </p:spTree>
     <p:extLst>
       <p:ext uri="{BB962C8B-B14F-4D97-AF65-F5344CB8AC3E}">
-        <p14:creationId xmlns:p14="http://schemas.microsoft.com/office/powerpoint/2010/main" val="3643639623"/>
+        <p14:creationId xmlns:p14="http://schemas.microsoft.com/office/powerpoint/2010/main" val="3024281597"/>
       </p:ext>
     </p:extLst>
   </p:cSld>
   <p:clrMapOvr>
     <a:masterClrMapping/>
   </p:clrMapOvr>
-  <mc:AlternateContent xmlns:mc="http://schemas.openxmlformats.org/markup-compatibility/2006">
-    <mc:Choice xmlns:p14="http://schemas.microsoft.com/office/powerpoint/2010/main" Requires="p14">
-      <p:transition spd="slow" p14:dur="2000"/>
-    </mc:Choice>
-    <mc:Fallback>
-      <p:transition xmlns:p14="http://schemas.microsoft.com/office/powerpoint/2010/main" spd="slow"/>
-    </mc:Fallback>
-  </mc:AlternateContent>
 </p:sld>
 </file>
 
@@ -12169,53 +12071,14 @@
             </a:pPr>
             <a:r>
               <a:rPr lang="en-US" dirty="0" smtClean="0"/>
-              <a:t>Example: Want to ask a question over a period</a:t>
-            </a:r>
-          </a:p>
-          <a:p>
-            <a:pPr lvl="1"/>
-            <a:r>
-              <a:rPr lang="en-US" i="1" dirty="0"/>
-              <a:t>E</a:t>
-            </a:r>
-            <a:r>
-              <a:rPr lang="en-US" i="1" dirty="0" smtClean="0"/>
-              <a:t>.g</a:t>
-            </a:r>
-            <a:r>
-              <a:rPr lang="en-US" i="1" dirty="0"/>
-              <a:t>. </a:t>
-            </a:r>
-            <a:r>
-              <a:rPr lang="en-US" dirty="0"/>
-              <a:t>Which pages are getting an unusual number of hits this hour</a:t>
-            </a:r>
-            <a:r>
-              <a:rPr lang="en-US" dirty="0" smtClean="0"/>
-              <a:t>?</a:t>
-            </a:r>
-          </a:p>
-          <a:p>
-            <a:pPr lvl="1"/>
-            <a:r>
-              <a:rPr lang="en-US" i="1" dirty="0" smtClean="0"/>
-              <a:t>E.g. </a:t>
-            </a:r>
-            <a:r>
-              <a:rPr lang="en-US" dirty="0"/>
-              <a:t>W</a:t>
-            </a:r>
-            <a:r>
-              <a:rPr lang="en-US" dirty="0" smtClean="0"/>
-              <a:t>hat queries are more frequent today than yesterday?</a:t>
-            </a:r>
-            <a:endParaRPr lang="en-US" i="1" dirty="0" smtClean="0"/>
+              <a:t>Example: Want to ask a question over a subset of time</a:t>
+            </a:r>
           </a:p>
           <a:p>
             <a:pPr marL="0" indent="0">
               <a:buNone/>
             </a:pPr>
-            <a:endParaRPr lang="en-US" dirty="0"/>
+            <a:endParaRPr lang="en-US" dirty="0" smtClean="0"/>
           </a:p>
           <a:p>
             <a:pPr marL="0" indent="0">
@@ -12246,7 +12109,7 @@
           <a:p>
             <a:fld id="{7053BEFA-1175-F644-B249-7D41D72BD3FF}" type="datetime1">
               <a:rPr lang="en-US" smtClean="0"/>
-              <a:t>6/12/16</a:t>
+              <a:t>1/6/17</a:t>
             </a:fld>
             <a:endParaRPr lang="en-US"/>
           </a:p>
@@ -12378,7 +12241,7 @@
     </p:spTree>
     <p:extLst>
       <p:ext uri="{BB962C8B-B14F-4D97-AF65-F5344CB8AC3E}">
-        <p14:creationId xmlns:p14="http://schemas.microsoft.com/office/powerpoint/2010/main" val="3764982648"/>
+        <p14:creationId xmlns:p14="http://schemas.microsoft.com/office/powerpoint/2010/main" val="3643639623"/>
       </p:ext>
     </p:extLst>
   </p:cSld>
@@ -12390,7 +12253,7 @@
       <p:transition spd="slow" p14:dur="2000"/>
     </mc:Choice>
     <mc:Fallback>
-      <p:transition xmlns:p14="http://schemas.microsoft.com/office/powerpoint/2010/main" spd="slow"/>
+      <p:transition spd="slow"/>
     </mc:Fallback>
   </mc:AlternateContent>
 </p:sld>
@@ -12423,55 +12286,114 @@
             <p:ph type="title"/>
           </p:nvPr>
         </p:nvSpPr>
+        <p:spPr/>
+        <p:txBody>
+          <a:bodyPr/>
+          <a:lstStyle/>
+          <a:p>
+            <a:r>
+              <a:rPr lang="en-US" dirty="0" smtClean="0"/>
+              <a:t>Sampling from Streams</a:t>
+            </a:r>
+            <a:endParaRPr lang="en-US" dirty="0"/>
+          </a:p>
+        </p:txBody>
+      </p:sp>
+      <p:sp>
+        <p:nvSpPr>
+          <p:cNvPr id="3" name="Content Placeholder 2"/>
+          <p:cNvSpPr>
+            <a:spLocks noGrp="1"/>
+          </p:cNvSpPr>
+          <p:nvPr>
+            <p:ph idx="1"/>
+          </p:nvPr>
+        </p:nvSpPr>
         <p:spPr>
           <a:xfrm>
-            <a:off x="954132" y="310162"/>
-            <a:ext cx="7560667" cy="990107"/>
+            <a:off x="1128943" y="1621018"/>
+            <a:ext cx="7048804" cy="4379976"/>
           </a:xfrm>
         </p:spPr>
         <p:txBody>
           <a:bodyPr/>
           <a:lstStyle/>
           <a:p>
-            <a:r>
-              <a:rPr lang="en-US" dirty="0" smtClean="0"/>
-              <a:t>Need to </a:t>
+            <a:pPr marL="0" indent="0">
+              <a:buNone/>
+            </a:pPr>
+            <a:r>
+              <a:rPr lang="en-US" dirty="0"/>
+              <a:t>Example: Want to ask question of a subset of data and have them be representative of the whole </a:t>
+            </a:r>
+            <a:r>
+              <a:rPr lang="en-US" dirty="0" smtClean="0"/>
+              <a:t>stream</a:t>
+            </a:r>
+          </a:p>
+          <a:p>
+            <a:pPr marL="0" indent="0">
+              <a:buNone/>
+            </a:pPr>
+            <a:r>
+              <a:rPr lang="en-US" dirty="0" smtClean="0"/>
+              <a:t>Example: Want to ask a question over a period</a:t>
+            </a:r>
+          </a:p>
+          <a:p>
+            <a:pPr lvl="1"/>
+            <a:r>
+              <a:rPr lang="en-US" i="1" dirty="0"/>
+              <a:t>E</a:t>
             </a:r>
             <a:r>
               <a:rPr lang="en-US" i="1" dirty="0" smtClean="0"/>
-              <a:t>sample </a:t>
-            </a:r>
-            <a:r>
-              <a:rPr lang="en-US" dirty="0" smtClean="0"/>
-              <a:t>the stream at fixed size </a:t>
-            </a:r>
-            <a:endParaRPr lang="en-US" dirty="0"/>
-          </a:p>
-        </p:txBody>
-      </p:sp>
-      <p:sp>
-        <p:nvSpPr>
-          <p:cNvPr id="3" name="Content Placeholder 2"/>
-          <p:cNvSpPr>
-            <a:spLocks noGrp="1"/>
-          </p:cNvSpPr>
-          <p:nvPr>
-            <p:ph idx="1"/>
-          </p:nvPr>
-        </p:nvSpPr>
-        <p:spPr/>
-        <p:txBody>
-          <a:bodyPr/>
-          <a:lstStyle/>
+              <a:t>.g</a:t>
+            </a:r>
+            <a:r>
+              <a:rPr lang="en-US" i="1" dirty="0"/>
+              <a:t>. </a:t>
+            </a:r>
+            <a:r>
+              <a:rPr lang="en-US" dirty="0"/>
+              <a:t>Which pages are getting an unusual number of hits this hour</a:t>
+            </a:r>
+            <a:r>
+              <a:rPr lang="en-US" dirty="0" smtClean="0"/>
+              <a:t>?</a:t>
+            </a:r>
+          </a:p>
+          <a:p>
+            <a:pPr lvl="1"/>
+            <a:r>
+              <a:rPr lang="en-US" i="1" dirty="0" smtClean="0"/>
+              <a:t>E.g. </a:t>
+            </a:r>
+            <a:r>
+              <a:rPr lang="en-US" dirty="0"/>
+              <a:t>W</a:t>
+            </a:r>
+            <a:r>
+              <a:rPr lang="en-US" dirty="0" smtClean="0"/>
+              <a:t>hat queries are more frequent today than yesterday?</a:t>
+            </a:r>
+            <a:endParaRPr lang="en-US" i="1" dirty="0" smtClean="0"/>
+          </a:p>
           <a:p>
             <a:pPr marL="0" indent="0">
               <a:buNone/>
             </a:pPr>
-            <a:r>
-              <a:rPr lang="en-US" dirty="0" smtClean="0"/>
-              <a:t>Just use the last n elements? </a:t>
-            </a:r>
-            <a:endParaRPr lang="en-US" dirty="0"/>
+            <a:endParaRPr lang="en-US" dirty="0"/>
+          </a:p>
+          <a:p>
+            <a:pPr marL="0" indent="0">
+              <a:buNone/>
+            </a:pPr>
+            <a:r>
+              <a:rPr lang="en-US" dirty="0"/>
+              <a:t>	</a:t>
+            </a:r>
+            <a:endParaRPr lang="en-US" dirty="0" smtClean="0"/>
           </a:p>
         </p:txBody>
       </p:sp>
@@ -12492,7 +12414,7 @@
           <a:p>
             <a:fld id="{7053BEFA-1175-F644-B249-7D41D72BD3FF}" type="datetime1">
               <a:rPr lang="en-US" smtClean="0"/>
-              <a:t>6/12/16</a:t>
+              <a:t>1/6/17</a:t>
             </a:fld>
             <a:endParaRPr lang="en-US"/>
           </a:p>
@@ -12540,10 +12462,91 @@
           </a:p>
         </p:txBody>
       </p:sp>
+      <p:sp>
+        <p:nvSpPr>
+          <p:cNvPr id="7" name="Rectangle 6"/>
+          <p:cNvSpPr/>
+          <p:nvPr/>
+        </p:nvSpPr>
+        <p:spPr>
+          <a:xfrm>
+            <a:off x="1128943" y="5635665"/>
+            <a:ext cx="7219734" cy="369332"/>
+          </a:xfrm>
+          <a:prstGeom prst="rect">
+            <a:avLst/>
+          </a:prstGeom>
+        </p:spPr>
+        <p:txBody>
+          <a:bodyPr wrap="square">
+            <a:spAutoFit/>
+          </a:bodyPr>
+          <a:lstStyle/>
+          <a:p>
+            <a:r>
+              <a:rPr lang="en-US" dirty="0" err="1" smtClean="0"/>
+              <a:t>infolab.stanford.edu</a:t>
+            </a:r>
+            <a:r>
+              <a:rPr lang="en-US" dirty="0" smtClean="0"/>
+              <a:t>/~</a:t>
+            </a:r>
+            <a:r>
+              <a:rPr lang="en-US" dirty="0" err="1" smtClean="0"/>
+              <a:t>ullman</a:t>
+            </a:r>
+            <a:r>
+              <a:rPr lang="en-US" dirty="0" smtClean="0"/>
+              <a:t>/</a:t>
+            </a:r>
+            <a:r>
+              <a:rPr lang="en-US" dirty="0" err="1" smtClean="0"/>
+              <a:t>mmds</a:t>
+            </a:r>
+            <a:r>
+              <a:rPr lang="en-US" dirty="0" smtClean="0"/>
+              <a:t>/ch4.pdf</a:t>
+            </a:r>
+            <a:endParaRPr lang="en-US" dirty="0"/>
+          </a:p>
+        </p:txBody>
+      </p:sp>
+      <p:sp>
+        <p:nvSpPr>
+          <p:cNvPr id="8" name="Rectangle 7"/>
+          <p:cNvSpPr/>
+          <p:nvPr/>
+        </p:nvSpPr>
+        <p:spPr>
+          <a:xfrm>
+            <a:off x="1142657" y="6044837"/>
+            <a:ext cx="6223341" cy="369332"/>
+          </a:xfrm>
+          <a:prstGeom prst="rect">
+            <a:avLst/>
+          </a:prstGeom>
+        </p:spPr>
+        <p:txBody>
+          <a:bodyPr wrap="square">
+            <a:spAutoFit/>
+          </a:bodyPr>
+          <a:lstStyle/>
+          <a:p>
+            <a:r>
+              <a:rPr lang="en-US" dirty="0" err="1"/>
+              <a:t>www.kdd.org</a:t>
+            </a:r>
+            <a:r>
+              <a:rPr lang="en-US" dirty="0"/>
+              <a:t>/kdd2014/tutorials/t10_part1.pptx</a:t>
+            </a:r>
+          </a:p>
+        </p:txBody>
+      </p:sp>
     </p:spTree>
     <p:extLst>
       <p:ext uri="{BB962C8B-B14F-4D97-AF65-F5344CB8AC3E}">
-        <p14:creationId xmlns:p14="http://schemas.microsoft.com/office/powerpoint/2010/main" val="688757699"/>
+        <p14:creationId xmlns:p14="http://schemas.microsoft.com/office/powerpoint/2010/main" val="3764982648"/>
       </p:ext>
     </p:extLst>
   </p:cSld>
@@ -12555,7 +12558,7 @@
       <p:transition spd="slow" p14:dur="2000"/>
     </mc:Choice>
     <mc:Fallback>
-      <p:transition xmlns:p14="http://schemas.microsoft.com/office/powerpoint/2010/main" spd="slow"/>
+      <p:transition spd="slow"/>
     </mc:Fallback>
   </mc:AlternateContent>
 </p:sld>
@@ -12588,7 +12591,12 @@
             <p:ph type="title"/>
           </p:nvPr>
         </p:nvSpPr>
-        <p:spPr/>
+        <p:spPr>
+          <a:xfrm>
+            <a:off x="954132" y="310162"/>
+            <a:ext cx="7560667" cy="990107"/>
+          </a:xfrm>
+        </p:spPr>
         <p:txBody>
           <a:bodyPr/>
           <a:lstStyle/>
@@ -12603,7 +12611,7 @@
             </a:r>
             <a:r>
               <a:rPr lang="en-US" dirty="0" smtClean="0"/>
-              <a:t>the stream</a:t>
+              <a:t>the stream at fixed size </a:t>
             </a:r>
             <a:endParaRPr lang="en-US" dirty="0"/>
           </a:p>
@@ -12628,17 +12636,8 @@
               <a:buNone/>
             </a:pPr>
             <a:r>
-              <a:rPr lang="en-US" strike="sngStrike" dirty="0" smtClean="0"/>
-              <a:t>Just use the last n elements?</a:t>
-            </a:r>
-          </a:p>
-          <a:p>
-            <a:pPr marL="0" indent="0">
-              <a:buNone/>
-            </a:pPr>
-            <a:r>
-              <a:rPr lang="en-US" dirty="0" smtClean="0"/>
-              <a:t>Sample 1/n as far back as we can?</a:t>
+              <a:rPr lang="en-US" dirty="0" smtClean="0"/>
+              <a:t>Just use the last n elements? </a:t>
             </a:r>
             <a:endParaRPr lang="en-US" dirty="0"/>
           </a:p>
@@ -12661,7 +12660,7 @@
           <a:p>
             <a:fld id="{7053BEFA-1175-F644-B249-7D41D72BD3FF}" type="datetime1">
               <a:rPr lang="en-US" smtClean="0"/>
-              <a:t>6/12/16</a:t>
+              <a:t>1/6/17</a:t>
             </a:fld>
             <a:endParaRPr lang="en-US"/>
           </a:p>
@@ -12712,7 +12711,7 @@
     </p:spTree>
     <p:extLst>
       <p:ext uri="{BB962C8B-B14F-4D97-AF65-F5344CB8AC3E}">
-        <p14:creationId xmlns:p14="http://schemas.microsoft.com/office/powerpoint/2010/main" val="260477097"/>
+        <p14:creationId xmlns:p14="http://schemas.microsoft.com/office/powerpoint/2010/main" val="688757699"/>
       </p:ext>
     </p:extLst>
   </p:cSld>
@@ -12724,7 +12723,7 @@
       <p:transition spd="slow" p14:dur="2000"/>
     </mc:Choice>
     <mc:Fallback>
-      <p:transition xmlns:p14="http://schemas.microsoft.com/office/powerpoint/2010/main" spd="slow"/>
+      <p:transition spd="slow"/>
     </mc:Fallback>
   </mc:AlternateContent>
 </p:sld>
@@ -12806,49 +12805,9 @@
               <a:buNone/>
             </a:pPr>
             <a:r>
-              <a:rPr lang="en-US" strike="sngStrike" dirty="0" smtClean="0"/>
+              <a:rPr lang="en-US" dirty="0" smtClean="0"/>
               <a:t>Sample 1/n as far back as we can?</a:t>
             </a:r>
-          </a:p>
-          <a:p>
-            <a:pPr marL="0" indent="0">
-              <a:buNone/>
-            </a:pPr>
-            <a:r>
-              <a:rPr lang="en-US" dirty="0" smtClean="0"/>
-              <a:t>Account for duplicates &amp; so on with weighted samples</a:t>
-            </a:r>
-          </a:p>
-          <a:p>
-            <a:pPr marL="0" indent="0">
-              <a:buNone/>
-            </a:pPr>
-            <a:r>
-              <a:rPr lang="en-US" i="1" dirty="0" smtClean="0"/>
-              <a:t>Or</a:t>
-            </a:r>
-          </a:p>
-          <a:p>
-            <a:pPr marL="0" indent="0">
-              <a:buNone/>
-            </a:pPr>
-            <a:r>
-              <a:rPr lang="en-US" dirty="0" smtClean="0"/>
-              <a:t>Sample 1/n </a:t>
-            </a:r>
-            <a:r>
-              <a:rPr lang="en-US" i="1" dirty="0" smtClean="0"/>
-              <a:t>users </a:t>
-            </a:r>
-            <a:r>
-              <a:rPr lang="en-US" dirty="0" smtClean="0"/>
-              <a:t>but keep entire user log</a:t>
-            </a:r>
-          </a:p>
-          <a:p>
-            <a:pPr marL="0" indent="0">
-              <a:buNone/>
-            </a:pPr>
             <a:endParaRPr lang="en-US" dirty="0"/>
           </a:p>
         </p:txBody>
@@ -12870,7 +12829,7 @@
           <a:p>
             <a:fld id="{7053BEFA-1175-F644-B249-7D41D72BD3FF}" type="datetime1">
               <a:rPr lang="en-US" smtClean="0"/>
-              <a:t>6/12/16</a:t>
+              <a:t>1/6/17</a:t>
             </a:fld>
             <a:endParaRPr lang="en-US"/>
           </a:p>
@@ -12921,7 +12880,7 @@
     </p:spTree>
     <p:extLst>
       <p:ext uri="{BB962C8B-B14F-4D97-AF65-F5344CB8AC3E}">
-        <p14:creationId xmlns:p14="http://schemas.microsoft.com/office/powerpoint/2010/main" val="1513786656"/>
+        <p14:creationId xmlns:p14="http://schemas.microsoft.com/office/powerpoint/2010/main" val="260477097"/>
       </p:ext>
     </p:extLst>
   </p:cSld>
@@ -12933,7 +12892,7 @@
       <p:transition spd="slow" p14:dur="2000"/>
     </mc:Choice>
     <mc:Fallback>
-      <p:transition xmlns:p14="http://schemas.microsoft.com/office/powerpoint/2010/main" spd="slow"/>
+      <p:transition spd="slow"/>
     </mc:Fallback>
   </mc:AlternateContent>
 </p:sld>
@@ -12972,10 +12931,10 @@
           <a:lstStyle/>
           <a:p>
             <a:r>
-              <a:rPr lang="en-US" dirty="0" smtClean="0"/>
-              <a:t>Goals for today</a:t>
-            </a:r>
-            <a:endParaRPr lang="en-US" dirty="0"/>
+              <a:rPr lang="en-US" smtClean="0"/>
+              <a:t>Things to add here or other big data</a:t>
+            </a:r>
+            <a:endParaRPr lang="en-US"/>
           </a:p>
         </p:txBody>
       </p:sp>
@@ -12994,40 +12953,17 @@
           <a:bodyPr/>
           <a:lstStyle/>
           <a:p>
-            <a:pPr marL="0" indent="0">
-              <a:buNone/>
-            </a:pPr>
-            <a:r>
-              <a:rPr lang="en-US" dirty="0" smtClean="0"/>
-              <a:t>Discuss human issues in Big Data</a:t>
-            </a:r>
-          </a:p>
-          <a:p>
-            <a:pPr marL="0" indent="0">
-              <a:buNone/>
-            </a:pPr>
             <a:r>
               <a:rPr lang="en-US" dirty="0"/>
-              <a:t>Talk about Byte 3</a:t>
-            </a:r>
-          </a:p>
-          <a:p>
-            <a:pPr marL="0" indent="0">
-              <a:buNone/>
-            </a:pPr>
-            <a:r>
-              <a:rPr lang="en-US" dirty="0" smtClean="0"/>
-              <a:t>Quiz</a:t>
-            </a:r>
-            <a:endParaRPr lang="en-US" dirty="0"/>
-          </a:p>
-          <a:p>
-            <a:pPr marL="0" indent="0">
-              <a:buNone/>
-            </a:pPr>
-            <a:r>
-              <a:rPr lang="en-US" dirty="0" smtClean="0"/>
-              <a:t>Discuss infrastructure issues for Big Data</a:t>
+              <a:t> connect big query </a:t>
+            </a:r>
+            <a:r>
+              <a:rPr lang="en-US" dirty="0" err="1"/>
+              <a:t>etc</a:t>
+            </a:r>
+            <a:r>
+              <a:rPr lang="en-US" dirty="0"/>
+              <a:t> to cap, maybe less review of technologies?      explain sampling issues: move over from slide deck 15 on big      data viz.       What queries are more frequent today than yesterday?        - just need last two days (sliding window)            Which pages are getting an unusual number of hits this hour?</a:t>
             </a:r>
           </a:p>
         </p:txBody>
@@ -13049,7 +12985,7 @@
           <a:p>
             <a:fld id="{7053BEFA-1175-F644-B249-7D41D72BD3FF}" type="datetime1">
               <a:rPr lang="en-US" smtClean="0"/>
-              <a:t>6/10/16</a:t>
+              <a:t>1/6/17</a:t>
             </a:fld>
             <a:endParaRPr lang="en-US"/>
           </a:p>
@@ -13100,25 +13036,18 @@
     </p:spTree>
     <p:extLst>
       <p:ext uri="{BB962C8B-B14F-4D97-AF65-F5344CB8AC3E}">
-        <p14:creationId xmlns:p14="http://schemas.microsoft.com/office/powerpoint/2010/main" val="286491977"/>
+        <p14:creationId xmlns:p14="http://schemas.microsoft.com/office/powerpoint/2010/main" val="716439562"/>
       </p:ext>
     </p:extLst>
   </p:cSld>
   <p:clrMapOvr>
     <a:masterClrMapping/>
   </p:clrMapOvr>
-  <p:timing>
-    <p:tnLst>
-      <p:par>
-        <p:cTn xmlns:p14="http://schemas.microsoft.com/office/powerpoint/2010/main" id="1" dur="indefinite" restart="never" nodeType="tmRoot"/>
-      </p:par>
-    </p:tnLst>
-  </p:timing>
 </p:sld>
 </file>
 
 <file path=ppt/slides/slide20.xml><?xml version="1.0" encoding="utf-8"?>
-<p:sld xmlns:a="http://schemas.openxmlformats.org/drawingml/2006/main" xmlns:r="http://schemas.openxmlformats.org/officeDocument/2006/relationships" xmlns:p="http://schemas.openxmlformats.org/presentationml/2006/main">
+<p:sld xmlns:a="http://schemas.openxmlformats.org/drawingml/2006/main" xmlns:r="http://schemas.openxmlformats.org/officeDocument/2006/relationships" xmlns:p="http://schemas.openxmlformats.org/presentationml/2006/main" show="0">
   <p:cSld>
     <p:spTree>
       <p:nvGrpSpPr>
@@ -13144,27 +13073,22 @@
             <p:ph type="title"/>
           </p:nvPr>
         </p:nvSpPr>
-        <p:spPr>
-          <a:xfrm>
-            <a:off x="954132" y="310162"/>
-            <a:ext cx="7223615" cy="990107"/>
-          </a:xfrm>
-        </p:spPr>
-        <p:txBody>
-          <a:bodyPr/>
-          <a:lstStyle/>
-          <a:p>
-            <a:r>
-              <a:rPr lang="en-US" dirty="0" smtClean="0"/>
-              <a:t>What are some Big </a:t>
-            </a:r>
-            <a:r>
-              <a:rPr lang="en-US" dirty="0"/>
-              <a:t>D</a:t>
-            </a:r>
-            <a:r>
-              <a:rPr lang="en-US" dirty="0" smtClean="0"/>
-              <a:t>ata problems?</a:t>
+        <p:spPr/>
+        <p:txBody>
+          <a:bodyPr/>
+          <a:lstStyle/>
+          <a:p>
+            <a:r>
+              <a:rPr lang="en-US" dirty="0" smtClean="0"/>
+              <a:t>Need to </a:t>
+            </a:r>
+            <a:r>
+              <a:rPr lang="en-US" i="1" dirty="0" smtClean="0"/>
+              <a:t>sample </a:t>
+            </a:r>
+            <a:r>
+              <a:rPr lang="en-US" dirty="0" smtClean="0"/>
+              <a:t>the stream</a:t>
             </a:r>
             <a:endParaRPr lang="en-US" dirty="0"/>
           </a:p>
@@ -13185,61 +13109,63 @@
           <a:bodyPr/>
           <a:lstStyle/>
           <a:p>
-            <a:r>
-              <a:rPr lang="en-US" dirty="0" smtClean="0">
-                <a:solidFill>
-                  <a:srgbClr val="B5B5B5"/>
-                </a:solidFill>
-              </a:rPr>
-              <a:t>Acquiring Data</a:t>
-            </a:r>
-          </a:p>
-          <a:p>
-            <a:r>
-              <a:rPr lang="en-US" b="1" dirty="0" smtClean="0"/>
-              <a:t>Choosing an </a:t>
-            </a:r>
-            <a:r>
-              <a:rPr lang="en-US" b="1" dirty="0"/>
-              <a:t>a</a:t>
-            </a:r>
-            <a:r>
-              <a:rPr lang="en-US" b="1" dirty="0" smtClean="0"/>
-              <a:t>ppropriate </a:t>
-            </a:r>
-            <a:r>
-              <a:rPr lang="en-US" b="1" dirty="0"/>
-              <a:t>a</a:t>
-            </a:r>
-            <a:r>
-              <a:rPr lang="en-US" b="1" dirty="0" smtClean="0"/>
-              <a:t>rchitecture</a:t>
-            </a:r>
-          </a:p>
-          <a:p>
-            <a:r>
-              <a:rPr lang="en-US" dirty="0" smtClean="0">
-                <a:solidFill>
-                  <a:srgbClr val="B5B5B5"/>
-                </a:solidFill>
-              </a:rPr>
-              <a:t>Case Study</a:t>
-            </a:r>
-          </a:p>
-          <a:p>
-            <a:r>
-              <a:rPr lang="en-US" dirty="0" smtClean="0">
-                <a:solidFill>
-                  <a:srgbClr val="B5B5B5"/>
-                </a:solidFill>
-              </a:rPr>
-              <a:t>Algorithmic Insights</a:t>
-            </a:r>
-            <a:endParaRPr lang="en-US" dirty="0" smtClean="0">
-              <a:solidFill>
-                <a:srgbClr val="B5B5B5"/>
-              </a:solidFill>
-            </a:endParaRPr>
+            <a:pPr marL="0" indent="0">
+              <a:buNone/>
+            </a:pPr>
+            <a:r>
+              <a:rPr lang="en-US" strike="sngStrike" dirty="0" smtClean="0"/>
+              <a:t>Just use the last n elements?</a:t>
+            </a:r>
+          </a:p>
+          <a:p>
+            <a:pPr marL="0" indent="0">
+              <a:buNone/>
+            </a:pPr>
+            <a:r>
+              <a:rPr lang="en-US" strike="sngStrike" dirty="0" smtClean="0"/>
+              <a:t>Sample 1/n as far back as we can?</a:t>
+            </a:r>
+          </a:p>
+          <a:p>
+            <a:pPr marL="0" indent="0">
+              <a:buNone/>
+            </a:pPr>
+            <a:r>
+              <a:rPr lang="en-US" dirty="0" smtClean="0"/>
+              <a:t>Account for duplicates &amp; so on with weighted samples</a:t>
+            </a:r>
+          </a:p>
+          <a:p>
+            <a:pPr marL="0" indent="0">
+              <a:buNone/>
+            </a:pPr>
+            <a:r>
+              <a:rPr lang="en-US" i="1" dirty="0" smtClean="0"/>
+              <a:t>Or</a:t>
+            </a:r>
+          </a:p>
+          <a:p>
+            <a:pPr marL="0" indent="0">
+              <a:buNone/>
+            </a:pPr>
+            <a:r>
+              <a:rPr lang="en-US" dirty="0" smtClean="0"/>
+              <a:t>Sample 1/n </a:t>
+            </a:r>
+            <a:r>
+              <a:rPr lang="en-US" i="1" dirty="0" smtClean="0"/>
+              <a:t>users </a:t>
+            </a:r>
+            <a:r>
+              <a:rPr lang="en-US" dirty="0" smtClean="0"/>
+              <a:t>but keep entire user log</a:t>
+            </a:r>
+          </a:p>
+          <a:p>
+            <a:pPr marL="0" indent="0">
+              <a:buNone/>
+            </a:pPr>
+            <a:endParaRPr lang="en-US" dirty="0"/>
           </a:p>
         </p:txBody>
       </p:sp>
@@ -13260,7 +13186,7 @@
           <a:p>
             <a:fld id="{7053BEFA-1175-F644-B249-7D41D72BD3FF}" type="datetime1">
               <a:rPr lang="en-US" smtClean="0"/>
-              <a:t>6/10/16</a:t>
+              <a:t>1/6/17</a:t>
             </a:fld>
             <a:endParaRPr lang="en-US"/>
           </a:p>
@@ -13311,13 +13237,21 @@
     </p:spTree>
     <p:extLst>
       <p:ext uri="{BB962C8B-B14F-4D97-AF65-F5344CB8AC3E}">
-        <p14:creationId xmlns:p14="http://schemas.microsoft.com/office/powerpoint/2010/main" val="1121577393"/>
+        <p14:creationId xmlns:p14="http://schemas.microsoft.com/office/powerpoint/2010/main" val="1513786656"/>
       </p:ext>
     </p:extLst>
   </p:cSld>
   <p:clrMapOvr>
     <a:masterClrMapping/>
   </p:clrMapOvr>
+  <mc:AlternateContent xmlns:mc="http://schemas.openxmlformats.org/markup-compatibility/2006">
+    <mc:Choice xmlns:p14="http://schemas.microsoft.com/office/powerpoint/2010/main" Requires="p14">
+      <p:transition spd="slow" p14:dur="2000"/>
+    </mc:Choice>
+    <mc:Fallback>
+      <p:transition spd="slow"/>
+    </mc:Fallback>
+  </mc:AlternateContent>
 </p:sld>
 </file>
 
@@ -13348,98 +13282,97 @@
             <p:ph type="title"/>
           </p:nvPr>
         </p:nvSpPr>
-        <p:spPr/>
-        <p:txBody>
-          <a:bodyPr/>
-          <a:lstStyle/>
-          <a:p>
-            <a:r>
-              <a:rPr lang="en-US" dirty="0" smtClean="0"/>
-              <a:t>How do we handle </a:t>
-            </a:r>
-            <a:r>
-              <a:rPr lang="en-US" i="1" dirty="0" smtClean="0"/>
-              <a:t>big data</a:t>
-            </a:r>
-            <a:endParaRPr lang="en-US" dirty="0"/>
-          </a:p>
-        </p:txBody>
-      </p:sp>
-      <p:sp>
-        <p:nvSpPr>
-          <p:cNvPr id="3" name="Content Placeholder 2"/>
-          <p:cNvSpPr>
-            <a:spLocks noGrp="1"/>
-          </p:cNvSpPr>
-          <p:nvPr>
-            <p:ph idx="1"/>
-          </p:nvPr>
-        </p:nvSpPr>
         <p:spPr>
           <a:xfrm>
-            <a:off x="1128942" y="1640450"/>
-            <a:ext cx="7526985" cy="4379976"/>
+            <a:off x="954132" y="310162"/>
+            <a:ext cx="7223615" cy="990107"/>
           </a:xfrm>
         </p:spPr>
         <p:txBody>
           <a:bodyPr/>
           <a:lstStyle/>
           <a:p>
-            <a:pPr marL="0" indent="0">
-              <a:buNone/>
-            </a:pPr>
-            <a:r>
-              <a:rPr lang="en-US" dirty="0" smtClean="0"/>
-              <a:t>Two approaches</a:t>
-            </a:r>
-          </a:p>
-          <a:p>
-            <a:r>
-              <a:rPr lang="en-US" dirty="0" smtClean="0"/>
-              <a:t>Distribute the work (parallelize)</a:t>
-            </a:r>
-          </a:p>
-          <a:p>
-            <a:r>
-              <a:rPr lang="en-US" dirty="0" smtClean="0"/>
-              <a:t>Break the work up into smaller batches</a:t>
-            </a:r>
-          </a:p>
-          <a:p>
-            <a:endParaRPr lang="en-US" dirty="0"/>
-          </a:p>
-          <a:p>
-            <a:pPr marL="0" indent="0">
-              <a:buNone/>
-            </a:pPr>
-            <a:r>
-              <a:rPr lang="en-US" dirty="0" smtClean="0"/>
-              <a:t>Algorithms that can operate on partial data sets are key</a:t>
-            </a:r>
-          </a:p>
-          <a:p>
-            <a:pPr marL="0" indent="0">
-              <a:buNone/>
-            </a:pPr>
+            <a:r>
+              <a:rPr lang="en-US" dirty="0" smtClean="0"/>
+              <a:t>What are some Big </a:t>
+            </a:r>
             <a:r>
               <a:rPr lang="en-US" dirty="0"/>
-              <a:t>Code rarely works on the first try – esp. difficult when slow/batch</a:t>
-            </a:r>
-          </a:p>
-          <a:p>
-            <a:pPr marL="0" indent="0">
-              <a:buNone/>
-            </a:pPr>
-            <a:r>
-              <a:rPr lang="en-US" dirty="0"/>
-              <a:t>Difficult to prototype locally / shift to cloud</a:t>
-            </a:r>
-          </a:p>
-          <a:p>
-            <a:pPr marL="0" indent="0">
-              <a:buNone/>
-            </a:pPr>
-            <a:endParaRPr lang="en-US" dirty="0"/>
+              <a:t>D</a:t>
+            </a:r>
+            <a:r>
+              <a:rPr lang="en-US" dirty="0" smtClean="0"/>
+              <a:t>ata problems?</a:t>
+            </a:r>
+            <a:endParaRPr lang="en-US" dirty="0"/>
+          </a:p>
+        </p:txBody>
+      </p:sp>
+      <p:sp>
+        <p:nvSpPr>
+          <p:cNvPr id="3" name="Content Placeholder 2"/>
+          <p:cNvSpPr>
+            <a:spLocks noGrp="1"/>
+          </p:cNvSpPr>
+          <p:nvPr>
+            <p:ph idx="1"/>
+          </p:nvPr>
+        </p:nvSpPr>
+        <p:spPr/>
+        <p:txBody>
+          <a:bodyPr/>
+          <a:lstStyle/>
+          <a:p>
+            <a:r>
+              <a:rPr lang="en-US" dirty="0" smtClean="0">
+                <a:solidFill>
+                  <a:srgbClr val="B5B5B5"/>
+                </a:solidFill>
+              </a:rPr>
+              <a:t>Acquiring Data</a:t>
+            </a:r>
+          </a:p>
+          <a:p>
+            <a:r>
+              <a:rPr lang="en-US" b="1" dirty="0" smtClean="0"/>
+              <a:t>Choosing an </a:t>
+            </a:r>
+            <a:r>
+              <a:rPr lang="en-US" b="1" dirty="0"/>
+              <a:t>a</a:t>
+            </a:r>
+            <a:r>
+              <a:rPr lang="en-US" b="1" dirty="0" smtClean="0"/>
+              <a:t>ppropriate </a:t>
+            </a:r>
+            <a:r>
+              <a:rPr lang="en-US" b="1" dirty="0"/>
+              <a:t>a</a:t>
+            </a:r>
+            <a:r>
+              <a:rPr lang="en-US" b="1" dirty="0" smtClean="0"/>
+              <a:t>rchitecture</a:t>
+            </a:r>
+          </a:p>
+          <a:p>
+            <a:r>
+              <a:rPr lang="en-US" dirty="0" smtClean="0">
+                <a:solidFill>
+                  <a:srgbClr val="B5B5B5"/>
+                </a:solidFill>
+              </a:rPr>
+              <a:t>Case Study</a:t>
+            </a:r>
+          </a:p>
+          <a:p>
+            <a:r>
+              <a:rPr lang="en-US" dirty="0" smtClean="0">
+                <a:solidFill>
+                  <a:srgbClr val="B5B5B5"/>
+                </a:solidFill>
+              </a:rPr>
+              <a:t>Algorithmic Insights</a:t>
+            </a:r>
           </a:p>
         </p:txBody>
       </p:sp>
@@ -13460,7 +13393,7 @@
           <a:p>
             <a:fld id="{7053BEFA-1175-F644-B249-7D41D72BD3FF}" type="datetime1">
               <a:rPr lang="en-US" smtClean="0"/>
-              <a:t>6/12/16</a:t>
+              <a:t>1/6/17</a:t>
             </a:fld>
             <a:endParaRPr lang="en-US"/>
           </a:p>
@@ -13511,7 +13444,7 @@
     </p:spTree>
     <p:extLst>
       <p:ext uri="{BB962C8B-B14F-4D97-AF65-F5344CB8AC3E}">
-        <p14:creationId xmlns:p14="http://schemas.microsoft.com/office/powerpoint/2010/main" val="102312332"/>
+        <p14:creationId xmlns:p14="http://schemas.microsoft.com/office/powerpoint/2010/main" val="1121577393"/>
       </p:ext>
     </p:extLst>
   </p:cSld>
@@ -13555,15 +13488,11 @@
           <a:p>
             <a:r>
               <a:rPr lang="en-US" dirty="0" smtClean="0"/>
-              <a:t>Tradeoffs in </a:t>
-            </a:r>
-            <a:r>
-              <a:rPr lang="en-US" dirty="0" smtClean="0"/>
-              <a:t>Choosing </a:t>
-            </a:r>
-            <a:r>
-              <a:rPr lang="en-US" dirty="0" smtClean="0"/>
-              <a:t>A Big Data Architecture</a:t>
+              <a:t>How do we handle </a:t>
+            </a:r>
+            <a:r>
+              <a:rPr lang="en-US" i="1" dirty="0" smtClean="0"/>
+              <a:t>big data</a:t>
             </a:r>
             <a:endParaRPr lang="en-US" dirty="0"/>
           </a:p>
@@ -13579,76 +13508,70 @@
             <p:ph idx="1"/>
           </p:nvPr>
         </p:nvSpPr>
-        <p:spPr/>
-        <p:txBody>
-          <a:bodyPr/>
-          <a:lstStyle/>
-          <a:p>
-            <a:r>
-              <a:rPr lang="en-US" dirty="0" smtClean="0"/>
-              <a:t>Cost </a:t>
-            </a:r>
-            <a:r>
-              <a:rPr lang="en-US" dirty="0" smtClean="0"/>
-              <a:t>(money &amp; </a:t>
-            </a:r>
-            <a:r>
-              <a:rPr lang="en-US" dirty="0" smtClean="0"/>
-              <a:t>time</a:t>
-            </a:r>
-            <a:r>
-              <a:rPr lang="en-US" dirty="0" smtClean="0"/>
-              <a:t>): </a:t>
-            </a:r>
-            <a:r>
-              <a:rPr lang="en-US" dirty="0" smtClean="0"/>
-              <a:t>No </a:t>
-            </a:r>
-            <a:r>
-              <a:rPr lang="en-US" dirty="0" smtClean="0"/>
-              <a:t>support for estimating cost or duration</a:t>
-            </a:r>
-          </a:p>
-          <a:p>
-            <a:r>
-              <a:rPr lang="en-US" dirty="0" smtClean="0"/>
-              <a:t>Setup: Little </a:t>
-            </a:r>
-            <a:r>
-              <a:rPr lang="en-US" dirty="0" smtClean="0"/>
-              <a:t>to no support for partitioning across virtual machines</a:t>
-            </a:r>
-          </a:p>
-          <a:p>
-            <a:r>
-              <a:rPr lang="en-US" dirty="0" smtClean="0"/>
-              <a:t>Data Consistency: Some </a:t>
-            </a:r>
-            <a:r>
-              <a:rPr lang="en-US" dirty="0" smtClean="0"/>
-              <a:t>theoretical grounding in data </a:t>
-            </a:r>
-            <a:r>
-              <a:rPr lang="en-US" dirty="0" smtClean="0"/>
-              <a:t>guarantees</a:t>
-            </a:r>
-          </a:p>
-          <a:p>
-            <a:r>
-              <a:rPr lang="en-US" dirty="0" smtClean="0"/>
-              <a:t>Type of work being done (reading, writing, computation, </a:t>
-            </a:r>
-            <a:r>
-              <a:rPr lang="en-US" i="1" dirty="0" smtClean="0"/>
-              <a:t>etc.</a:t>
-            </a:r>
+        <p:spPr>
+          <a:xfrm>
+            <a:off x="1128942" y="1640450"/>
+            <a:ext cx="7526985" cy="4379976"/>
+          </a:xfrm>
+        </p:spPr>
+        <p:txBody>
+          <a:bodyPr/>
+          <a:lstStyle/>
+          <a:p>
+            <a:pPr marL="0" indent="0">
+              <a:buNone/>
+            </a:pPr>
+            <a:r>
+              <a:rPr lang="en-US" dirty="0" smtClean="0"/>
+              <a:t>Two approaches</a:t>
+            </a:r>
+          </a:p>
+          <a:p>
+            <a:r>
+              <a:rPr lang="en-US" dirty="0" smtClean="0"/>
+              <a:t>Distribute the work (parallelize)</a:t>
+            </a:r>
+          </a:p>
+          <a:p>
+            <a:r>
+              <a:rPr lang="en-US" dirty="0" smtClean="0"/>
+              <a:t>Break the work up into smaller batches</a:t>
+            </a:r>
+          </a:p>
+          <a:p>
+            <a:endParaRPr lang="en-US" dirty="0"/>
+          </a:p>
+          <a:p>
+            <a:pPr marL="0" indent="0">
+              <a:buNone/>
+            </a:pPr>
+            <a:r>
+              <a:rPr lang="en-US" dirty="0" smtClean="0"/>
+              <a:t>Algorithms that can operate on partial data sets are key</a:t>
+            </a:r>
+          </a:p>
+          <a:p>
+            <a:pPr marL="0" indent="0">
+              <a:buNone/>
+            </a:pPr>
             <a:r>
               <a:rPr lang="en-US" dirty="0"/>
-              <a:t>)</a:t>
-            </a:r>
-            <a:endParaRPr lang="en-US" dirty="0" smtClean="0"/>
-          </a:p>
-          <a:p>
+              <a:t>Code rarely works on the first try – esp. difficult when slow/batch</a:t>
+            </a:r>
+          </a:p>
+          <a:p>
+            <a:pPr marL="0" indent="0">
+              <a:buNone/>
+            </a:pPr>
+            <a:r>
+              <a:rPr lang="en-US" dirty="0"/>
+              <a:t>Difficult to prototype locally / shift to cloud</a:t>
+            </a:r>
+          </a:p>
+          <a:p>
+            <a:pPr marL="0" indent="0">
+              <a:buNone/>
+            </a:pPr>
             <a:endParaRPr lang="en-US" dirty="0"/>
           </a:p>
         </p:txBody>
@@ -13670,7 +13593,7 @@
           <a:p>
             <a:fld id="{7053BEFA-1175-F644-B249-7D41D72BD3FF}" type="datetime1">
               <a:rPr lang="en-US" smtClean="0"/>
-              <a:t>6/10/16</a:t>
+              <a:t>1/6/17</a:t>
             </a:fld>
             <a:endParaRPr lang="en-US"/>
           </a:p>
@@ -13721,7 +13644,7 @@
     </p:spTree>
     <p:extLst>
       <p:ext uri="{BB962C8B-B14F-4D97-AF65-F5344CB8AC3E}">
-        <p14:creationId xmlns:p14="http://schemas.microsoft.com/office/powerpoint/2010/main" val="1226404150"/>
+        <p14:creationId xmlns:p14="http://schemas.microsoft.com/office/powerpoint/2010/main" val="102312332"/>
       </p:ext>
     </p:extLst>
   </p:cSld>
@@ -13758,19 +13681,14 @@
             <p:ph type="title"/>
           </p:nvPr>
         </p:nvSpPr>
-        <p:spPr>
-          <a:xfrm>
-            <a:off x="954132" y="310162"/>
-            <a:ext cx="6996150" cy="990107"/>
-          </a:xfrm>
-        </p:spPr>
-        <p:txBody>
-          <a:bodyPr/>
-          <a:lstStyle/>
-          <a:p>
-            <a:r>
-              <a:rPr lang="en-US" dirty="0" smtClean="0"/>
-              <a:t>When writing is key</a:t>
+        <p:spPr/>
+        <p:txBody>
+          <a:bodyPr/>
+          <a:lstStyle/>
+          <a:p>
+            <a:r>
+              <a:rPr lang="en-US" dirty="0" smtClean="0"/>
+              <a:t>Tradeoffs in Choosing A Big Data Architecture</a:t>
             </a:r>
             <a:endParaRPr lang="en-US" dirty="0"/>
           </a:p>
@@ -13791,56 +13709,40 @@
           <a:bodyPr/>
           <a:lstStyle/>
           <a:p>
-            <a:pPr marL="0" indent="0">
-              <a:buNone/>
-            </a:pPr>
-            <a:r>
-              <a:rPr lang="en-US" dirty="0" smtClean="0"/>
-              <a:t>Write performance (collect lots of data quickly): </a:t>
-            </a:r>
-            <a:r>
-              <a:rPr lang="en-US" dirty="0" err="1" smtClean="0"/>
-              <a:t>Redis</a:t>
-            </a:r>
-            <a:r>
-              <a:rPr lang="en-US" dirty="0" smtClean="0"/>
-              <a:t> (key-value store)</a:t>
-            </a:r>
-          </a:p>
-          <a:p>
-            <a:pPr lvl="1"/>
-            <a:r>
-              <a:rPr lang="en-US" dirty="0" smtClean="0"/>
-              <a:t>Important at data collection time</a:t>
-            </a:r>
-          </a:p>
-          <a:p>
-            <a:pPr lvl="1"/>
-            <a:r>
-              <a:rPr lang="en-US" dirty="0" smtClean="0"/>
-              <a:t>Important for sites generating a lot of content</a:t>
-            </a:r>
-          </a:p>
-          <a:p>
-            <a:pPr lvl="1"/>
-            <a:r>
-              <a:rPr lang="en-US" dirty="0" smtClean="0"/>
-              <a:t>Maybe it’s ok if a crash loses a small amount of data </a:t>
-            </a:r>
-          </a:p>
-          <a:p>
-            <a:pPr lvl="1"/>
-            <a:r>
-              <a:rPr lang="en-US" dirty="0" smtClean="0"/>
-              <a:t>Slower to query things not in the key</a:t>
-            </a:r>
-          </a:p>
-          <a:p>
-            <a:pPr lvl="1"/>
-            <a:r>
-              <a:rPr lang="en-US" dirty="0" smtClean="0"/>
-              <a:t>Scales to multiple machines</a:t>
-            </a:r>
+            <a:r>
+              <a:rPr lang="en-US" dirty="0" smtClean="0"/>
+              <a:t>Cost (money &amp; time): No support for estimating cost or duration</a:t>
+            </a:r>
+          </a:p>
+          <a:p>
+            <a:r>
+              <a:rPr lang="en-US" dirty="0" smtClean="0"/>
+              <a:t>Setup: Little to no support for partitioning across virtual machines</a:t>
+            </a:r>
+          </a:p>
+          <a:p>
+            <a:r>
+              <a:rPr lang="en-US" dirty="0" smtClean="0"/>
+              <a:t>Data Consistency: Some theoretical grounding in data guarantees</a:t>
+            </a:r>
+          </a:p>
+          <a:p>
+            <a:r>
+              <a:rPr lang="en-US" dirty="0" smtClean="0"/>
+              <a:t>Type of work being done (reading, writing, computation, </a:t>
+            </a:r>
+            <a:r>
+              <a:rPr lang="en-US" i="1" dirty="0" smtClean="0"/>
+              <a:t>etc.</a:t>
+            </a:r>
+            <a:r>
+              <a:rPr lang="en-US" dirty="0"/>
+              <a:t>)</a:t>
+            </a:r>
+            <a:endParaRPr lang="en-US" dirty="0" smtClean="0"/>
+          </a:p>
+          <a:p>
+            <a:endParaRPr lang="en-US" dirty="0"/>
           </a:p>
         </p:txBody>
       </p:sp>
@@ -13861,7 +13763,7 @@
           <a:p>
             <a:fld id="{7053BEFA-1175-F644-B249-7D41D72BD3FF}" type="datetime1">
               <a:rPr lang="en-US" smtClean="0"/>
-              <a:t>6/10/16</a:t>
+              <a:t>1/6/17</a:t>
             </a:fld>
             <a:endParaRPr lang="en-US"/>
           </a:p>
@@ -13909,55 +13811,10 @@
           </a:p>
         </p:txBody>
       </p:sp>
-      <p:sp>
-        <p:nvSpPr>
-          <p:cNvPr id="7" name="Rectangle 6"/>
-          <p:cNvSpPr/>
-          <p:nvPr/>
-        </p:nvSpPr>
-        <p:spPr>
-          <a:xfrm>
-            <a:off x="1128942" y="5111270"/>
-            <a:ext cx="6821339" cy="923330"/>
-          </a:xfrm>
-          <a:prstGeom prst="rect">
-            <a:avLst/>
-          </a:prstGeom>
-        </p:spPr>
-        <p:txBody>
-          <a:bodyPr wrap="square">
-            <a:spAutoFit/>
-          </a:bodyPr>
-          <a:lstStyle/>
-          <a:p>
-            <a:r>
-              <a:rPr lang="en-US" dirty="0" smtClean="0"/>
-              <a:t>“</a:t>
-            </a:r>
-            <a:r>
-              <a:rPr lang="en-US" dirty="0" err="1" smtClean="0"/>
-              <a:t>Redis</a:t>
-            </a:r>
-            <a:r>
-              <a:rPr lang="en-US" dirty="0" smtClean="0"/>
-              <a:t> </a:t>
-            </a:r>
-            <a:r>
-              <a:rPr lang="en-US" dirty="0"/>
-              <a:t>is an open source, BSD licensed, advanced key-value store. It is often referred to as a data structure server since keys can contain strings, hashes, lists, sets and sorted sets</a:t>
-            </a:r>
-            <a:r>
-              <a:rPr lang="en-US" dirty="0" smtClean="0"/>
-              <a:t>.”</a:t>
-            </a:r>
-            <a:endParaRPr lang="en-US" dirty="0"/>
-          </a:p>
-        </p:txBody>
-      </p:sp>
     </p:spTree>
     <p:extLst>
       <p:ext uri="{BB962C8B-B14F-4D97-AF65-F5344CB8AC3E}">
-        <p14:creationId xmlns:p14="http://schemas.microsoft.com/office/powerpoint/2010/main" val="4265575979"/>
+        <p14:creationId xmlns:p14="http://schemas.microsoft.com/office/powerpoint/2010/main" val="1226404150"/>
       </p:ext>
     </p:extLst>
   </p:cSld>
@@ -13994,14 +13851,19 @@
             <p:ph type="title"/>
           </p:nvPr>
         </p:nvSpPr>
-        <p:spPr/>
-        <p:txBody>
-          <a:bodyPr/>
-          <a:lstStyle/>
-          <a:p>
-            <a:r>
-              <a:rPr lang="en-US" dirty="0" smtClean="0"/>
-              <a:t>Going beyond read and write</a:t>
+        <p:spPr>
+          <a:xfrm>
+            <a:off x="954132" y="310162"/>
+            <a:ext cx="6996150" cy="990107"/>
+          </a:xfrm>
+        </p:spPr>
+        <p:txBody>
+          <a:bodyPr/>
+          <a:lstStyle/>
+          <a:p>
+            <a:r>
+              <a:rPr lang="en-US" dirty="0" smtClean="0"/>
+              <a:t>When writing is key</a:t>
             </a:r>
             <a:endParaRPr lang="en-US" dirty="0"/>
           </a:p>
@@ -14027,47 +13889,51 @@
             </a:pPr>
             <a:r>
               <a:rPr lang="en-US" dirty="0" smtClean="0"/>
-              <a:t>Supporting access and transformation of large, unstructured data</a:t>
-            </a:r>
-          </a:p>
-          <a:p>
+              <a:t>Write performance (collect lots of data quickly): </a:t>
+            </a:r>
             <a:r>
               <a:rPr lang="en-US" dirty="0" err="1" smtClean="0"/>
-              <a:t>Hadoop’s</a:t>
-            </a:r>
-            <a:r>
-              <a:rPr lang="en-US" dirty="0" smtClean="0"/>
-              <a:t> </a:t>
-            </a:r>
-            <a:r>
-              <a:rPr lang="en-US" dirty="0" err="1" smtClean="0"/>
-              <a:t>MapReduce</a:t>
-            </a:r>
-            <a:r>
-              <a:rPr lang="en-US" dirty="0" smtClean="0"/>
-              <a:t> framework (a form of parallelism) </a:t>
-            </a:r>
-          </a:p>
-          <a:p>
-            <a:endParaRPr lang="en-US" dirty="0"/>
-          </a:p>
-          <a:p>
-            <a:pPr marL="0" indent="0">
-              <a:buNone/>
-            </a:pPr>
-            <a:r>
-              <a:rPr lang="en-US" dirty="0" smtClean="0"/>
-              <a:t>“a </a:t>
-            </a:r>
-            <a:r>
-              <a:rPr lang="en-US" dirty="0"/>
-              <a:t>framework that allows for the distributed processing of large data sets across clusters of computers using simple programming models</a:t>
-            </a:r>
-            <a:r>
-              <a:rPr lang="en-US" dirty="0" smtClean="0"/>
-              <a:t>.”</a:t>
-            </a:r>
-            <a:endParaRPr lang="en-US" dirty="0"/>
+              <a:t>Redis</a:t>
+            </a:r>
+            <a:r>
+              <a:rPr lang="en-US" dirty="0" smtClean="0"/>
+              <a:t> (key-value store)</a:t>
+            </a:r>
+          </a:p>
+          <a:p>
+            <a:pPr lvl="1"/>
+            <a:r>
+              <a:rPr lang="en-US" dirty="0" smtClean="0"/>
+              <a:t>Important at data collection time</a:t>
+            </a:r>
+          </a:p>
+          <a:p>
+            <a:pPr lvl="1"/>
+            <a:r>
+              <a:rPr lang="en-US" dirty="0" smtClean="0"/>
+              <a:t>Important for sites generating a lot of content</a:t>
+            </a:r>
+          </a:p>
+          <a:p>
+            <a:pPr lvl="1"/>
+            <a:r>
+              <a:rPr lang="en-US" dirty="0" smtClean="0"/>
+              <a:t>Maybe it’s ok if a crash loses a small amount of data </a:t>
+            </a:r>
+          </a:p>
+          <a:p>
+            <a:pPr lvl="1"/>
+            <a:r>
+              <a:rPr lang="en-US" dirty="0" smtClean="0"/>
+              <a:t>Slower to query things not in the key</a:t>
+            </a:r>
+          </a:p>
+          <a:p>
+            <a:pPr lvl="1"/>
+            <a:r>
+              <a:rPr lang="en-US" dirty="0" smtClean="0"/>
+              <a:t>Scales to multiple machines</a:t>
+            </a:r>
           </a:p>
         </p:txBody>
       </p:sp>
@@ -14088,7 +13954,7 @@
           <a:p>
             <a:fld id="{7053BEFA-1175-F644-B249-7D41D72BD3FF}" type="datetime1">
               <a:rPr lang="en-US" smtClean="0"/>
-              <a:t>6/10/16</a:t>
+              <a:t>1/6/17</a:t>
             </a:fld>
             <a:endParaRPr lang="en-US"/>
           </a:p>
@@ -14136,10 +14002,55 @@
           </a:p>
         </p:txBody>
       </p:sp>
+      <p:sp>
+        <p:nvSpPr>
+          <p:cNvPr id="7" name="Rectangle 6"/>
+          <p:cNvSpPr/>
+          <p:nvPr/>
+        </p:nvSpPr>
+        <p:spPr>
+          <a:xfrm>
+            <a:off x="1128942" y="5111270"/>
+            <a:ext cx="6821339" cy="923330"/>
+          </a:xfrm>
+          <a:prstGeom prst="rect">
+            <a:avLst/>
+          </a:prstGeom>
+        </p:spPr>
+        <p:txBody>
+          <a:bodyPr wrap="square">
+            <a:spAutoFit/>
+          </a:bodyPr>
+          <a:lstStyle/>
+          <a:p>
+            <a:r>
+              <a:rPr lang="en-US" dirty="0" smtClean="0"/>
+              <a:t>“</a:t>
+            </a:r>
+            <a:r>
+              <a:rPr lang="en-US" dirty="0" err="1" smtClean="0"/>
+              <a:t>Redis</a:t>
+            </a:r>
+            <a:r>
+              <a:rPr lang="en-US" dirty="0" smtClean="0"/>
+              <a:t> </a:t>
+            </a:r>
+            <a:r>
+              <a:rPr lang="en-US" dirty="0"/>
+              <a:t>is an open source, BSD licensed, advanced key-value store. It is often referred to as a data structure server since keys can contain strings, hashes, lists, sets and sorted sets</a:t>
+            </a:r>
+            <a:r>
+              <a:rPr lang="en-US" dirty="0" smtClean="0"/>
+              <a:t>.”</a:t>
+            </a:r>
+            <a:endParaRPr lang="en-US" dirty="0"/>
+          </a:p>
+        </p:txBody>
+      </p:sp>
     </p:spTree>
     <p:extLst>
       <p:ext uri="{BB962C8B-B14F-4D97-AF65-F5344CB8AC3E}">
-        <p14:creationId xmlns:p14="http://schemas.microsoft.com/office/powerpoint/2010/main" val="1349715534"/>
+        <p14:creationId xmlns:p14="http://schemas.microsoft.com/office/powerpoint/2010/main" val="4265575979"/>
       </p:ext>
     </p:extLst>
   </p:cSld>
@@ -14227,12 +14138,10 @@
             </a:r>
             <a:r>
               <a:rPr lang="en-US" dirty="0" smtClean="0"/>
-              <a:t> framework (a form of parallelism</a:t>
-            </a:r>
-            <a:r>
-              <a:rPr lang="en-US" smtClean="0"/>
-              <a:t>) </a:t>
-            </a:r>
+              <a:t> framework (a form of parallelism) </a:t>
+            </a:r>
+          </a:p>
+          <a:p>
             <a:endParaRPr lang="en-US" dirty="0"/>
           </a:p>
           <a:p>
@@ -14240,40 +14149,18 @@
               <a:buNone/>
             </a:pPr>
             <a:r>
-              <a:rPr lang="en-US" i="1" dirty="0" smtClean="0"/>
-              <a:t>Map </a:t>
-            </a:r>
-            <a:r>
-              <a:rPr lang="en-US" dirty="0" smtClean="0"/>
-              <a:t>data ‘shards’ with keys onto many nodes</a:t>
-            </a:r>
-          </a:p>
-          <a:p>
-            <a:pPr marL="0" indent="0">
-              <a:buNone/>
-            </a:pPr>
-            <a:r>
-              <a:rPr lang="en-US" i="1" dirty="0" smtClean="0"/>
-              <a:t>Shuffle sort </a:t>
-            </a:r>
-            <a:r>
-              <a:rPr lang="en-US" dirty="0" smtClean="0"/>
-              <a:t>‘shards’ by aggregating them by key to increase the efficiency of processing</a:t>
-            </a:r>
-          </a:p>
-          <a:p>
-            <a:pPr marL="0" indent="0">
-              <a:buNone/>
-            </a:pPr>
-            <a:r>
-              <a:rPr lang="en-US" i="1" dirty="0" smtClean="0"/>
-              <a:t>Reduce </a:t>
-            </a:r>
-            <a:r>
-              <a:rPr lang="en-US" dirty="0" smtClean="0"/>
-              <a:t>by processing the data </a:t>
-            </a:r>
-            <a:endParaRPr lang="en-US" i="1" dirty="0" smtClean="0"/>
+              <a:rPr lang="en-US" dirty="0" smtClean="0"/>
+              <a:t>“a </a:t>
+            </a:r>
+            <a:r>
+              <a:rPr lang="en-US" dirty="0"/>
+              <a:t>framework that allows for the distributed processing of large data sets across clusters of computers using simple programming models</a:t>
+            </a:r>
+            <a:r>
+              <a:rPr lang="en-US" dirty="0" smtClean="0"/>
+              <a:t>.”</a:t>
+            </a:r>
+            <a:endParaRPr lang="en-US" dirty="0"/>
           </a:p>
         </p:txBody>
       </p:sp>
@@ -14294,7 +14181,7 @@
           <a:p>
             <a:fld id="{7053BEFA-1175-F644-B249-7D41D72BD3FF}" type="datetime1">
               <a:rPr lang="en-US" smtClean="0"/>
-              <a:t>6/10/16</a:t>
+              <a:t>1/6/17</a:t>
             </a:fld>
             <a:endParaRPr lang="en-US"/>
           </a:p>
@@ -14345,7 +14232,7 @@
     </p:spTree>
     <p:extLst>
       <p:ext uri="{BB962C8B-B14F-4D97-AF65-F5344CB8AC3E}">
-        <p14:creationId xmlns:p14="http://schemas.microsoft.com/office/powerpoint/2010/main" val="4154483766"/>
+        <p14:creationId xmlns:p14="http://schemas.microsoft.com/office/powerpoint/2010/main" val="1349715534"/>
       </p:ext>
     </p:extLst>
   </p:cSld>
@@ -14433,64 +14320,53 @@
             </a:r>
             <a:r>
               <a:rPr lang="en-US" dirty="0" smtClean="0"/>
-              <a:t> framework (a form of parallelism) </a:t>
-            </a:r>
-          </a:p>
-          <a:p>
-            <a:r>
-              <a:rPr lang="en-US" dirty="0" smtClean="0"/>
-              <a:t>Apache Hive: Interactive querying for </a:t>
-            </a:r>
-            <a:r>
-              <a:rPr lang="en-US" dirty="0" err="1" smtClean="0"/>
-              <a:t>Hadoop</a:t>
-            </a:r>
-            <a:endParaRPr lang="en-US" dirty="0" smtClean="0"/>
+              <a:t> framework (a form of parallelism</a:t>
+            </a:r>
+            <a:r>
+              <a:rPr lang="en-US" smtClean="0"/>
+              <a:t>) </a:t>
+            </a:r>
+            <a:endParaRPr lang="en-US" dirty="0"/>
           </a:p>
           <a:p>
             <a:pPr marL="0" indent="0">
               <a:buNone/>
             </a:pPr>
             <a:r>
-              <a:rPr lang="en-US" dirty="0" smtClean="0"/>
-              <a:t>A way to manage distributed data (query, insert, </a:t>
-            </a:r>
-            <a:r>
               <a:rPr lang="en-US" i="1" dirty="0" smtClean="0"/>
-              <a:t>etc</a:t>
-            </a:r>
-            <a:r>
-              <a:rPr lang="en-US" i="1" dirty="0"/>
-              <a:t>.)</a:t>
-            </a:r>
-            <a:r>
-              <a:rPr lang="en-US" dirty="0"/>
-              <a:t> </a:t>
-            </a:r>
-            <a:r>
-              <a:rPr lang="en-US" dirty="0" smtClean="0"/>
-              <a:t>“Hive </a:t>
-            </a:r>
-            <a:r>
-              <a:rPr lang="en-US" dirty="0"/>
-              <a:t>provides a mechanism to project structure onto </a:t>
-            </a:r>
-            <a:r>
-              <a:rPr lang="en-US" dirty="0" smtClean="0"/>
-              <a:t>... and </a:t>
-            </a:r>
-            <a:r>
-              <a:rPr lang="en-US" dirty="0"/>
-              <a:t>query the data using a SQL-like language called </a:t>
-            </a:r>
-            <a:r>
-              <a:rPr lang="en-US" dirty="0" err="1"/>
-              <a:t>HiveQL</a:t>
-            </a:r>
-            <a:r>
-              <a:rPr lang="en-US" dirty="0" smtClean="0"/>
-              <a:t>.”</a:t>
-            </a:r>
+              <a:t>Map </a:t>
+            </a:r>
+            <a:r>
+              <a:rPr lang="en-US" dirty="0" smtClean="0"/>
+              <a:t>data ‘shards’ with keys onto many nodes</a:t>
+            </a:r>
+          </a:p>
+          <a:p>
+            <a:pPr marL="0" indent="0">
+              <a:buNone/>
+            </a:pPr>
+            <a:r>
+              <a:rPr lang="en-US" i="1" dirty="0" smtClean="0"/>
+              <a:t>Shuffle sort </a:t>
+            </a:r>
+            <a:r>
+              <a:rPr lang="en-US" dirty="0" smtClean="0"/>
+              <a:t>‘shards’ by aggregating them by key to increase the efficiency of processing</a:t>
+            </a:r>
+          </a:p>
+          <a:p>
+            <a:pPr marL="0" indent="0">
+              <a:buNone/>
+            </a:pPr>
+            <a:r>
+              <a:rPr lang="en-US" i="1" dirty="0" smtClean="0"/>
+              <a:t>Reduce </a:t>
+            </a:r>
+            <a:r>
+              <a:rPr lang="en-US" dirty="0" smtClean="0"/>
+              <a:t>by processing the data </a:t>
+            </a:r>
+            <a:endParaRPr lang="en-US" i="1" dirty="0" smtClean="0"/>
           </a:p>
         </p:txBody>
       </p:sp>
@@ -14511,7 +14387,7 @@
           <a:p>
             <a:fld id="{7053BEFA-1175-F644-B249-7D41D72BD3FF}" type="datetime1">
               <a:rPr lang="en-US" smtClean="0"/>
-              <a:t>6/10/16</a:t>
+              <a:t>1/6/17</a:t>
             </a:fld>
             <a:endParaRPr lang="en-US"/>
           </a:p>
@@ -14562,7 +14438,7 @@
     </p:spTree>
     <p:extLst>
       <p:ext uri="{BB962C8B-B14F-4D97-AF65-F5344CB8AC3E}">
-        <p14:creationId xmlns:p14="http://schemas.microsoft.com/office/powerpoint/2010/main" val="1176461902"/>
+        <p14:creationId xmlns:p14="http://schemas.microsoft.com/office/powerpoint/2010/main" val="4154483766"/>
       </p:ext>
     </p:extLst>
   </p:cSld>
@@ -14606,73 +14482,107 @@
           <a:p>
             <a:r>
               <a:rPr lang="en-US" dirty="0" smtClean="0"/>
-              <a:t>Pros and Cons of </a:t>
+              <a:t>Going beyond read and write</a:t>
+            </a:r>
+            <a:endParaRPr lang="en-US" dirty="0"/>
+          </a:p>
+        </p:txBody>
+      </p:sp>
+      <p:sp>
+        <p:nvSpPr>
+          <p:cNvPr id="3" name="Content Placeholder 2"/>
+          <p:cNvSpPr>
+            <a:spLocks noGrp="1"/>
+          </p:cNvSpPr>
+          <p:nvPr>
+            <p:ph idx="1"/>
+          </p:nvPr>
+        </p:nvSpPr>
+        <p:spPr/>
+        <p:txBody>
+          <a:bodyPr/>
+          <a:lstStyle/>
+          <a:p>
+            <a:pPr marL="0" indent="0">
+              <a:buNone/>
+            </a:pPr>
+            <a:r>
+              <a:rPr lang="en-US" dirty="0" smtClean="0"/>
+              <a:t>Supporting access and transformation of large, unstructured data</a:t>
+            </a:r>
+          </a:p>
+          <a:p>
+            <a:r>
+              <a:rPr lang="en-US" dirty="0" err="1" smtClean="0"/>
+              <a:t>Hadoop’s</a:t>
+            </a:r>
+            <a:r>
+              <a:rPr lang="en-US" dirty="0" smtClean="0"/>
+              <a:t> </a:t>
             </a:r>
             <a:r>
               <a:rPr lang="en-US" dirty="0" err="1" smtClean="0"/>
               <a:t>MapReduce</a:t>
             </a:r>
-            <a:endParaRPr lang="en-US" dirty="0"/>
-          </a:p>
-        </p:txBody>
-      </p:sp>
-      <p:sp>
-        <p:nvSpPr>
-          <p:cNvPr id="3" name="Content Placeholder 2"/>
-          <p:cNvSpPr>
-            <a:spLocks noGrp="1"/>
-          </p:cNvSpPr>
-          <p:nvPr>
-            <p:ph idx="1"/>
-          </p:nvPr>
-        </p:nvSpPr>
-        <p:spPr/>
-        <p:txBody>
-          <a:bodyPr/>
-          <a:lstStyle/>
+            <a:r>
+              <a:rPr lang="en-US" dirty="0" smtClean="0"/>
+              <a:t> framework (a form of parallelism) </a:t>
+            </a:r>
+          </a:p>
+          <a:p>
+            <a:r>
+              <a:rPr lang="en-US" dirty="0" smtClean="0"/>
+              <a:t>Apache Hive: Interactive querying for </a:t>
+            </a:r>
+            <a:r>
+              <a:rPr lang="en-US" dirty="0" err="1" smtClean="0"/>
+              <a:t>Hadoop</a:t>
+            </a:r>
+            <a:endParaRPr lang="en-US" dirty="0" smtClean="0"/>
+          </a:p>
           <a:p>
             <a:pPr marL="0" indent="0">
               <a:buNone/>
             </a:pPr>
             <a:r>
               <a:rPr lang="en-US" dirty="0" smtClean="0"/>
-              <a:t>Not ideal for ad-hoc query tasks</a:t>
-            </a:r>
-          </a:p>
-          <a:p>
-            <a:pPr marL="0" indent="0">
-              <a:buNone/>
-            </a:pPr>
-            <a:r>
-              <a:rPr lang="en-US" dirty="0" smtClean="0"/>
-              <a:t>Slow for iterative data analysis </a:t>
-            </a:r>
-          </a:p>
-          <a:p>
-            <a:pPr marL="0" indent="0">
-              <a:buNone/>
-            </a:pPr>
-            <a:r>
-              <a:rPr lang="en-US" dirty="0" smtClean="0"/>
-              <a:t>Good for normalization or processing</a:t>
-            </a:r>
-          </a:p>
-          <a:p>
-            <a:pPr marL="0" indent="0">
-              <a:buNone/>
-            </a:pPr>
-            <a:r>
-              <a:rPr lang="en-US" dirty="0" smtClean="0"/>
-              <a:t>Good for batch work</a:t>
-            </a:r>
-          </a:p>
-          <a:p>
-            <a:pPr marL="0" indent="0">
-              <a:buNone/>
-            </a:pPr>
-            <a:r>
-              <a:rPr lang="en-US" dirty="0" smtClean="0"/>
-              <a:t>Does not require that data fit a schema </a:t>
+              <a:t>A way to manage distributed data (query, insert, </a:t>
+            </a:r>
+            <a:r>
+              <a:rPr lang="en-US" i="1" dirty="0" smtClean="0"/>
+              <a:t>etc</a:t>
+            </a:r>
+            <a:r>
+              <a:rPr lang="en-US" i="1" dirty="0"/>
+              <a:t>.)</a:t>
+            </a:r>
+            <a:r>
+              <a:rPr lang="en-US" dirty="0"/>
+              <a:t> </a:t>
+            </a:r>
+            <a:r>
+              <a:rPr lang="en-US" dirty="0" smtClean="0"/>
+              <a:t>“Hive </a:t>
+            </a:r>
+            <a:r>
+              <a:rPr lang="en-US" dirty="0"/>
+              <a:t>provides a mechanism to project structure onto </a:t>
+            </a:r>
+            <a:r>
+              <a:rPr lang="en-US" dirty="0" smtClean="0"/>
+              <a:t>... and </a:t>
+            </a:r>
+            <a:r>
+              <a:rPr lang="en-US" dirty="0"/>
+              <a:t>query the data using a SQL-like language called </a:t>
+            </a:r>
+            <a:r>
+              <a:rPr lang="en-US" dirty="0" err="1"/>
+              <a:t>HiveQL</a:t>
+            </a:r>
+            <a:r>
+              <a:rPr lang="en-US" dirty="0" smtClean="0"/>
+              <a:t>.”</a:t>
             </a:r>
           </a:p>
         </p:txBody>
@@ -14694,7 +14604,7 @@
           <a:p>
             <a:fld id="{7053BEFA-1175-F644-B249-7D41D72BD3FF}" type="datetime1">
               <a:rPr lang="en-US" smtClean="0"/>
-              <a:t>6/10/16</a:t>
+              <a:t>1/6/17</a:t>
             </a:fld>
             <a:endParaRPr lang="en-US"/>
           </a:p>
@@ -14745,7 +14655,7 @@
     </p:spTree>
     <p:extLst>
       <p:ext uri="{BB962C8B-B14F-4D97-AF65-F5344CB8AC3E}">
-        <p14:creationId xmlns:p14="http://schemas.microsoft.com/office/powerpoint/2010/main" val="4168837443"/>
+        <p14:creationId xmlns:p14="http://schemas.microsoft.com/office/powerpoint/2010/main" val="1176461902"/>
       </p:ext>
     </p:extLst>
   </p:cSld>
@@ -14789,7 +14699,11 @@
           <a:p>
             <a:r>
               <a:rPr lang="en-US" dirty="0" smtClean="0"/>
-              <a:t>A solution focused on Analytics</a:t>
+              <a:t>Pros and Cons of </a:t>
+            </a:r>
+            <a:r>
+              <a:rPr lang="en-US" dirty="0" err="1" smtClean="0"/>
+              <a:t>MapReduce</a:t>
             </a:r>
             <a:endParaRPr lang="en-US" dirty="0"/>
           </a:p>
@@ -14805,12 +14719,7 @@
             <p:ph idx="1"/>
           </p:nvPr>
         </p:nvSpPr>
-        <p:spPr>
-          <a:xfrm>
-            <a:off x="1128943" y="1611983"/>
-            <a:ext cx="7048804" cy="4379976"/>
-          </a:xfrm>
-        </p:spPr>
+        <p:spPr/>
         <p:txBody>
           <a:bodyPr/>
           <a:lstStyle/>
@@ -14820,7 +14729,7 @@
             </a:pPr>
             <a:r>
               <a:rPr lang="en-US" dirty="0" smtClean="0"/>
-              <a:t>Google’s Big Query </a:t>
+              <a:t>Not ideal for ad-hoc query tasks</a:t>
             </a:r>
           </a:p>
           <a:p>
@@ -14828,12 +14737,35 @@
               <a:buNone/>
             </a:pPr>
             <a:r>
-              <a:rPr lang="en-US" dirty="0"/>
-              <a:t>“Analyze terabytes of data in </a:t>
-            </a:r>
-            <a:r>
-              <a:rPr lang="en-US" dirty="0" smtClean="0"/>
-              <a:t>seconds… bulk load your data … REST access”</a:t>
+              <a:rPr lang="en-US" dirty="0" smtClean="0"/>
+              <a:t>Slow for iterative data analysis </a:t>
+            </a:r>
+          </a:p>
+          <a:p>
+            <a:pPr marL="0" indent="0">
+              <a:buNone/>
+            </a:pPr>
+            <a:r>
+              <a:rPr lang="en-US" dirty="0" smtClean="0"/>
+              <a:t>Good for normalization or processing</a:t>
+            </a:r>
+          </a:p>
+          <a:p>
+            <a:pPr marL="0" indent="0">
+              <a:buNone/>
+            </a:pPr>
+            <a:r>
+              <a:rPr lang="en-US" dirty="0" smtClean="0"/>
+              <a:t>Good for batch work</a:t>
+            </a:r>
+          </a:p>
+          <a:p>
+            <a:pPr marL="0" indent="0">
+              <a:buNone/>
+            </a:pPr>
+            <a:r>
+              <a:rPr lang="en-US" dirty="0" smtClean="0"/>
+              <a:t>Does not require that data fit a schema </a:t>
             </a:r>
           </a:p>
         </p:txBody>
@@ -14855,7 +14787,7 @@
           <a:p>
             <a:fld id="{7053BEFA-1175-F644-B249-7D41D72BD3FF}" type="datetime1">
               <a:rPr lang="en-US" smtClean="0"/>
-              <a:t>6/10/16</a:t>
+              <a:t>1/6/17</a:t>
             </a:fld>
             <a:endParaRPr lang="en-US"/>
           </a:p>
@@ -14906,7 +14838,7 @@
     </p:spTree>
     <p:extLst>
       <p:ext uri="{BB962C8B-B14F-4D97-AF65-F5344CB8AC3E}">
-        <p14:creationId xmlns:p14="http://schemas.microsoft.com/office/powerpoint/2010/main" val="2871226136"/>
+        <p14:creationId xmlns:p14="http://schemas.microsoft.com/office/powerpoint/2010/main" val="4168837443"/>
       </p:ext>
     </p:extLst>
   </p:cSld>
@@ -14985,45 +14917,17 @@
             </a:r>
           </a:p>
           <a:p>
-            <a:r>
-              <a:rPr lang="en-US" dirty="0" smtClean="0"/>
-              <a:t>Based on </a:t>
-            </a:r>
-            <a:r>
-              <a:rPr lang="en-US" dirty="0" err="1" smtClean="0"/>
-              <a:t>Dremel</a:t>
-            </a:r>
-            <a:r>
-              <a:rPr lang="en-US" dirty="0" smtClean="0"/>
-              <a:t> (a schema-based SQL-like system that can handle very large data sets very quickly). </a:t>
-            </a:r>
-          </a:p>
-          <a:p>
-            <a:r>
-              <a:rPr lang="en-US" dirty="0" smtClean="0"/>
-              <a:t>Append-only system</a:t>
-            </a:r>
-          </a:p>
-          <a:p>
-            <a:r>
-              <a:rPr lang="en-US" dirty="0" smtClean="0"/>
-              <a:t>No install required (or allowed)</a:t>
-            </a:r>
-          </a:p>
-          <a:p>
-            <a:r>
-              <a:rPr lang="en-US" dirty="0" smtClean="0"/>
-              <a:t>Good if you don’t have an existing distributed infrastructure</a:t>
-            </a:r>
-          </a:p>
-          <a:p>
+            <a:pPr marL="0" indent="0">
+              <a:buNone/>
+            </a:pPr>
             <a:r>
               <a:rPr lang="en-US" dirty="0"/>
-              <a:t>Good for supporting visualizations and dashboards</a:t>
-            </a:r>
-          </a:p>
-          <a:p>
-            <a:endParaRPr lang="en-US" dirty="0" smtClean="0"/>
+              <a:t>“Analyze terabytes of data in </a:t>
+            </a:r>
+            <a:r>
+              <a:rPr lang="en-US" dirty="0" smtClean="0"/>
+              <a:t>seconds… bulk load your data … REST access”</a:t>
+            </a:r>
           </a:p>
         </p:txBody>
       </p:sp>
@@ -15044,7 +14948,7 @@
           <a:p>
             <a:fld id="{7053BEFA-1175-F644-B249-7D41D72BD3FF}" type="datetime1">
               <a:rPr lang="en-US" smtClean="0"/>
-              <a:t>6/10/16</a:t>
+              <a:t>1/6/17</a:t>
             </a:fld>
             <a:endParaRPr lang="en-US"/>
           </a:p>
@@ -15095,7 +14999,7 @@
     </p:spTree>
     <p:extLst>
       <p:ext uri="{BB962C8B-B14F-4D97-AF65-F5344CB8AC3E}">
-        <p14:creationId xmlns:p14="http://schemas.microsoft.com/office/powerpoint/2010/main" val="2789950721"/>
+        <p14:creationId xmlns:p14="http://schemas.microsoft.com/office/powerpoint/2010/main" val="2871226136"/>
       </p:ext>
     </p:extLst>
   </p:cSld>
@@ -15139,7 +15043,7 @@
           <a:p>
             <a:r>
               <a:rPr lang="en-US" dirty="0" smtClean="0"/>
-              <a:t>What is BIG data?</a:t>
+              <a:t>Goals for today</a:t>
             </a:r>
             <a:endParaRPr lang="en-US" dirty="0"/>
           </a:p>
@@ -15164,15 +15068,18 @@
               <a:buNone/>
             </a:pPr>
             <a:r>
-              <a:rPr lang="en-US" i="1" dirty="0" smtClean="0"/>
-              <a:t>Technology / Analysis / Mythology</a:t>
+              <a:rPr lang="en-US" dirty="0" smtClean="0"/>
+              <a:t>Discuss human issues in Big Data</a:t>
             </a:r>
           </a:p>
           <a:p>
             <a:pPr marL="0" indent="0">
               <a:buNone/>
             </a:pPr>
-            <a:endParaRPr lang="en-US" i="1" dirty="0"/>
+            <a:r>
+              <a:rPr lang="en-US" dirty="0"/>
+              <a:t>Talk about Byte 3</a:t>
+            </a:r>
           </a:p>
           <a:p>
             <a:pPr marL="0" indent="0">
@@ -15180,20 +15087,18 @@
             </a:pPr>
             <a:r>
               <a:rPr lang="en-US" dirty="0" smtClean="0"/>
-              <a:t>Regulated by social forces – namely </a:t>
-            </a:r>
-            <a:r>
-              <a:rPr lang="en-US" i="1" dirty="0"/>
-              <a:t/>
-            </a:r>
-            <a:br>
-              <a:rPr lang="en-US" i="1" dirty="0"/>
-            </a:br>
-            <a:r>
-              <a:rPr lang="en-US" i="1" dirty="0" smtClean="0"/>
-              <a:t>Market / Law / Social Norms / Technology</a:t>
-            </a:r>
-            <a:endParaRPr lang="en-US" dirty="0"/>
+              <a:t>Quiz</a:t>
+            </a:r>
+            <a:endParaRPr lang="en-US" dirty="0"/>
+          </a:p>
+          <a:p>
+            <a:pPr marL="0" indent="0">
+              <a:buNone/>
+            </a:pPr>
+            <a:r>
+              <a:rPr lang="en-US" dirty="0" smtClean="0"/>
+              <a:t>Discuss infrastructure issues for Big Data</a:t>
+            </a:r>
           </a:p>
         </p:txBody>
       </p:sp>
@@ -15214,7 +15119,7 @@
           <a:p>
             <a:fld id="{7053BEFA-1175-F644-B249-7D41D72BD3FF}" type="datetime1">
               <a:rPr lang="en-US" smtClean="0"/>
-              <a:t>6/10/16</a:t>
+              <a:t>1/6/17</a:t>
             </a:fld>
             <a:endParaRPr lang="en-US"/>
           </a:p>
@@ -15265,13 +15170,20 @@
     </p:spTree>
     <p:extLst>
       <p:ext uri="{BB962C8B-B14F-4D97-AF65-F5344CB8AC3E}">
-        <p14:creationId xmlns:p14="http://schemas.microsoft.com/office/powerpoint/2010/main" val="935966249"/>
+        <p14:creationId xmlns:p14="http://schemas.microsoft.com/office/powerpoint/2010/main" val="286491977"/>
       </p:ext>
     </p:extLst>
   </p:cSld>
   <p:clrMapOvr>
     <a:masterClrMapping/>
   </p:clrMapOvr>
+  <p:timing>
+    <p:tnLst>
+      <p:par>
+        <p:cTn id="1" dur="indefinite" restart="never" nodeType="tmRoot"/>
+      </p:par>
+    </p:tnLst>
+  </p:timing>
 </p:sld>
 </file>
 
@@ -15309,31 +15221,83 @@
           <a:p>
             <a:r>
               <a:rPr lang="en-US" dirty="0" smtClean="0"/>
-              <a:t>What makes Big Query so fast?</a:t>
-            </a:r>
-            <a:endParaRPr lang="en-US" dirty="0"/>
-          </a:p>
-        </p:txBody>
-      </p:sp>
-      <p:pic>
-        <p:nvPicPr>
-          <p:cNvPr id="7" name="Content Placeholder 6"/>
-          <p:cNvPicPr>
-            <a:picLocks noGrp="1" noChangeAspect="1"/>
-          </p:cNvPicPr>
+              <a:t>A solution focused on Analytics</a:t>
+            </a:r>
+            <a:endParaRPr lang="en-US" dirty="0"/>
+          </a:p>
+        </p:txBody>
+      </p:sp>
+      <p:sp>
+        <p:nvSpPr>
+          <p:cNvPr id="3" name="Content Placeholder 2"/>
+          <p:cNvSpPr>
+            <a:spLocks noGrp="1"/>
+          </p:cNvSpPr>
           <p:nvPr>
             <p:ph idx="1"/>
           </p:nvPr>
-        </p:nvPicPr>
-        <p:blipFill>
-          <a:blip r:embed="rId3"/>
-          <a:srcRect l="7826" r="7826"/>
-          <a:stretch>
-            <a:fillRect/>
-          </a:stretch>
-        </p:blipFill>
-        <p:spPr/>
-      </p:pic>
+        </p:nvSpPr>
+        <p:spPr>
+          <a:xfrm>
+            <a:off x="1128943" y="1611983"/>
+            <a:ext cx="7048804" cy="4379976"/>
+          </a:xfrm>
+        </p:spPr>
+        <p:txBody>
+          <a:bodyPr/>
+          <a:lstStyle/>
+          <a:p>
+            <a:pPr marL="0" indent="0">
+              <a:buNone/>
+            </a:pPr>
+            <a:r>
+              <a:rPr lang="en-US" dirty="0" smtClean="0"/>
+              <a:t>Google’s Big Query </a:t>
+            </a:r>
+          </a:p>
+          <a:p>
+            <a:r>
+              <a:rPr lang="en-US" dirty="0" smtClean="0"/>
+              <a:t>Based on </a:t>
+            </a:r>
+            <a:r>
+              <a:rPr lang="en-US" dirty="0" err="1" smtClean="0"/>
+              <a:t>Dremel</a:t>
+            </a:r>
+            <a:r>
+              <a:rPr lang="en-US" dirty="0" smtClean="0"/>
+              <a:t> (a schema-based SQL-like system that can handle very large data sets very quickly). </a:t>
+            </a:r>
+          </a:p>
+          <a:p>
+            <a:r>
+              <a:rPr lang="en-US" dirty="0" smtClean="0"/>
+              <a:t>Append-only system</a:t>
+            </a:r>
+          </a:p>
+          <a:p>
+            <a:r>
+              <a:rPr lang="en-US" dirty="0" smtClean="0"/>
+              <a:t>No install required (or allowed)</a:t>
+            </a:r>
+          </a:p>
+          <a:p>
+            <a:r>
+              <a:rPr lang="en-US" dirty="0" smtClean="0"/>
+              <a:t>Good if you don’t have an existing distributed infrastructure</a:t>
+            </a:r>
+          </a:p>
+          <a:p>
+            <a:r>
+              <a:rPr lang="en-US" dirty="0"/>
+              <a:t>Good for supporting visualizations and dashboards</a:t>
+            </a:r>
+          </a:p>
+          <a:p>
+            <a:endParaRPr lang="en-US" dirty="0" smtClean="0"/>
+          </a:p>
+        </p:txBody>
+      </p:sp>
       <p:sp>
         <p:nvSpPr>
           <p:cNvPr id="4" name="Date Placeholder 3"/>
@@ -15351,7 +15315,7 @@
           <a:p>
             <a:fld id="{7053BEFA-1175-F644-B249-7D41D72BD3FF}" type="datetime1">
               <a:rPr lang="en-US" smtClean="0"/>
-              <a:t>6/10/16</a:t>
+              <a:t>1/6/17</a:t>
             </a:fld>
             <a:endParaRPr lang="en-US"/>
           </a:p>
@@ -15399,64 +15363,16 @@
           </a:p>
         </p:txBody>
       </p:sp>
-      <p:sp>
-        <p:nvSpPr>
-          <p:cNvPr id="8" name="Rectangle 7"/>
-          <p:cNvSpPr/>
-          <p:nvPr/>
-        </p:nvSpPr>
-        <p:spPr>
-          <a:xfrm>
-            <a:off x="954131" y="1523987"/>
-            <a:ext cx="7223615" cy="369332"/>
-          </a:xfrm>
-          <a:prstGeom prst="rect">
-            <a:avLst/>
-          </a:prstGeom>
-        </p:spPr>
-        <p:txBody>
-          <a:bodyPr wrap="square">
-            <a:spAutoFit/>
-          </a:bodyPr>
-          <a:lstStyle/>
-          <a:p>
-            <a:r>
-              <a:rPr lang="en-US" dirty="0"/>
-              <a:t>https://</a:t>
-            </a:r>
-            <a:r>
-              <a:rPr lang="en-US" dirty="0" err="1"/>
-              <a:t>cloud.google.com</a:t>
-            </a:r>
-            <a:r>
-              <a:rPr lang="en-US" dirty="0"/>
-              <a:t>/files/</a:t>
-            </a:r>
-            <a:r>
-              <a:rPr lang="en-US" dirty="0" err="1"/>
-              <a:t>BigQueryTechnicalWP.pdf</a:t>
-            </a:r>
-            <a:endParaRPr lang="en-US" dirty="0"/>
-          </a:p>
-        </p:txBody>
-      </p:sp>
     </p:spTree>
     <p:extLst>
       <p:ext uri="{BB962C8B-B14F-4D97-AF65-F5344CB8AC3E}">
-        <p14:creationId xmlns:p14="http://schemas.microsoft.com/office/powerpoint/2010/main" val="2294541035"/>
+        <p14:creationId xmlns:p14="http://schemas.microsoft.com/office/powerpoint/2010/main" val="2789950721"/>
       </p:ext>
     </p:extLst>
   </p:cSld>
   <p:clrMapOvr>
     <a:masterClrMapping/>
   </p:clrMapOvr>
-  <p:timing>
-    <p:tnLst>
-      <p:par>
-        <p:cTn xmlns:p14="http://schemas.microsoft.com/office/powerpoint/2010/main" id="1" dur="indefinite" restart="never" nodeType="tmRoot"/>
-      </p:par>
-    </p:tnLst>
-  </p:timing>
 </p:sld>
 </file>
 
@@ -15500,6 +15416,25 @@
           </a:p>
         </p:txBody>
       </p:sp>
+      <p:pic>
+        <p:nvPicPr>
+          <p:cNvPr id="7" name="Content Placeholder 6"/>
+          <p:cNvPicPr>
+            <a:picLocks noGrp="1" noChangeAspect="1"/>
+          </p:cNvPicPr>
+          <p:nvPr>
+            <p:ph idx="1"/>
+          </p:nvPr>
+        </p:nvPicPr>
+        <p:blipFill>
+          <a:blip r:embed="rId3"/>
+          <a:srcRect l="7826" r="7826"/>
+          <a:stretch>
+            <a:fillRect/>
+          </a:stretch>
+        </p:blipFill>
+        <p:spPr/>
+      </p:pic>
       <p:sp>
         <p:nvSpPr>
           <p:cNvPr id="4" name="Date Placeholder 3"/>
@@ -15517,7 +15452,7 @@
           <a:p>
             <a:fld id="{7053BEFA-1175-F644-B249-7D41D72BD3FF}" type="datetime1">
               <a:rPr lang="en-US" smtClean="0"/>
-              <a:t>6/10/16</a:t>
+              <a:t>1/6/17</a:t>
             </a:fld>
             <a:endParaRPr lang="en-US"/>
           </a:p>
@@ -15560,6 +15495,172 @@
             <a:fld id="{17E276FA-8F89-B34D-A726-BE3FA1F8DD97}" type="slidenum">
               <a:rPr lang="en-US" smtClean="0"/>
               <a:t>31</a:t>
+            </a:fld>
+            <a:endParaRPr lang="en-US" dirty="0"/>
+          </a:p>
+        </p:txBody>
+      </p:sp>
+      <p:sp>
+        <p:nvSpPr>
+          <p:cNvPr id="8" name="Rectangle 7"/>
+          <p:cNvSpPr/>
+          <p:nvPr/>
+        </p:nvSpPr>
+        <p:spPr>
+          <a:xfrm>
+            <a:off x="954131" y="1523987"/>
+            <a:ext cx="7223615" cy="369332"/>
+          </a:xfrm>
+          <a:prstGeom prst="rect">
+            <a:avLst/>
+          </a:prstGeom>
+        </p:spPr>
+        <p:txBody>
+          <a:bodyPr wrap="square">
+            <a:spAutoFit/>
+          </a:bodyPr>
+          <a:lstStyle/>
+          <a:p>
+            <a:r>
+              <a:rPr lang="en-US" dirty="0"/>
+              <a:t>https://</a:t>
+            </a:r>
+            <a:r>
+              <a:rPr lang="en-US" dirty="0" err="1"/>
+              <a:t>cloud.google.com</a:t>
+            </a:r>
+            <a:r>
+              <a:rPr lang="en-US" dirty="0"/>
+              <a:t>/files/</a:t>
+            </a:r>
+            <a:r>
+              <a:rPr lang="en-US" dirty="0" err="1"/>
+              <a:t>BigQueryTechnicalWP.pdf</a:t>
+            </a:r>
+            <a:endParaRPr lang="en-US" dirty="0"/>
+          </a:p>
+        </p:txBody>
+      </p:sp>
+    </p:spTree>
+    <p:extLst>
+      <p:ext uri="{BB962C8B-B14F-4D97-AF65-F5344CB8AC3E}">
+        <p14:creationId xmlns:p14="http://schemas.microsoft.com/office/powerpoint/2010/main" val="2294541035"/>
+      </p:ext>
+    </p:extLst>
+  </p:cSld>
+  <p:clrMapOvr>
+    <a:masterClrMapping/>
+  </p:clrMapOvr>
+  <p:timing>
+    <p:tnLst>
+      <p:par>
+        <p:cTn id="1" dur="indefinite" restart="never" nodeType="tmRoot"/>
+      </p:par>
+    </p:tnLst>
+  </p:timing>
+</p:sld>
+</file>
+
+<file path=ppt/slides/slide32.xml><?xml version="1.0" encoding="utf-8"?>
+<p:sld xmlns:a="http://schemas.openxmlformats.org/drawingml/2006/main" xmlns:r="http://schemas.openxmlformats.org/officeDocument/2006/relationships" xmlns:p="http://schemas.openxmlformats.org/presentationml/2006/main">
+  <p:cSld>
+    <p:spTree>
+      <p:nvGrpSpPr>
+        <p:cNvPr id="1" name=""/>
+        <p:cNvGrpSpPr/>
+        <p:nvPr/>
+      </p:nvGrpSpPr>
+      <p:grpSpPr>
+        <a:xfrm>
+          <a:off x="0" y="0"/>
+          <a:ext cx="0" cy="0"/>
+          <a:chOff x="0" y="0"/>
+          <a:chExt cx="0" cy="0"/>
+        </a:xfrm>
+      </p:grpSpPr>
+      <p:sp>
+        <p:nvSpPr>
+          <p:cNvPr id="2" name="Title 1"/>
+          <p:cNvSpPr>
+            <a:spLocks noGrp="1"/>
+          </p:cNvSpPr>
+          <p:nvPr>
+            <p:ph type="title"/>
+          </p:nvPr>
+        </p:nvSpPr>
+        <p:spPr/>
+        <p:txBody>
+          <a:bodyPr/>
+          <a:lstStyle/>
+          <a:p>
+            <a:r>
+              <a:rPr lang="en-US" dirty="0" smtClean="0"/>
+              <a:t>What makes Big Query so fast?</a:t>
+            </a:r>
+            <a:endParaRPr lang="en-US" dirty="0"/>
+          </a:p>
+        </p:txBody>
+      </p:sp>
+      <p:sp>
+        <p:nvSpPr>
+          <p:cNvPr id="4" name="Date Placeholder 3"/>
+          <p:cNvSpPr>
+            <a:spLocks noGrp="1"/>
+          </p:cNvSpPr>
+          <p:nvPr>
+            <p:ph type="dt" sz="half" idx="10"/>
+          </p:nvPr>
+        </p:nvSpPr>
+        <p:spPr/>
+        <p:txBody>
+          <a:bodyPr/>
+          <a:lstStyle/>
+          <a:p>
+            <a:fld id="{7053BEFA-1175-F644-B249-7D41D72BD3FF}" type="datetime1">
+              <a:rPr lang="en-US" smtClean="0"/>
+              <a:t>1/6/17</a:t>
+            </a:fld>
+            <a:endParaRPr lang="en-US"/>
+          </a:p>
+        </p:txBody>
+      </p:sp>
+      <p:sp>
+        <p:nvSpPr>
+          <p:cNvPr id="5" name="Footer Placeholder 4"/>
+          <p:cNvSpPr>
+            <a:spLocks noGrp="1"/>
+          </p:cNvSpPr>
+          <p:nvPr>
+            <p:ph type="ftr" sz="quarter" idx="11"/>
+          </p:nvPr>
+        </p:nvSpPr>
+        <p:spPr/>
+        <p:txBody>
+          <a:bodyPr/>
+          <a:lstStyle/>
+          <a:p>
+            <a:endParaRPr lang="en-US" dirty="0"/>
+          </a:p>
+        </p:txBody>
+      </p:sp>
+      <p:sp>
+        <p:nvSpPr>
+          <p:cNvPr id="6" name="Slide Number Placeholder 5"/>
+          <p:cNvSpPr>
+            <a:spLocks noGrp="1"/>
+          </p:cNvSpPr>
+          <p:nvPr>
+            <p:ph type="sldNum" sz="quarter" idx="12"/>
+          </p:nvPr>
+        </p:nvSpPr>
+        <p:spPr/>
+        <p:txBody>
+          <a:bodyPr/>
+          <a:lstStyle/>
+          <a:p>
+            <a:fld id="{17E276FA-8F89-B34D-A726-BE3FA1F8DD97}" type="slidenum">
+              <a:rPr lang="en-US" smtClean="0"/>
+              <a:t>32</a:t>
             </a:fld>
             <a:endParaRPr lang="en-US" dirty="0"/>
           </a:p>
@@ -15644,14 +15745,14 @@
   <p:timing>
     <p:tnLst>
       <p:par>
-        <p:cTn xmlns:p14="http://schemas.microsoft.com/office/powerpoint/2010/main" id="1" dur="indefinite" restart="never" nodeType="tmRoot"/>
+        <p:cTn id="1" dur="indefinite" restart="never" nodeType="tmRoot"/>
       </p:par>
     </p:tnLst>
   </p:timing>
 </p:sld>
 </file>
 
-<file path=ppt/slides/slide32.xml><?xml version="1.0" encoding="utf-8"?>
+<file path=ppt/slides/slide33.xml><?xml version="1.0" encoding="utf-8"?>
 <p:sld xmlns:a="http://schemas.openxmlformats.org/drawingml/2006/main" xmlns:r="http://schemas.openxmlformats.org/officeDocument/2006/relationships" xmlns:p="http://schemas.openxmlformats.org/presentationml/2006/main" show="0">
   <p:cSld>
     <p:spTree>
@@ -15748,7 +15849,7 @@
           <a:p>
             <a:fld id="{7053BEFA-1175-F644-B249-7D41D72BD3FF}" type="datetime1">
               <a:rPr lang="en-US" smtClean="0"/>
-              <a:t>6/10/16</a:t>
+              <a:t>1/6/17</a:t>
             </a:fld>
             <a:endParaRPr lang="en-US"/>
           </a:p>
@@ -15790,7 +15891,7 @@
           <a:p>
             <a:fld id="{17E276FA-8F89-B34D-A726-BE3FA1F8DD97}" type="slidenum">
               <a:rPr lang="en-US" smtClean="0"/>
-              <a:t>32</a:t>
+              <a:t>33</a:t>
             </a:fld>
             <a:endParaRPr lang="en-US" dirty="0"/>
           </a:p>
@@ -15811,207 +15912,16 @@
       <p:transition spd="slow" p14:dur="2000"/>
     </mc:Choice>
     <mc:Fallback>
-      <p:transition xmlns:p14="http://schemas.microsoft.com/office/powerpoint/2010/main" spd="slow"/>
+      <p:transition spd="slow"/>
     </mc:Fallback>
   </mc:AlternateContent>
   <p:timing>
     <p:tnLst>
       <p:par>
-        <p:cTn xmlns:p14="http://schemas.microsoft.com/office/powerpoint/2010/main" id="1" dur="indefinite" restart="never" nodeType="tmRoot"/>
+        <p:cTn id="1" dur="indefinite" restart="never" nodeType="tmRoot"/>
       </p:par>
     </p:tnLst>
   </p:timing>
-</p:sld>
-</file>
-
-<file path=ppt/slides/slide33.xml><?xml version="1.0" encoding="utf-8"?>
-<p:sld xmlns:a="http://schemas.openxmlformats.org/drawingml/2006/main" xmlns:r="http://schemas.openxmlformats.org/officeDocument/2006/relationships" xmlns:p="http://schemas.openxmlformats.org/presentationml/2006/main">
-  <p:cSld>
-    <p:spTree>
-      <p:nvGrpSpPr>
-        <p:cNvPr id="1" name=""/>
-        <p:cNvGrpSpPr/>
-        <p:nvPr/>
-      </p:nvGrpSpPr>
-      <p:grpSpPr>
-        <a:xfrm>
-          <a:off x="0" y="0"/>
-          <a:ext cx="0" cy="0"/>
-          <a:chOff x="0" y="0"/>
-          <a:chExt cx="0" cy="0"/>
-        </a:xfrm>
-      </p:grpSpPr>
-      <p:sp>
-        <p:nvSpPr>
-          <p:cNvPr id="2" name="Title 1"/>
-          <p:cNvSpPr>
-            <a:spLocks noGrp="1"/>
-          </p:cNvSpPr>
-          <p:nvPr>
-            <p:ph type="title"/>
-          </p:nvPr>
-        </p:nvSpPr>
-        <p:spPr>
-          <a:xfrm>
-            <a:off x="954132" y="310162"/>
-            <a:ext cx="6915521" cy="990107"/>
-          </a:xfrm>
-        </p:spPr>
-        <p:txBody>
-          <a:bodyPr/>
-          <a:lstStyle/>
-          <a:p>
-            <a:r>
-              <a:rPr lang="en-US" dirty="0" smtClean="0"/>
-              <a:t>What are some Big </a:t>
-            </a:r>
-            <a:r>
-              <a:rPr lang="en-US" dirty="0"/>
-              <a:t>D</a:t>
-            </a:r>
-            <a:r>
-              <a:rPr lang="en-US" dirty="0" smtClean="0"/>
-              <a:t>ata problems?</a:t>
-            </a:r>
-            <a:endParaRPr lang="en-US" dirty="0"/>
-          </a:p>
-        </p:txBody>
-      </p:sp>
-      <p:sp>
-        <p:nvSpPr>
-          <p:cNvPr id="3" name="Content Placeholder 2"/>
-          <p:cNvSpPr>
-            <a:spLocks noGrp="1"/>
-          </p:cNvSpPr>
-          <p:nvPr>
-            <p:ph idx="1"/>
-          </p:nvPr>
-        </p:nvSpPr>
-        <p:spPr/>
-        <p:txBody>
-          <a:bodyPr/>
-          <a:lstStyle/>
-          <a:p>
-            <a:r>
-              <a:rPr lang="en-US" dirty="0" smtClean="0">
-                <a:solidFill>
-                  <a:schemeClr val="accent4"/>
-                </a:solidFill>
-              </a:rPr>
-              <a:t>Acquiring data</a:t>
-            </a:r>
-          </a:p>
-          <a:p>
-            <a:r>
-              <a:rPr lang="en-US" dirty="0" smtClean="0">
-                <a:solidFill>
-                  <a:schemeClr val="accent4"/>
-                </a:solidFill>
-              </a:rPr>
-              <a:t>Choosing an architecture: How to store it</a:t>
-            </a:r>
-          </a:p>
-          <a:p>
-            <a:r>
-              <a:rPr lang="en-US" dirty="0" smtClean="0"/>
-              <a:t>Case Study</a:t>
-            </a:r>
-          </a:p>
-          <a:p>
-            <a:r>
-              <a:rPr lang="en-US" dirty="0" smtClean="0">
-                <a:solidFill>
-                  <a:schemeClr val="accent4"/>
-                </a:solidFill>
-              </a:rPr>
-              <a:t>Algorithmic Insights</a:t>
-            </a:r>
-            <a:endParaRPr lang="en-US" dirty="0">
-              <a:solidFill>
-                <a:schemeClr val="accent4"/>
-              </a:solidFill>
-            </a:endParaRPr>
-          </a:p>
-          <a:p>
-            <a:endParaRPr lang="en-US" dirty="0" smtClean="0"/>
-          </a:p>
-        </p:txBody>
-      </p:sp>
-      <p:sp>
-        <p:nvSpPr>
-          <p:cNvPr id="4" name="Date Placeholder 3"/>
-          <p:cNvSpPr>
-            <a:spLocks noGrp="1"/>
-          </p:cNvSpPr>
-          <p:nvPr>
-            <p:ph type="dt" sz="half" idx="10"/>
-          </p:nvPr>
-        </p:nvSpPr>
-        <p:spPr/>
-        <p:txBody>
-          <a:bodyPr/>
-          <a:lstStyle/>
-          <a:p>
-            <a:fld id="{7053BEFA-1175-F644-B249-7D41D72BD3FF}" type="datetime1">
-              <a:rPr lang="en-US" smtClean="0"/>
-              <a:t>6/12/16</a:t>
-            </a:fld>
-            <a:endParaRPr lang="en-US"/>
-          </a:p>
-        </p:txBody>
-      </p:sp>
-      <p:sp>
-        <p:nvSpPr>
-          <p:cNvPr id="5" name="Footer Placeholder 4"/>
-          <p:cNvSpPr>
-            <a:spLocks noGrp="1"/>
-          </p:cNvSpPr>
-          <p:nvPr>
-            <p:ph type="ftr" sz="quarter" idx="11"/>
-          </p:nvPr>
-        </p:nvSpPr>
-        <p:spPr/>
-        <p:txBody>
-          <a:bodyPr/>
-          <a:lstStyle/>
-          <a:p>
-            <a:endParaRPr lang="en-US" dirty="0"/>
-          </a:p>
-        </p:txBody>
-      </p:sp>
-      <p:sp>
-        <p:nvSpPr>
-          <p:cNvPr id="6" name="Slide Number Placeholder 5"/>
-          <p:cNvSpPr>
-            <a:spLocks noGrp="1"/>
-          </p:cNvSpPr>
-          <p:nvPr>
-            <p:ph type="sldNum" sz="quarter" idx="12"/>
-          </p:nvPr>
-        </p:nvSpPr>
-        <p:spPr/>
-        <p:txBody>
-          <a:bodyPr/>
-          <a:lstStyle/>
-          <a:p>
-            <a:fld id="{17E276FA-8F89-B34D-A726-BE3FA1F8DD97}" type="slidenum">
-              <a:rPr lang="en-US" smtClean="0"/>
-              <a:t>33</a:t>
-            </a:fld>
-            <a:endParaRPr lang="en-US" dirty="0"/>
-          </a:p>
-        </p:txBody>
-      </p:sp>
-    </p:spTree>
-    <p:extLst>
-      <p:ext uri="{BB962C8B-B14F-4D97-AF65-F5344CB8AC3E}">
-        <p14:creationId xmlns:p14="http://schemas.microsoft.com/office/powerpoint/2010/main" val="1202233894"/>
-      </p:ext>
-    </p:extLst>
-  </p:cSld>
-  <p:clrMapOvr>
-    <a:masterClrMapping/>
-  </p:clrMapOvr>
 </p:sld>
 </file>
 
@@ -16044,8 +15954,8 @@
         </p:nvSpPr>
         <p:spPr>
           <a:xfrm>
-            <a:off x="954131" y="310162"/>
-            <a:ext cx="7631231" cy="990107"/>
+            <a:off x="954132" y="310162"/>
+            <a:ext cx="6915521" cy="990107"/>
           </a:xfrm>
         </p:spPr>
         <p:txBody>
@@ -16054,15 +15964,15 @@
           <a:p>
             <a:r>
               <a:rPr lang="en-US" dirty="0" smtClean="0"/>
-              <a:t>Case Study [Bad Data Handbook </a:t>
-            </a:r>
-            <a:r>
-              <a:rPr lang="en-US" dirty="0" err="1" smtClean="0"/>
-              <a:t>Ch</a:t>
-            </a:r>
-            <a:r>
-              <a:rPr lang="en-US" dirty="0" smtClean="0"/>
-              <a:t> 12]</a:t>
+              <a:t>What are some Big </a:t>
+            </a:r>
+            <a:r>
+              <a:rPr lang="en-US" dirty="0"/>
+              <a:t>D</a:t>
+            </a:r>
+            <a:r>
+              <a:rPr lang="en-US" dirty="0" smtClean="0"/>
+              <a:t>ata problems?</a:t>
             </a:r>
             <a:endParaRPr lang="en-US" dirty="0"/>
           </a:p>
@@ -16083,83 +15993,48 @@
           <a:bodyPr/>
           <a:lstStyle/>
           <a:p>
-            <a:pPr marL="0" indent="0">
-              <a:buNone/>
-            </a:pPr>
-            <a:r>
-              <a:rPr lang="en-US" dirty="0" smtClean="0"/>
-              <a:t>Studying online text data (NLP)</a:t>
-            </a:r>
-          </a:p>
-          <a:p>
-            <a:pPr marL="0" indent="0">
-              <a:buNone/>
-            </a:pPr>
-            <a:r>
-              <a:rPr lang="en-US" dirty="0" smtClean="0"/>
-              <a:t>Scraped data into </a:t>
-            </a:r>
-            <a:r>
-              <a:rPr lang="en-US" i="1" dirty="0" smtClean="0"/>
-              <a:t>Apache</a:t>
-            </a:r>
-            <a:r>
-              <a:rPr lang="en-US" dirty="0" smtClean="0"/>
-              <a:t> </a:t>
-            </a:r>
-            <a:r>
-              <a:rPr lang="en-US" dirty="0" err="1" smtClean="0"/>
-              <a:t>CouchDB</a:t>
-            </a:r>
+            <a:r>
+              <a:rPr lang="en-US" dirty="0" smtClean="0">
+                <a:solidFill>
+                  <a:schemeClr val="accent4"/>
+                </a:solidFill>
+              </a:rPr>
+              <a:t>Acquiring data</a:t>
+            </a:r>
+          </a:p>
+          <a:p>
+            <a:r>
+              <a:rPr lang="en-US" dirty="0" smtClean="0">
+                <a:solidFill>
+                  <a:schemeClr val="accent4"/>
+                </a:solidFill>
+              </a:rPr>
+              <a:t>Choosing an architecture: How to store it</a:t>
+            </a:r>
+          </a:p>
+          <a:p>
+            <a:r>
+              <a:rPr lang="en-US" dirty="0" smtClean="0"/>
+              <a:t>Case Study</a:t>
+            </a:r>
+          </a:p>
+          <a:p>
+            <a:r>
+              <a:rPr lang="en-US" dirty="0" smtClean="0">
+                <a:solidFill>
+                  <a:schemeClr val="accent4"/>
+                </a:solidFill>
+              </a:rPr>
+              <a:t>Algorithmic Insights</a:t>
+            </a:r>
+            <a:endParaRPr lang="en-US" dirty="0">
+              <a:solidFill>
+                <a:schemeClr val="accent4"/>
+              </a:solidFill>
+            </a:endParaRPr>
+          </a:p>
+          <a:p>
             <a:endParaRPr lang="en-US" dirty="0" smtClean="0"/>
-          </a:p>
-          <a:p>
-            <a:r>
-              <a:rPr lang="en-US" dirty="0" smtClean="0"/>
-              <a:t>JSON based</a:t>
-            </a:r>
-          </a:p>
-          <a:p>
-            <a:r>
-              <a:rPr lang="en-US" dirty="0" smtClean="0"/>
-              <a:t>Schema-less / Document oriented</a:t>
-            </a:r>
-          </a:p>
-          <a:p>
-            <a:r>
-              <a:rPr lang="en-US" dirty="0" smtClean="0"/>
-              <a:t>HTTP support</a:t>
-            </a:r>
-          </a:p>
-          <a:p>
-            <a:r>
-              <a:rPr lang="en-US" dirty="0" smtClean="0"/>
-              <a:t>Supports </a:t>
-            </a:r>
-            <a:r>
-              <a:rPr lang="en-US" dirty="0" err="1" smtClean="0"/>
-              <a:t>MapReduce</a:t>
-            </a:r>
-            <a:endParaRPr lang="en-US" dirty="0" smtClean="0"/>
-          </a:p>
-          <a:p>
-            <a:pPr marL="0" indent="0">
-              <a:buNone/>
-            </a:pPr>
-            <a:r>
-              <a:rPr lang="en-US" dirty="0" smtClean="0"/>
-              <a:t>Collected 70GB of blog posts </a:t>
-            </a:r>
-          </a:p>
-          <a:p>
-            <a:pPr marL="0" indent="0">
-              <a:buNone/>
-            </a:pPr>
-            <a:r>
-              <a:rPr lang="en-US" dirty="0" smtClean="0"/>
-              <a:t>[McNamara]</a:t>
-            </a:r>
-            <a:endParaRPr lang="en-US" dirty="0"/>
           </a:p>
         </p:txBody>
       </p:sp>
@@ -16180,7 +16055,7 @@
           <a:p>
             <a:fld id="{7053BEFA-1175-F644-B249-7D41D72BD3FF}" type="datetime1">
               <a:rPr lang="en-US" smtClean="0"/>
-              <a:t>6/10/16</a:t>
+              <a:t>1/6/17</a:t>
             </a:fld>
             <a:endParaRPr lang="en-US"/>
           </a:p>
@@ -16231,7 +16106,7 @@
     </p:spTree>
     <p:extLst>
       <p:ext uri="{BB962C8B-B14F-4D97-AF65-F5344CB8AC3E}">
-        <p14:creationId xmlns:p14="http://schemas.microsoft.com/office/powerpoint/2010/main" val="1738120900"/>
+        <p14:creationId xmlns:p14="http://schemas.microsoft.com/office/powerpoint/2010/main" val="1202233894"/>
       </p:ext>
     </p:extLst>
   </p:cSld>
@@ -16314,38 +16189,59 @@
             </a:pPr>
             <a:r>
               <a:rPr lang="en-US" dirty="0" smtClean="0"/>
-              <a:t>Poor debugging experience</a:t>
-            </a:r>
-          </a:p>
-          <a:p>
-            <a:r>
-              <a:rPr lang="en-US" dirty="0" smtClean="0"/>
-              <a:t>Error output poor</a:t>
-            </a:r>
-          </a:p>
-          <a:p>
+              <a:t>Studying online text data (NLP)</a:t>
+            </a:r>
+          </a:p>
+          <a:p>
+            <a:pPr marL="0" indent="0">
+              <a:buNone/>
+            </a:pPr>
+            <a:r>
+              <a:rPr lang="en-US" dirty="0" smtClean="0"/>
+              <a:t>Scraped data into </a:t>
+            </a:r>
+            <a:r>
+              <a:rPr lang="en-US" i="1" dirty="0" smtClean="0"/>
+              <a:t>Apache</a:t>
+            </a:r>
+            <a:r>
+              <a:rPr lang="en-US" dirty="0" smtClean="0"/>
+              <a:t> </a:t>
+            </a:r>
+            <a:r>
+              <a:rPr lang="en-US" dirty="0" err="1" smtClean="0"/>
+              <a:t>CouchDB</a:t>
+            </a:r>
+            <a:endParaRPr lang="en-US" dirty="0" smtClean="0"/>
+          </a:p>
+          <a:p>
+            <a:r>
+              <a:rPr lang="en-US" dirty="0" smtClean="0"/>
+              <a:t>JSON based</a:t>
+            </a:r>
+          </a:p>
+          <a:p>
+            <a:r>
+              <a:rPr lang="en-US" dirty="0" smtClean="0"/>
+              <a:t>Schema-less / Document oriented</a:t>
+            </a:r>
+          </a:p>
+          <a:p>
+            <a:r>
+              <a:rPr lang="en-US" dirty="0" smtClean="0"/>
+              <a:t>HTTP support</a:t>
+            </a:r>
+          </a:p>
+          <a:p>
+            <a:r>
+              <a:rPr lang="en-US" dirty="0" smtClean="0"/>
+              <a:t>Supports </a:t>
+            </a:r>
             <a:r>
               <a:rPr lang="en-US" dirty="0" err="1" smtClean="0"/>
               <a:t>MapReduce</a:t>
             </a:r>
-            <a:r>
-              <a:rPr lang="en-US" dirty="0" smtClean="0"/>
-              <a:t> errors occurred only at </a:t>
-            </a:r>
-            <a:r>
-              <a:rPr lang="en-US" i="1" dirty="0" smtClean="0"/>
-              <a:t>reduce </a:t>
-            </a:r>
-            <a:r>
-              <a:rPr lang="en-US" dirty="0" smtClean="0"/>
-              <a:t>stage (slow debug cycle)</a:t>
-            </a:r>
-          </a:p>
-          <a:p>
-            <a:r>
-              <a:rPr lang="en-US" dirty="0" smtClean="0"/>
-              <a:t>Indexing data took days; failures could occur at any point</a:t>
-            </a:r>
+            <a:endParaRPr lang="en-US" dirty="0" smtClean="0"/>
           </a:p>
           <a:p>
             <a:pPr marL="0" indent="0">
@@ -16353,7 +16249,7 @@
             </a:pPr>
             <a:r>
               <a:rPr lang="en-US" dirty="0" smtClean="0"/>
-              <a:t>-&gt; Fast write, slow &amp; difficult querying</a:t>
+              <a:t>Collected 70GB of blog posts </a:t>
             </a:r>
           </a:p>
           <a:p>
@@ -16362,10 +16258,8 @@
             </a:pPr>
             <a:r>
               <a:rPr lang="en-US" dirty="0" smtClean="0"/>
-              <a:t>OPPOSITE of what he needed… File System might have been better, or REDIS</a:t>
-            </a:r>
-          </a:p>
-          <a:p>
+              <a:t>[McNamara]</a:t>
+            </a:r>
             <a:endParaRPr lang="en-US" dirty="0"/>
           </a:p>
         </p:txBody>
@@ -16387,7 +16281,7 @@
           <a:p>
             <a:fld id="{7053BEFA-1175-F644-B249-7D41D72BD3FF}" type="datetime1">
               <a:rPr lang="en-US" smtClean="0"/>
-              <a:t>6/10/16</a:t>
+              <a:t>1/6/17</a:t>
             </a:fld>
             <a:endParaRPr lang="en-US"/>
           </a:p>
@@ -16438,7 +16332,7 @@
     </p:spTree>
     <p:extLst>
       <p:ext uri="{BB962C8B-B14F-4D97-AF65-F5344CB8AC3E}">
-        <p14:creationId xmlns:p14="http://schemas.microsoft.com/office/powerpoint/2010/main" val="1941621020"/>
+        <p14:creationId xmlns:p14="http://schemas.microsoft.com/office/powerpoint/2010/main" val="1738120900"/>
       </p:ext>
     </p:extLst>
   </p:cSld>
@@ -16475,14 +16369,27 @@
             <p:ph type="title"/>
           </p:nvPr>
         </p:nvSpPr>
-        <p:spPr/>
-        <p:txBody>
-          <a:bodyPr/>
-          <a:lstStyle/>
-          <a:p>
-            <a:r>
-              <a:rPr lang="en-US" dirty="0" smtClean="0"/>
-              <a:t>Relating infrastructure solutions to the Data Pipeline</a:t>
+        <p:spPr>
+          <a:xfrm>
+            <a:off x="954131" y="310162"/>
+            <a:ext cx="7631231" cy="990107"/>
+          </a:xfrm>
+        </p:spPr>
+        <p:txBody>
+          <a:bodyPr/>
+          <a:lstStyle/>
+          <a:p>
+            <a:r>
+              <a:rPr lang="en-US" dirty="0" smtClean="0"/>
+              <a:t>Case Study [Bad Data Handbook </a:t>
+            </a:r>
+            <a:r>
+              <a:rPr lang="en-US" dirty="0" err="1" smtClean="0"/>
+              <a:t>Ch</a:t>
+            </a:r>
+            <a:r>
+              <a:rPr lang="en-US" dirty="0" smtClean="0"/>
+              <a:t> 12]</a:t>
             </a:r>
             <a:endParaRPr lang="en-US" dirty="0"/>
           </a:p>
@@ -16508,11 +16415,37 @@
             </a:pPr>
             <a:r>
               <a:rPr lang="en-US" dirty="0" smtClean="0"/>
-              <a:t>Understand your data problem </a:t>
+              <a:t>Poor debugging experience</a:t>
+            </a:r>
+          </a:p>
+          <a:p>
+            <a:r>
+              <a:rPr lang="en-US" dirty="0" smtClean="0"/>
+              <a:t>Error output poor</a:t>
+            </a:r>
+          </a:p>
+          <a:p>
+            <a:r>
+              <a:rPr lang="en-US" dirty="0" err="1" smtClean="0"/>
+              <a:t>MapReduce</a:t>
+            </a:r>
+            <a:r>
+              <a:rPr lang="en-US" dirty="0" smtClean="0"/>
+              <a:t> errors occurred only at </a:t>
             </a:r>
             <a:r>
               <a:rPr lang="en-US" i="1" dirty="0" smtClean="0"/>
-              <a:t>first </a:t>
+              <a:t>reduce </a:t>
+            </a:r>
+            <a:r>
+              <a:rPr lang="en-US" dirty="0" smtClean="0"/>
+              <a:t>stage (slow debug cycle)</a:t>
+            </a:r>
+          </a:p>
+          <a:p>
+            <a:r>
+              <a:rPr lang="en-US" dirty="0" smtClean="0"/>
+              <a:t>Indexing data took days; failures could occur at any point</a:t>
             </a:r>
           </a:p>
           <a:p>
@@ -16521,7 +16454,7 @@
             </a:pPr>
             <a:r>
               <a:rPr lang="en-US" dirty="0" smtClean="0"/>
-              <a:t>Outsource things that aren’t key to your contribution</a:t>
+              <a:t>-&gt; Fast write, slow &amp; difficult querying</a:t>
             </a:r>
           </a:p>
           <a:p>
@@ -16530,23 +16463,11 @@
             </a:pPr>
             <a:r>
               <a:rPr lang="en-US" dirty="0" smtClean="0"/>
-              <a:t>Start small  -- test on a subset of data to find basic problems first</a:t>
-            </a:r>
-          </a:p>
-          <a:p>
-            <a:pPr marL="0" indent="0">
-              <a:buNone/>
-            </a:pPr>
-            <a:r>
-              <a:rPr lang="en-US" dirty="0" smtClean="0"/>
-              <a:t>Plan to scale up </a:t>
-            </a:r>
-          </a:p>
-          <a:p>
-            <a:pPr marL="0" indent="0">
-              <a:buNone/>
-            </a:pPr>
-            <a:endParaRPr lang="en-US" dirty="0" smtClean="0"/>
+              <a:t>OPPOSITE of what he needed… File System might have been better, or REDIS</a:t>
+            </a:r>
+          </a:p>
+          <a:p>
+            <a:endParaRPr lang="en-US" dirty="0"/>
           </a:p>
         </p:txBody>
       </p:sp>
@@ -16567,7 +16488,7 @@
           <a:p>
             <a:fld id="{7053BEFA-1175-F644-B249-7D41D72BD3FF}" type="datetime1">
               <a:rPr lang="en-US" smtClean="0"/>
-              <a:t>6/10/16</a:t>
+              <a:t>1/6/17</a:t>
             </a:fld>
             <a:endParaRPr lang="en-US"/>
           </a:p>
@@ -16618,7 +16539,7 @@
     </p:spTree>
     <p:extLst>
       <p:ext uri="{BB962C8B-B14F-4D97-AF65-F5344CB8AC3E}">
-        <p14:creationId xmlns:p14="http://schemas.microsoft.com/office/powerpoint/2010/main" val="4252009038"/>
+        <p14:creationId xmlns:p14="http://schemas.microsoft.com/office/powerpoint/2010/main" val="1941621020"/>
       </p:ext>
     </p:extLst>
   </p:cSld>
@@ -16687,21 +16608,46 @@
               <a:buNone/>
             </a:pPr>
             <a:r>
-              <a:rPr lang="en-US" b="1" dirty="0" smtClean="0"/>
-              <a:t>Collecting Data:</a:t>
-            </a:r>
-            <a:r>
-              <a:rPr lang="en-US" dirty="0" smtClean="0"/>
-              <a:t> File System? Or </a:t>
-            </a:r>
-            <a:r>
-              <a:rPr lang="en-US" i="1" dirty="0" err="1" smtClean="0"/>
-              <a:t>Redis</a:t>
-            </a:r>
-            <a:r>
-              <a:rPr lang="en-US" dirty="0" smtClean="0"/>
-              <a:t>  [write heavy]</a:t>
-            </a:r>
+              <a:rPr lang="en-US" dirty="0" smtClean="0"/>
+              <a:t>Understand your data problem </a:t>
+            </a:r>
+            <a:r>
+              <a:rPr lang="en-US" i="1" dirty="0" smtClean="0"/>
+              <a:t>first </a:t>
+            </a:r>
+          </a:p>
+          <a:p>
+            <a:pPr marL="0" indent="0">
+              <a:buNone/>
+            </a:pPr>
+            <a:r>
+              <a:rPr lang="en-US" dirty="0" smtClean="0"/>
+              <a:t>Outsource things that aren’t key to your contribution</a:t>
+            </a:r>
+          </a:p>
+          <a:p>
+            <a:pPr marL="0" indent="0">
+              <a:buNone/>
+            </a:pPr>
+            <a:r>
+              <a:rPr lang="en-US" dirty="0" smtClean="0"/>
+              <a:t>Start small  -- test on a subset of data to find basic problems first</a:t>
+            </a:r>
+          </a:p>
+          <a:p>
+            <a:pPr marL="0" indent="0">
+              <a:buNone/>
+            </a:pPr>
+            <a:r>
+              <a:rPr lang="en-US" dirty="0" smtClean="0"/>
+              <a:t>Plan to scale up </a:t>
+            </a:r>
+          </a:p>
+          <a:p>
+            <a:pPr marL="0" indent="0">
+              <a:buNone/>
+            </a:pPr>
+            <a:endParaRPr lang="en-US" dirty="0" smtClean="0"/>
           </a:p>
         </p:txBody>
       </p:sp>
@@ -16722,7 +16668,7 @@
           <a:p>
             <a:fld id="{7053BEFA-1175-F644-B249-7D41D72BD3FF}" type="datetime1">
               <a:rPr lang="en-US" smtClean="0"/>
-              <a:t>6/10/16</a:t>
+              <a:t>1/6/17</a:t>
             </a:fld>
             <a:endParaRPr lang="en-US"/>
           </a:p>
@@ -16773,7 +16719,7 @@
     </p:spTree>
     <p:extLst>
       <p:ext uri="{BB962C8B-B14F-4D97-AF65-F5344CB8AC3E}">
-        <p14:creationId xmlns:p14="http://schemas.microsoft.com/office/powerpoint/2010/main" val="847895473"/>
+        <p14:creationId xmlns:p14="http://schemas.microsoft.com/office/powerpoint/2010/main" val="4252009038"/>
       </p:ext>
     </p:extLst>
   </p:cSld>
@@ -16833,12 +16779,7 @@
             <p:ph idx="1"/>
           </p:nvPr>
         </p:nvSpPr>
-        <p:spPr>
-          <a:xfrm>
-            <a:off x="1128943" y="1847153"/>
-            <a:ext cx="7597550" cy="4379976"/>
-          </a:xfrm>
-        </p:spPr>
+        <p:spPr/>
         <p:txBody>
           <a:bodyPr/>
           <a:lstStyle/>
@@ -16848,73 +16789,20 @@
             </a:pPr>
             <a:r>
               <a:rPr lang="en-US" b="1" dirty="0" smtClean="0"/>
-              <a:t>Collecting Data: </a:t>
-            </a:r>
-            <a:r>
-              <a:rPr lang="en-US" dirty="0" smtClean="0"/>
-              <a:t>FS/</a:t>
-            </a:r>
-            <a:r>
-              <a:rPr lang="en-US" dirty="0" err="1" smtClean="0"/>
+              <a:t>Collecting Data:</a:t>
+            </a:r>
+            <a:r>
+              <a:rPr lang="en-US" dirty="0" smtClean="0"/>
+              <a:t> File System? Or </a:t>
+            </a:r>
+            <a:r>
+              <a:rPr lang="en-US" i="1" dirty="0" err="1" smtClean="0"/>
               <a:t>Redis</a:t>
             </a:r>
             <a:r>
               <a:rPr lang="en-US" dirty="0" smtClean="0"/>
-              <a:t>  [write heavy] </a:t>
-            </a:r>
-          </a:p>
-          <a:p>
-            <a:pPr marL="0" indent="0">
-              <a:buNone/>
-            </a:pPr>
-            <a:r>
-              <a:rPr lang="en-US" b="1" dirty="0" smtClean="0"/>
-              <a:t>Organizing and Processing for future needs: </a:t>
-            </a:r>
-            <a:r>
-              <a:rPr lang="en-US" dirty="0" err="1" smtClean="0"/>
-              <a:t>Hadoop</a:t>
-            </a:r>
-            <a:r>
-              <a:rPr lang="en-US" dirty="0" smtClean="0"/>
-              <a:t>/Map Reduce related tools [flexible, not always efficient, not enterprise-ready]</a:t>
-            </a:r>
-          </a:p>
-          <a:p>
-            <a:pPr>
-              <a:buFontTx/>
-              <a:buChar char="-"/>
-            </a:pPr>
-            <a:r>
-              <a:rPr lang="en-US" dirty="0" smtClean="0"/>
-              <a:t>Lacks automated backups</a:t>
-            </a:r>
-          </a:p>
-          <a:p>
-            <a:pPr>
-              <a:buFontTx/>
-              <a:buChar char="-"/>
-            </a:pPr>
-            <a:r>
-              <a:rPr lang="en-US" dirty="0" smtClean="0"/>
-              <a:t>Lacks interoperability with existing </a:t>
-            </a:r>
-            <a:r>
-              <a:rPr lang="en-US" dirty="0" err="1" smtClean="0"/>
-              <a:t>filesystems</a:t>
-            </a:r>
-            <a:endParaRPr lang="en-US" dirty="0"/>
-          </a:p>
-          <a:p>
-            <a:pPr>
-              <a:buFontTx/>
-              <a:buChar char="-"/>
-            </a:pPr>
-            <a:r>
-              <a:rPr lang="en-US" dirty="0" smtClean="0"/>
-              <a:t>Better for batch than interactive tasks</a:t>
-            </a:r>
-            <a:endParaRPr lang="en-US" dirty="0"/>
+              <a:t>  [write heavy]</a:t>
+            </a:r>
           </a:p>
         </p:txBody>
       </p:sp>
@@ -16935,7 +16823,7 @@
           <a:p>
             <a:fld id="{7053BEFA-1175-F644-B249-7D41D72BD3FF}" type="datetime1">
               <a:rPr lang="en-US" smtClean="0"/>
-              <a:t>6/10/16</a:t>
+              <a:t>1/6/17</a:t>
             </a:fld>
             <a:endParaRPr lang="en-US"/>
           </a:p>
@@ -16983,94 +16871,10 @@
           </a:p>
         </p:txBody>
       </p:sp>
-      <p:sp>
-        <p:nvSpPr>
-          <p:cNvPr id="7" name="Rectangle 6"/>
-          <p:cNvSpPr/>
-          <p:nvPr/>
-        </p:nvSpPr>
-        <p:spPr>
-          <a:xfrm>
-            <a:off x="1128942" y="5396742"/>
-            <a:ext cx="6597625" cy="861774"/>
-          </a:xfrm>
-          <a:prstGeom prst="rect">
-            <a:avLst/>
-          </a:prstGeom>
-        </p:spPr>
-        <p:txBody>
-          <a:bodyPr wrap="square">
-            <a:spAutoFit/>
-          </a:bodyPr>
-          <a:lstStyle/>
-          <a:p>
-            <a:r>
-              <a:rPr lang="en-US" sz="3200" dirty="0" smtClean="0">
-                <a:solidFill>
-                  <a:schemeClr val="accent3"/>
-                </a:solidFill>
-              </a:rPr>
-              <a:t>Other options to compare: </a:t>
-            </a:r>
-            <a:br>
-              <a:rPr lang="en-US" sz="3200" dirty="0" smtClean="0">
-                <a:solidFill>
-                  <a:schemeClr val="accent3"/>
-                </a:solidFill>
-              </a:rPr>
-            </a:br>
-            <a:r>
-              <a:rPr lang="en-US" dirty="0" smtClean="0">
-                <a:solidFill>
-                  <a:schemeClr val="accent3"/>
-                </a:solidFill>
-              </a:rPr>
-              <a:t>http</a:t>
-            </a:r>
-            <a:r>
-              <a:rPr lang="en-US" dirty="0">
-                <a:solidFill>
-                  <a:schemeClr val="accent3"/>
-                </a:solidFill>
-              </a:rPr>
-              <a:t>://</a:t>
-            </a:r>
-            <a:r>
-              <a:rPr lang="en-US" dirty="0" err="1">
-                <a:solidFill>
-                  <a:schemeClr val="accent3"/>
-                </a:solidFill>
-              </a:rPr>
-              <a:t>kkovacs.eu</a:t>
-            </a:r>
-            <a:r>
-              <a:rPr lang="en-US" dirty="0">
-                <a:solidFill>
-                  <a:schemeClr val="accent3"/>
-                </a:solidFill>
-              </a:rPr>
-              <a:t>/</a:t>
-            </a:r>
-            <a:r>
-              <a:rPr lang="en-US" dirty="0" err="1">
-                <a:solidFill>
-                  <a:schemeClr val="accent3"/>
-                </a:solidFill>
-              </a:rPr>
-              <a:t>cassandra-vs-mongodb-vs-couchdb-vs-redis</a:t>
-            </a:r>
-            <a:endParaRPr lang="en-US" dirty="0">
-              <a:solidFill>
-                <a:schemeClr val="accent3"/>
-              </a:solidFill>
-            </a:endParaRPr>
-          </a:p>
-        </p:txBody>
-      </p:sp>
     </p:spTree>
     <p:extLst>
       <p:ext uri="{BB962C8B-B14F-4D97-AF65-F5344CB8AC3E}">
-        <p14:creationId xmlns:p14="http://schemas.microsoft.com/office/powerpoint/2010/main" val="850245698"/>
+        <p14:creationId xmlns:p14="http://schemas.microsoft.com/office/powerpoint/2010/main" val="847895473"/>
       </p:ext>
     </p:extLst>
   </p:cSld>
@@ -17133,7 +16937,7 @@
         <p:spPr>
           <a:xfrm>
             <a:off x="1128943" y="1847153"/>
-            <a:ext cx="7887140" cy="4379976"/>
+            <a:ext cx="7597550" cy="4379976"/>
           </a:xfrm>
         </p:spPr>
         <p:txBody>
@@ -17145,11 +16949,11 @@
             </a:pPr>
             <a:r>
               <a:rPr lang="en-US" b="1" dirty="0" smtClean="0"/>
-              <a:t>Collecting Data:</a:t>
-            </a:r>
-            <a:r>
-              <a:rPr lang="en-US" dirty="0" smtClean="0"/>
-              <a:t> FS/</a:t>
+              <a:t>Collecting Data: </a:t>
+            </a:r>
+            <a:r>
+              <a:rPr lang="en-US" dirty="0" smtClean="0"/>
+              <a:t>FS/</a:t>
             </a:r>
             <a:r>
               <a:rPr lang="en-US" dirty="0" err="1" smtClean="0"/>
@@ -17157,7 +16961,7 @@
             </a:r>
             <a:r>
               <a:rPr lang="en-US" dirty="0" smtClean="0"/>
-              <a:t>  [write heavy]</a:t>
+              <a:t>  [write heavy] </a:t>
             </a:r>
           </a:p>
           <a:p>
@@ -17176,33 +16980,6 @@
               <a:rPr lang="en-US" dirty="0" smtClean="0"/>
               <a:t>/Map Reduce related tools [flexible, not always efficient, not enterprise-ready]</a:t>
             </a:r>
-          </a:p>
-          <a:p>
-            <a:pPr marL="0" indent="0">
-              <a:buNone/>
-            </a:pPr>
-            <a:r>
-              <a:rPr lang="en-US" b="1" dirty="0" smtClean="0"/>
-              <a:t>Visualization:</a:t>
-            </a:r>
-            <a:r>
-              <a:rPr lang="en-US" dirty="0" smtClean="0"/>
-              <a:t> Google Big Query + D3 </a:t>
-            </a:r>
-          </a:p>
-          <a:p>
-            <a:pPr marL="0" indent="0">
-              <a:buNone/>
-            </a:pPr>
-            <a:r>
-              <a:rPr lang="en-US" b="1" dirty="0"/>
-              <a:t>Summarization: </a:t>
-            </a:r>
-            <a:r>
-              <a:rPr lang="en-US" dirty="0"/>
-              <a:t>Google Big Query </a:t>
-            </a:r>
-            <a:endParaRPr lang="en-US" dirty="0" smtClean="0"/>
           </a:p>
           <a:p>
             <a:pPr>
@@ -17211,7 +16988,7 @@
             </a:pPr>
             <a:r>
               <a:rPr lang="en-US" dirty="0" smtClean="0"/>
-              <a:t>In the cloud </a:t>
+              <a:t>Lacks automated backups</a:t>
             </a:r>
           </a:p>
           <a:p>
@@ -17221,14 +16998,23 @@
             </a:pPr>
             <a:r>
               <a:rPr lang="en-US" dirty="0" smtClean="0"/>
-              <a:t>Network speed a limiting factor</a:t>
-            </a:r>
+              <a:t>Lacks interoperability with existing </a:t>
+            </a:r>
+            <a:r>
+              <a:rPr lang="en-US" dirty="0" err="1" smtClean="0"/>
+              <a:t>filesystems</a:t>
+            </a:r>
+            <a:endParaRPr lang="en-US" dirty="0"/>
           </a:p>
           <a:p>
             <a:pPr>
               <a:buFontTx/>
               <a:buChar char="-"/>
             </a:pPr>
+            <a:r>
+              <a:rPr lang="en-US" dirty="0" smtClean="0"/>
+              <a:t>Better for batch than interactive tasks</a:t>
+            </a:r>
             <a:endParaRPr lang="en-US" dirty="0"/>
           </a:p>
         </p:txBody>
@@ -17250,7 +17036,7 @@
           <a:p>
             <a:fld id="{7053BEFA-1175-F644-B249-7D41D72BD3FF}" type="datetime1">
               <a:rPr lang="en-US" smtClean="0"/>
-              <a:t>6/10/16</a:t>
+              <a:t>1/6/17</a:t>
             </a:fld>
             <a:endParaRPr lang="en-US"/>
           </a:p>
@@ -17298,10 +17084,94 @@
           </a:p>
         </p:txBody>
       </p:sp>
+      <p:sp>
+        <p:nvSpPr>
+          <p:cNvPr id="7" name="Rectangle 6"/>
+          <p:cNvSpPr/>
+          <p:nvPr/>
+        </p:nvSpPr>
+        <p:spPr>
+          <a:xfrm>
+            <a:off x="1128942" y="5396742"/>
+            <a:ext cx="6597625" cy="861774"/>
+          </a:xfrm>
+          <a:prstGeom prst="rect">
+            <a:avLst/>
+          </a:prstGeom>
+        </p:spPr>
+        <p:txBody>
+          <a:bodyPr wrap="square">
+            <a:spAutoFit/>
+          </a:bodyPr>
+          <a:lstStyle/>
+          <a:p>
+            <a:r>
+              <a:rPr lang="en-US" sz="3200" dirty="0" smtClean="0">
+                <a:solidFill>
+                  <a:schemeClr val="accent3"/>
+                </a:solidFill>
+              </a:rPr>
+              <a:t>Other options to compare: </a:t>
+            </a:r>
+            <a:br>
+              <a:rPr lang="en-US" sz="3200" dirty="0" smtClean="0">
+                <a:solidFill>
+                  <a:schemeClr val="accent3"/>
+                </a:solidFill>
+              </a:rPr>
+            </a:br>
+            <a:r>
+              <a:rPr lang="en-US" dirty="0" smtClean="0">
+                <a:solidFill>
+                  <a:schemeClr val="accent3"/>
+                </a:solidFill>
+              </a:rPr>
+              <a:t>http</a:t>
+            </a:r>
+            <a:r>
+              <a:rPr lang="en-US" dirty="0">
+                <a:solidFill>
+                  <a:schemeClr val="accent3"/>
+                </a:solidFill>
+              </a:rPr>
+              <a:t>://</a:t>
+            </a:r>
+            <a:r>
+              <a:rPr lang="en-US" dirty="0" err="1">
+                <a:solidFill>
+                  <a:schemeClr val="accent3"/>
+                </a:solidFill>
+              </a:rPr>
+              <a:t>kkovacs.eu</a:t>
+            </a:r>
+            <a:r>
+              <a:rPr lang="en-US" dirty="0">
+                <a:solidFill>
+                  <a:schemeClr val="accent3"/>
+                </a:solidFill>
+              </a:rPr>
+              <a:t>/</a:t>
+            </a:r>
+            <a:r>
+              <a:rPr lang="en-US" dirty="0" err="1">
+                <a:solidFill>
+                  <a:schemeClr val="accent3"/>
+                </a:solidFill>
+              </a:rPr>
+              <a:t>cassandra-vs-mongodb-vs-couchdb-vs-redis</a:t>
+            </a:r>
+            <a:endParaRPr lang="en-US" dirty="0">
+              <a:solidFill>
+                <a:schemeClr val="accent3"/>
+              </a:solidFill>
+            </a:endParaRPr>
+          </a:p>
+        </p:txBody>
+      </p:sp>
     </p:spTree>
     <p:extLst>
       <p:ext uri="{BB962C8B-B14F-4D97-AF65-F5344CB8AC3E}">
-        <p14:creationId xmlns:p14="http://schemas.microsoft.com/office/powerpoint/2010/main" val="3215531682"/>
+        <p14:creationId xmlns:p14="http://schemas.microsoft.com/office/powerpoint/2010/main" val="850245698"/>
       </p:ext>
     </p:extLst>
   </p:cSld>
@@ -17345,7 +17215,7 @@
           <a:p>
             <a:r>
               <a:rPr lang="en-US" dirty="0" smtClean="0"/>
-              <a:t>Discussion: Big Data Assumptions</a:t>
+              <a:t>What is BIG data?</a:t>
             </a:r>
             <a:endParaRPr lang="en-US" dirty="0"/>
           </a:p>
@@ -17366,53 +17236,38 @@
           <a:bodyPr/>
           <a:lstStyle/>
           <a:p>
-            <a:r>
-              <a:rPr lang="en-US" dirty="0" smtClean="0"/>
-              <a:t>Defines knowledge </a:t>
-            </a:r>
-          </a:p>
-          <a:p>
-            <a:r>
-              <a:rPr lang="en-US" dirty="0" smtClean="0"/>
-              <a:t>Misleading claims of objectivity/accuracy</a:t>
-            </a:r>
-          </a:p>
-          <a:p>
-            <a:r>
-              <a:rPr lang="en-US" dirty="0" smtClean="0"/>
-              <a:t>Bigger != Better (e.g. Requires Context to be interpreted)</a:t>
-            </a:r>
-          </a:p>
-          <a:p>
-            <a:r>
-              <a:rPr lang="en-US" dirty="0" smtClean="0"/>
-              <a:t>Accessible != Ethical</a:t>
-            </a:r>
-          </a:p>
-          <a:p>
-            <a:r>
-              <a:rPr lang="en-US" dirty="0" smtClean="0"/>
-              <a:t>New digital divide</a:t>
-            </a:r>
-          </a:p>
-          <a:p>
-            <a:endParaRPr lang="en-US" dirty="0"/>
-          </a:p>
-          <a:p>
             <a:pPr marL="0" indent="0">
               <a:buNone/>
             </a:pPr>
             <a:r>
-              <a:rPr lang="en-US" dirty="0" smtClean="0"/>
-              <a:t>(</a:t>
-            </a:r>
-            <a:r>
-              <a:rPr lang="en-US" dirty="0" err="1" smtClean="0"/>
-              <a:t>boyd</a:t>
-            </a:r>
-            <a:r>
-              <a:rPr lang="en-US" dirty="0" smtClean="0"/>
-              <a:t> &amp; Crawford reading)</a:t>
+              <a:rPr lang="en-US" i="1" dirty="0" smtClean="0"/>
+              <a:t>Technology / Analysis / Mythology</a:t>
+            </a:r>
+          </a:p>
+          <a:p>
+            <a:pPr marL="0" indent="0">
+              <a:buNone/>
+            </a:pPr>
+            <a:endParaRPr lang="en-US" i="1" dirty="0"/>
+          </a:p>
+          <a:p>
+            <a:pPr marL="0" indent="0">
+              <a:buNone/>
+            </a:pPr>
+            <a:r>
+              <a:rPr lang="en-US" dirty="0" smtClean="0"/>
+              <a:t>Regulated by social forces – namely </a:t>
+            </a:r>
+            <a:r>
+              <a:rPr lang="en-US" i="1" dirty="0"/>
+              <a:t/>
+            </a:r>
+            <a:br>
+              <a:rPr lang="en-US" i="1" dirty="0"/>
+            </a:br>
+            <a:r>
+              <a:rPr lang="en-US" i="1" dirty="0" smtClean="0"/>
+              <a:t>Market / Law / Social Norms / Technology</a:t>
             </a:r>
             <a:endParaRPr lang="en-US" dirty="0"/>
           </a:p>
@@ -17435,7 +17290,7 @@
           <a:p>
             <a:fld id="{7053BEFA-1175-F644-B249-7D41D72BD3FF}" type="datetime1">
               <a:rPr lang="en-US" smtClean="0"/>
-              <a:t>6/10/16</a:t>
+              <a:t>1/6/17</a:t>
             </a:fld>
             <a:endParaRPr lang="en-US"/>
           </a:p>
@@ -17486,7 +17341,7 @@
     </p:spTree>
     <p:extLst>
       <p:ext uri="{BB962C8B-B14F-4D97-AF65-F5344CB8AC3E}">
-        <p14:creationId xmlns:p14="http://schemas.microsoft.com/office/powerpoint/2010/main" val="2135174899"/>
+        <p14:creationId xmlns:p14="http://schemas.microsoft.com/office/powerpoint/2010/main" val="935966249"/>
       </p:ext>
     </p:extLst>
   </p:cSld>
@@ -17523,85 +17378,127 @@
             <p:ph type="title"/>
           </p:nvPr>
         </p:nvSpPr>
+        <p:spPr/>
+        <p:txBody>
+          <a:bodyPr/>
+          <a:lstStyle/>
+          <a:p>
+            <a:r>
+              <a:rPr lang="en-US" dirty="0" smtClean="0"/>
+              <a:t>Relating infrastructure solutions to the Data Pipeline</a:t>
+            </a:r>
+            <a:endParaRPr lang="en-US" dirty="0"/>
+          </a:p>
+        </p:txBody>
+      </p:sp>
+      <p:sp>
+        <p:nvSpPr>
+          <p:cNvPr id="3" name="Content Placeholder 2"/>
+          <p:cNvSpPr>
+            <a:spLocks noGrp="1"/>
+          </p:cNvSpPr>
+          <p:nvPr>
+            <p:ph idx="1"/>
+          </p:nvPr>
+        </p:nvSpPr>
         <p:spPr>
           <a:xfrm>
-            <a:off x="954132" y="310162"/>
-            <a:ext cx="7559401" cy="990107"/>
+            <a:off x="1128943" y="1847153"/>
+            <a:ext cx="7887140" cy="4379976"/>
           </a:xfrm>
         </p:spPr>
         <p:txBody>
           <a:bodyPr/>
           <a:lstStyle/>
           <a:p>
-            <a:r>
-              <a:rPr lang="en-US" dirty="0" smtClean="0"/>
-              <a:t>What are some Big </a:t>
+            <a:pPr marL="0" indent="0">
+              <a:buNone/>
+            </a:pPr>
+            <a:r>
+              <a:rPr lang="en-US" b="1" dirty="0" smtClean="0"/>
+              <a:t>Collecting Data:</a:t>
+            </a:r>
+            <a:r>
+              <a:rPr lang="en-US" dirty="0" smtClean="0"/>
+              <a:t> FS/</a:t>
+            </a:r>
+            <a:r>
+              <a:rPr lang="en-US" dirty="0" err="1" smtClean="0"/>
+              <a:t>Redis</a:t>
+            </a:r>
+            <a:r>
+              <a:rPr lang="en-US" dirty="0" smtClean="0"/>
+              <a:t>  [write heavy]</a:t>
+            </a:r>
+          </a:p>
+          <a:p>
+            <a:pPr marL="0" indent="0">
+              <a:buNone/>
+            </a:pPr>
+            <a:r>
+              <a:rPr lang="en-US" b="1" dirty="0" smtClean="0"/>
+              <a:t>Organizing and Processing for future needs: </a:t>
+            </a:r>
+            <a:r>
+              <a:rPr lang="en-US" dirty="0" err="1" smtClean="0"/>
+              <a:t>Hadoop</a:t>
+            </a:r>
+            <a:r>
+              <a:rPr lang="en-US" dirty="0" smtClean="0"/>
+              <a:t>/Map Reduce related tools [flexible, not always efficient, not enterprise-ready]</a:t>
+            </a:r>
+          </a:p>
+          <a:p>
+            <a:pPr marL="0" indent="0">
+              <a:buNone/>
+            </a:pPr>
+            <a:r>
+              <a:rPr lang="en-US" b="1" dirty="0" smtClean="0"/>
+              <a:t>Visualization:</a:t>
+            </a:r>
+            <a:r>
+              <a:rPr lang="en-US" dirty="0" smtClean="0"/>
+              <a:t> Google Big Query + D3 </a:t>
+            </a:r>
+          </a:p>
+          <a:p>
+            <a:pPr marL="0" indent="0">
+              <a:buNone/>
+            </a:pPr>
+            <a:r>
+              <a:rPr lang="en-US" b="1" dirty="0"/>
+              <a:t>Summarization: </a:t>
             </a:r>
             <a:r>
               <a:rPr lang="en-US" dirty="0"/>
-              <a:t>D</a:t>
-            </a:r>
-            <a:r>
-              <a:rPr lang="en-US" dirty="0" smtClean="0"/>
-              <a:t>ata problems?</a:t>
-            </a:r>
-            <a:endParaRPr lang="en-US" dirty="0"/>
-          </a:p>
-        </p:txBody>
-      </p:sp>
-      <p:sp>
-        <p:nvSpPr>
-          <p:cNvPr id="3" name="Content Placeholder 2"/>
-          <p:cNvSpPr>
-            <a:spLocks noGrp="1"/>
-          </p:cNvSpPr>
-          <p:nvPr>
-            <p:ph idx="1"/>
-          </p:nvPr>
-        </p:nvSpPr>
-        <p:spPr/>
-        <p:txBody>
-          <a:bodyPr/>
-          <a:lstStyle/>
-          <a:p>
-            <a:r>
-              <a:rPr lang="en-US" dirty="0">
-                <a:solidFill>
-                  <a:srgbClr val="B5B5B5"/>
-                </a:solidFill>
-              </a:rPr>
-              <a:t>Acquiring Data</a:t>
-            </a:r>
-          </a:p>
-          <a:p>
-            <a:r>
-              <a:rPr lang="en-US" dirty="0" smtClean="0">
-                <a:solidFill>
-                  <a:srgbClr val="B5B5B5"/>
-                </a:solidFill>
-              </a:rPr>
-              <a:t>Choosing an Architecture</a:t>
-            </a:r>
-          </a:p>
-          <a:p>
-            <a:r>
-              <a:rPr lang="en-US" dirty="0" smtClean="0">
-                <a:solidFill>
-                  <a:srgbClr val="B5B5B5"/>
-                </a:solidFill>
-              </a:rPr>
-              <a:t>Handling ongoing growth </a:t>
-            </a:r>
-          </a:p>
-          <a:p>
-            <a:r>
-              <a:rPr lang="en-US" b="1" dirty="0" smtClean="0"/>
-              <a:t>Designing algorithms that can operate effectively on Big Data</a:t>
-            </a:r>
-          </a:p>
-          <a:p>
-            <a:pPr marL="0" indent="0">
-              <a:buNone/>
+              <a:t>Google Big Query </a:t>
+            </a:r>
+            <a:endParaRPr lang="en-US" dirty="0" smtClean="0"/>
+          </a:p>
+          <a:p>
+            <a:pPr>
+              <a:buFontTx/>
+              <a:buChar char="-"/>
+            </a:pPr>
+            <a:r>
+              <a:rPr lang="en-US" dirty="0" smtClean="0"/>
+              <a:t>In the cloud </a:t>
+            </a:r>
+          </a:p>
+          <a:p>
+            <a:pPr>
+              <a:buFontTx/>
+              <a:buChar char="-"/>
+            </a:pPr>
+            <a:r>
+              <a:rPr lang="en-US" dirty="0" smtClean="0"/>
+              <a:t>Network speed a limiting factor</a:t>
+            </a:r>
+          </a:p>
+          <a:p>
+            <a:pPr>
+              <a:buFontTx/>
+              <a:buChar char="-"/>
             </a:pPr>
             <a:endParaRPr lang="en-US" dirty="0"/>
           </a:p>
@@ -17624,7 +17521,7 @@
           <a:p>
             <a:fld id="{7053BEFA-1175-F644-B249-7D41D72BD3FF}" type="datetime1">
               <a:rPr lang="en-US" smtClean="0"/>
-              <a:t>6/10/16</a:t>
+              <a:t>1/6/17</a:t>
             </a:fld>
             <a:endParaRPr lang="en-US"/>
           </a:p>
@@ -17675,7 +17572,7 @@
     </p:spTree>
     <p:extLst>
       <p:ext uri="{BB962C8B-B14F-4D97-AF65-F5344CB8AC3E}">
-        <p14:creationId xmlns:p14="http://schemas.microsoft.com/office/powerpoint/2010/main" val="2662474949"/>
+        <p14:creationId xmlns:p14="http://schemas.microsoft.com/office/powerpoint/2010/main" val="3215531682"/>
       </p:ext>
     </p:extLst>
   </p:cSld>
@@ -17712,14 +17609,27 @@
             <p:ph type="title"/>
           </p:nvPr>
         </p:nvSpPr>
-        <p:spPr/>
-        <p:txBody>
-          <a:bodyPr/>
-          <a:lstStyle/>
-          <a:p>
-            <a:r>
-              <a:rPr lang="en-US" dirty="0" smtClean="0"/>
-              <a:t>Data Guarantees </a:t>
+        <p:spPr>
+          <a:xfrm>
+            <a:off x="954132" y="310162"/>
+            <a:ext cx="7559401" cy="990107"/>
+          </a:xfrm>
+        </p:spPr>
+        <p:txBody>
+          <a:bodyPr/>
+          <a:lstStyle/>
+          <a:p>
+            <a:r>
+              <a:rPr lang="en-US" dirty="0" smtClean="0"/>
+              <a:t>What are some Big </a:t>
+            </a:r>
+            <a:r>
+              <a:rPr lang="en-US" dirty="0"/>
+              <a:t>D</a:t>
+            </a:r>
+            <a:r>
+              <a:rPr lang="en-US" dirty="0" smtClean="0"/>
+              <a:t>ata problems?</a:t>
             </a:r>
             <a:endParaRPr lang="en-US" dirty="0"/>
           </a:p>
@@ -17740,52 +17650,45 @@
           <a:bodyPr/>
           <a:lstStyle/>
           <a:p>
+            <a:r>
+              <a:rPr lang="en-US" dirty="0">
+                <a:solidFill>
+                  <a:srgbClr val="B5B5B5"/>
+                </a:solidFill>
+              </a:rPr>
+              <a:t>Acquiring Data</a:t>
+            </a:r>
+          </a:p>
+          <a:p>
+            <a:r>
+              <a:rPr lang="en-US" dirty="0" smtClean="0">
+                <a:solidFill>
+                  <a:srgbClr val="B5B5B5"/>
+                </a:solidFill>
+              </a:rPr>
+              <a:t>Choosing an Architecture</a:t>
+            </a:r>
+          </a:p>
+          <a:p>
+            <a:r>
+              <a:rPr lang="en-US" dirty="0" smtClean="0">
+                <a:solidFill>
+                  <a:srgbClr val="B5B5B5"/>
+                </a:solidFill>
+              </a:rPr>
+              <a:t>Handling ongoing growth </a:t>
+            </a:r>
+          </a:p>
+          <a:p>
+            <a:r>
+              <a:rPr lang="en-US" b="1" dirty="0" smtClean="0"/>
+              <a:t>Designing algorithms that can operate effectively on Big Data</a:t>
+            </a:r>
+          </a:p>
+          <a:p>
             <a:pPr marL="0" indent="0">
-              <a:spcAft>
-                <a:spcPts val="0"/>
-              </a:spcAft>
-              <a:buClrTx/>
-              <a:buNone/>
-              <a:defRPr/>
+              <a:buNone/>
             </a:pPr>
-            <a:r>
-              <a:rPr lang="en-US" dirty="0" smtClean="0"/>
-              <a:t>Single server databases are often designed for ‘ACID’. The </a:t>
-            </a:r>
-            <a:r>
-              <a:rPr lang="en-US" dirty="0"/>
-              <a:t>four ACID properties are:</a:t>
-            </a:r>
-          </a:p>
-          <a:p>
-            <a:pPr marL="0" indent="0">
-              <a:spcAft>
-                <a:spcPts val="0"/>
-              </a:spcAft>
-              <a:buClrTx/>
-              <a:buNone/>
-              <a:defRPr/>
-            </a:pPr>
-            <a:r>
-              <a:rPr lang="en-US" dirty="0" smtClean="0"/>
-              <a:t>	Atomicity </a:t>
-            </a:r>
-            <a:r>
-              <a:rPr lang="en-US" dirty="0"/>
-              <a:t>(A</a:t>
-            </a:r>
-            <a:r>
-              <a:rPr lang="en-US" dirty="0" smtClean="0"/>
-              <a:t>): </a:t>
-            </a:r>
-            <a:r>
-              <a:rPr lang="en-US" dirty="0"/>
-              <a:t>All systems benefit from atomic </a:t>
-            </a:r>
-            <a:r>
-              <a:rPr lang="en-US" dirty="0" smtClean="0"/>
-              <a:t>operations (‘all or nothing’ transactions)</a:t>
-            </a:r>
             <a:endParaRPr lang="en-US" dirty="0"/>
           </a:p>
         </p:txBody>
@@ -17807,7 +17710,7 @@
           <a:p>
             <a:fld id="{7053BEFA-1175-F644-B249-7D41D72BD3FF}" type="datetime1">
               <a:rPr lang="en-US" smtClean="0"/>
-              <a:t>6/12/16</a:t>
+              <a:t>1/6/17</a:t>
             </a:fld>
             <a:endParaRPr lang="en-US"/>
           </a:p>
@@ -17858,7 +17761,7 @@
     </p:spTree>
     <p:extLst>
       <p:ext uri="{BB962C8B-B14F-4D97-AF65-F5344CB8AC3E}">
-        <p14:creationId xmlns:p14="http://schemas.microsoft.com/office/powerpoint/2010/main" val="3467455146"/>
+        <p14:creationId xmlns:p14="http://schemas.microsoft.com/office/powerpoint/2010/main" val="2662474949"/>
       </p:ext>
     </p:extLst>
   </p:cSld>
@@ -17902,7 +17805,7 @@
           <a:p>
             <a:r>
               <a:rPr lang="en-US" dirty="0" smtClean="0"/>
-              <a:t>Data Guarantees</a:t>
+              <a:t>Data Guarantees </a:t>
             </a:r>
             <a:endParaRPr lang="en-US" dirty="0"/>
           </a:p>
@@ -17959,40 +17862,16 @@
             </a:r>
             <a:r>
               <a:rPr lang="en-US" dirty="0" smtClean="0"/>
-              <a:t>) </a:t>
-            </a:r>
-          </a:p>
-          <a:p>
-            <a:pPr marL="0" indent="0">
-              <a:spcAft>
-                <a:spcPts val="0"/>
-              </a:spcAft>
-              <a:buClrTx/>
-              <a:buNone/>
-              <a:defRPr/>
-            </a:pPr>
-            <a:r>
-              <a:rPr lang="en-US" dirty="0" smtClean="0"/>
-              <a:t>	Consistency (C): Database should stay valid (a </a:t>
+              <a:t>): </a:t>
             </a:r>
             <a:r>
               <a:rPr lang="en-US" dirty="0"/>
-              <a:t>transaction pre-serves all the database rules, such as unique </a:t>
-            </a:r>
-            <a:r>
-              <a:rPr lang="en-US" dirty="0" smtClean="0"/>
-              <a:t>keys). </a:t>
-            </a:r>
-          </a:p>
-          <a:p>
-            <a:pPr marL="0" indent="0">
-              <a:spcAft>
-                <a:spcPts val="0"/>
-              </a:spcAft>
-              <a:buClrTx/>
-              <a:buNone/>
-              <a:defRPr/>
-            </a:pPr>
+              <a:t>All systems benefit from atomic </a:t>
+            </a:r>
+            <a:r>
+              <a:rPr lang="en-US" dirty="0" smtClean="0"/>
+              <a:t>operations (‘all or nothing’ transactions)</a:t>
+            </a:r>
             <a:endParaRPr lang="en-US" dirty="0"/>
           </a:p>
         </p:txBody>
@@ -18014,7 +17893,7 @@
           <a:p>
             <a:fld id="{7053BEFA-1175-F644-B249-7D41D72BD3FF}" type="datetime1">
               <a:rPr lang="en-US" smtClean="0"/>
-              <a:t>6/12/16</a:t>
+              <a:t>1/6/17</a:t>
             </a:fld>
             <a:endParaRPr lang="en-US"/>
           </a:p>
@@ -18065,7 +17944,7 @@
     </p:spTree>
     <p:extLst>
       <p:ext uri="{BB962C8B-B14F-4D97-AF65-F5344CB8AC3E}">
-        <p14:creationId xmlns:p14="http://schemas.microsoft.com/office/powerpoint/2010/main" val="98839322"/>
+        <p14:creationId xmlns:p14="http://schemas.microsoft.com/office/powerpoint/2010/main" val="3467455146"/>
       </p:ext>
     </p:extLst>
   </p:cSld>
@@ -18180,9 +18059,16 @@
             </a:pPr>
             <a:r>
               <a:rPr lang="en-US" dirty="0" smtClean="0"/>
-              <a:t>	Consistency (C)</a:t>
-            </a:r>
-            <a:endParaRPr lang="en-US" dirty="0"/>
+              <a:t>	Consistency (C): Database should stay valid (a </a:t>
+            </a:r>
+            <a:r>
+              <a:rPr lang="en-US" dirty="0"/>
+              <a:t>transaction pre-serves all the database rules, such as unique </a:t>
+            </a:r>
+            <a:r>
+              <a:rPr lang="en-US" dirty="0" smtClean="0"/>
+              <a:t>keys). </a:t>
+            </a:r>
           </a:p>
           <a:p>
             <a:pPr marL="0" indent="0">
@@ -18193,26 +18079,6 @@
               <a:buNone/>
               <a:defRPr/>
             </a:pPr>
-            <a:r>
-              <a:rPr lang="en-US" dirty="0" smtClean="0"/>
-              <a:t>	Isolation </a:t>
-            </a:r>
-            <a:r>
-              <a:rPr lang="en-US" dirty="0"/>
-              <a:t>(I</a:t>
-            </a:r>
-            <a:r>
-              <a:rPr lang="en-US" dirty="0" smtClean="0"/>
-              <a:t>)</a:t>
-            </a:r>
-            <a:r>
-              <a:rPr lang="en-US" dirty="0"/>
-              <a:t>:</a:t>
-            </a:r>
-            <a:r>
-              <a:rPr lang="en-US" dirty="0" smtClean="0"/>
-              <a:t> Concurrency control. Concurrent execution should be identical to serial execution. </a:t>
-            </a:r>
             <a:endParaRPr lang="en-US" dirty="0"/>
           </a:p>
         </p:txBody>
@@ -18234,7 +18100,7 @@
           <a:p>
             <a:fld id="{7053BEFA-1175-F644-B249-7D41D72BD3FF}" type="datetime1">
               <a:rPr lang="en-US" smtClean="0"/>
-              <a:t>6/12/16</a:t>
+              <a:t>1/6/17</a:t>
             </a:fld>
             <a:endParaRPr lang="en-US"/>
           </a:p>
@@ -18285,7 +18151,7 @@
     </p:spTree>
     <p:extLst>
       <p:ext uri="{BB962C8B-B14F-4D97-AF65-F5344CB8AC3E}">
-        <p14:creationId xmlns:p14="http://schemas.microsoft.com/office/powerpoint/2010/main" val="1422630519"/>
+        <p14:creationId xmlns:p14="http://schemas.microsoft.com/office/powerpoint/2010/main" val="98839322"/>
       </p:ext>
     </p:extLst>
   </p:cSld>
@@ -18386,7 +18252,7 @@
             </a:r>
             <a:r>
               <a:rPr lang="en-US" dirty="0" smtClean="0"/>
-              <a:t>)</a:t>
+              <a:t>) </a:t>
             </a:r>
           </a:p>
           <a:p>
@@ -18425,28 +18291,13 @@
               <a:rPr lang="en-US" dirty="0" smtClean="0"/>
               <a:t>)</a:t>
             </a:r>
-            <a:endParaRPr lang="en-US" dirty="0"/>
-          </a:p>
-          <a:p>
-            <a:pPr marL="0" indent="0">
-              <a:spcAft>
-                <a:spcPts val="0"/>
-              </a:spcAft>
-              <a:buClrTx/>
-              <a:buNone/>
-              <a:defRPr/>
-            </a:pPr>
-            <a:r>
-              <a:rPr lang="en-US" dirty="0" smtClean="0"/>
-              <a:t>	Durability (D): Once completed, a transaction will remain even in the face of, </a:t>
-            </a:r>
-            <a:r>
-              <a:rPr lang="en-US" i="1" dirty="0" smtClean="0"/>
-              <a:t>e.g., </a:t>
-            </a:r>
-            <a:r>
-              <a:rPr lang="en-US" dirty="0" smtClean="0"/>
-              <a:t>hardware failure.  </a:t>
+            <a:r>
+              <a:rPr lang="en-US" dirty="0"/>
+              <a:t>:</a:t>
+            </a:r>
+            <a:r>
+              <a:rPr lang="en-US" dirty="0" smtClean="0"/>
+              <a:t> Concurrency control. Concurrent execution should be identical to serial execution. </a:t>
             </a:r>
             <a:endParaRPr lang="en-US" dirty="0"/>
           </a:p>
@@ -18469,7 +18320,7 @@
           <a:p>
             <a:fld id="{7053BEFA-1175-F644-B249-7D41D72BD3FF}" type="datetime1">
               <a:rPr lang="en-US" smtClean="0"/>
-              <a:t>6/12/16</a:t>
+              <a:t>1/6/17</a:t>
             </a:fld>
             <a:endParaRPr lang="en-US"/>
           </a:p>
@@ -18520,7 +18371,7 @@
     </p:spTree>
     <p:extLst>
       <p:ext uri="{BB962C8B-B14F-4D97-AF65-F5344CB8AC3E}">
-        <p14:creationId xmlns:p14="http://schemas.microsoft.com/office/powerpoint/2010/main" val="811328756"/>
+        <p14:creationId xmlns:p14="http://schemas.microsoft.com/office/powerpoint/2010/main" val="1422630519"/>
       </p:ext>
     </p:extLst>
   </p:cSld>
@@ -18564,7 +18415,7 @@
           <a:p>
             <a:r>
               <a:rPr lang="en-US" dirty="0" smtClean="0"/>
-              <a:t>CAP Theorem</a:t>
+              <a:t>Data Guarantees</a:t>
             </a:r>
             <a:endParaRPr lang="en-US" dirty="0"/>
           </a:p>
@@ -18586,31 +18437,104 @@
           <a:lstStyle/>
           <a:p>
             <a:pPr marL="0" indent="0">
-              <a:buNone/>
+              <a:spcAft>
+                <a:spcPts val="0"/>
+              </a:spcAft>
+              <a:buClrTx/>
+              <a:buNone/>
+              <a:defRPr/>
             </a:pPr>
             <a:r>
               <a:rPr lang="en-US" dirty="0" smtClean="0"/>
-              <a:t>Don’t be overly simplistic</a:t>
-            </a:r>
-            <a:endParaRPr lang="en-US" sz="1400" dirty="0"/>
-          </a:p>
-          <a:p>
-            <a:r>
-              <a:rPr lang="en-US" sz="2400" dirty="0" smtClean="0"/>
-              <a:t>CAP are continuous, not binary</a:t>
-            </a:r>
-          </a:p>
-          <a:p>
-            <a:r>
-              <a:rPr lang="en-US" sz="2400" dirty="0" smtClean="0"/>
-              <a:t>CAP can be re balanced at each decision</a:t>
-            </a:r>
-          </a:p>
-          <a:p>
-            <a:r>
-              <a:rPr lang="en-US" sz="2400" dirty="0" smtClean="0"/>
-              <a:t>Partitions are rare -&gt; mostly CA are both ok</a:t>
-            </a:r>
+              <a:t>Single server databases are often designed for ‘ACID’. The </a:t>
+            </a:r>
+            <a:r>
+              <a:rPr lang="en-US" dirty="0"/>
+              <a:t>four ACID properties are:</a:t>
+            </a:r>
+          </a:p>
+          <a:p>
+            <a:pPr marL="0" indent="0">
+              <a:spcAft>
+                <a:spcPts val="0"/>
+              </a:spcAft>
+              <a:buClrTx/>
+              <a:buNone/>
+              <a:defRPr/>
+            </a:pPr>
+            <a:r>
+              <a:rPr lang="en-US" dirty="0" smtClean="0"/>
+              <a:t>	Atomicity </a:t>
+            </a:r>
+            <a:r>
+              <a:rPr lang="en-US" dirty="0"/>
+              <a:t>(A</a:t>
+            </a:r>
+            <a:r>
+              <a:rPr lang="en-US" dirty="0" smtClean="0"/>
+              <a:t>)</a:t>
+            </a:r>
+          </a:p>
+          <a:p>
+            <a:pPr marL="0" indent="0">
+              <a:spcAft>
+                <a:spcPts val="0"/>
+              </a:spcAft>
+              <a:buClrTx/>
+              <a:buNone/>
+              <a:defRPr/>
+            </a:pPr>
+            <a:r>
+              <a:rPr lang="en-US" dirty="0" smtClean="0"/>
+              <a:t>	Consistency (C)</a:t>
+            </a:r>
+            <a:endParaRPr lang="en-US" dirty="0"/>
+          </a:p>
+          <a:p>
+            <a:pPr marL="0" indent="0">
+              <a:spcAft>
+                <a:spcPts val="0"/>
+              </a:spcAft>
+              <a:buClrTx/>
+              <a:buNone/>
+              <a:defRPr/>
+            </a:pPr>
+            <a:r>
+              <a:rPr lang="en-US" dirty="0" smtClean="0"/>
+              <a:t>	Isolation </a:t>
+            </a:r>
+            <a:r>
+              <a:rPr lang="en-US" dirty="0"/>
+              <a:t>(I</a:t>
+            </a:r>
+            <a:r>
+              <a:rPr lang="en-US" dirty="0" smtClean="0"/>
+              <a:t>)</a:t>
+            </a:r>
+            <a:endParaRPr lang="en-US" dirty="0"/>
+          </a:p>
+          <a:p>
+            <a:pPr marL="0" indent="0">
+              <a:spcAft>
+                <a:spcPts val="0"/>
+              </a:spcAft>
+              <a:buClrTx/>
+              <a:buNone/>
+              <a:defRPr/>
+            </a:pPr>
+            <a:r>
+              <a:rPr lang="en-US" dirty="0" smtClean="0"/>
+              <a:t>	Durability (D): Once completed, a transaction will remain even in the face of, </a:t>
+            </a:r>
+            <a:r>
+              <a:rPr lang="en-US" i="1" dirty="0" smtClean="0"/>
+              <a:t>e.g., </a:t>
+            </a:r>
+            <a:r>
+              <a:rPr lang="en-US" dirty="0" smtClean="0"/>
+              <a:t>hardware failure.  </a:t>
+            </a:r>
+            <a:endParaRPr lang="en-US" dirty="0"/>
           </a:p>
         </p:txBody>
       </p:sp>
@@ -18631,7 +18555,7 @@
           <a:p>
             <a:fld id="{7053BEFA-1175-F644-B249-7D41D72BD3FF}" type="datetime1">
               <a:rPr lang="en-US" smtClean="0"/>
-              <a:t>6/12/16</a:t>
+              <a:t>1/6/17</a:t>
             </a:fld>
             <a:endParaRPr lang="en-US"/>
           </a:p>
@@ -18674,6 +18598,168 @@
             <a:fld id="{17E276FA-8F89-B34D-A726-BE3FA1F8DD97}" type="slidenum">
               <a:rPr lang="en-US" smtClean="0"/>
               <a:t>45</a:t>
+            </a:fld>
+            <a:endParaRPr lang="en-US" dirty="0"/>
+          </a:p>
+        </p:txBody>
+      </p:sp>
+    </p:spTree>
+    <p:extLst>
+      <p:ext uri="{BB962C8B-B14F-4D97-AF65-F5344CB8AC3E}">
+        <p14:creationId xmlns:p14="http://schemas.microsoft.com/office/powerpoint/2010/main" val="811328756"/>
+      </p:ext>
+    </p:extLst>
+  </p:cSld>
+  <p:clrMapOvr>
+    <a:masterClrMapping/>
+  </p:clrMapOvr>
+</p:sld>
+</file>
+
+<file path=ppt/slides/slide46.xml><?xml version="1.0" encoding="utf-8"?>
+<p:sld xmlns:a="http://schemas.openxmlformats.org/drawingml/2006/main" xmlns:r="http://schemas.openxmlformats.org/officeDocument/2006/relationships" xmlns:p="http://schemas.openxmlformats.org/presentationml/2006/main">
+  <p:cSld>
+    <p:spTree>
+      <p:nvGrpSpPr>
+        <p:cNvPr id="1" name=""/>
+        <p:cNvGrpSpPr/>
+        <p:nvPr/>
+      </p:nvGrpSpPr>
+      <p:grpSpPr>
+        <a:xfrm>
+          <a:off x="0" y="0"/>
+          <a:ext cx="0" cy="0"/>
+          <a:chOff x="0" y="0"/>
+          <a:chExt cx="0" cy="0"/>
+        </a:xfrm>
+      </p:grpSpPr>
+      <p:sp>
+        <p:nvSpPr>
+          <p:cNvPr id="2" name="Title 1"/>
+          <p:cNvSpPr>
+            <a:spLocks noGrp="1"/>
+          </p:cNvSpPr>
+          <p:nvPr>
+            <p:ph type="title"/>
+          </p:nvPr>
+        </p:nvSpPr>
+        <p:spPr/>
+        <p:txBody>
+          <a:bodyPr/>
+          <a:lstStyle/>
+          <a:p>
+            <a:r>
+              <a:rPr lang="en-US" dirty="0" smtClean="0"/>
+              <a:t>CAP Theorem</a:t>
+            </a:r>
+            <a:endParaRPr lang="en-US" dirty="0"/>
+          </a:p>
+        </p:txBody>
+      </p:sp>
+      <p:sp>
+        <p:nvSpPr>
+          <p:cNvPr id="3" name="Content Placeholder 2"/>
+          <p:cNvSpPr>
+            <a:spLocks noGrp="1"/>
+          </p:cNvSpPr>
+          <p:nvPr>
+            <p:ph idx="1"/>
+          </p:nvPr>
+        </p:nvSpPr>
+        <p:spPr/>
+        <p:txBody>
+          <a:bodyPr/>
+          <a:lstStyle/>
+          <a:p>
+            <a:pPr marL="0" indent="0">
+              <a:buNone/>
+            </a:pPr>
+            <a:r>
+              <a:rPr lang="en-US" dirty="0" smtClean="0"/>
+              <a:t>Don’t be overly simplistic</a:t>
+            </a:r>
+            <a:endParaRPr lang="en-US" sz="1400" dirty="0"/>
+          </a:p>
+          <a:p>
+            <a:r>
+              <a:rPr lang="en-US" sz="2400" dirty="0" smtClean="0"/>
+              <a:t>CAP are continuous, not binary</a:t>
+            </a:r>
+          </a:p>
+          <a:p>
+            <a:r>
+              <a:rPr lang="en-US" sz="2400" dirty="0" smtClean="0"/>
+              <a:t>CAP can be re balanced at each decision</a:t>
+            </a:r>
+          </a:p>
+          <a:p>
+            <a:r>
+              <a:rPr lang="en-US" sz="2400" dirty="0" smtClean="0"/>
+              <a:t>Partitions are rare -&gt; mostly CA are both ok</a:t>
+            </a:r>
+          </a:p>
+        </p:txBody>
+      </p:sp>
+      <p:sp>
+        <p:nvSpPr>
+          <p:cNvPr id="4" name="Date Placeholder 3"/>
+          <p:cNvSpPr>
+            <a:spLocks noGrp="1"/>
+          </p:cNvSpPr>
+          <p:nvPr>
+            <p:ph type="dt" sz="half" idx="10"/>
+          </p:nvPr>
+        </p:nvSpPr>
+        <p:spPr/>
+        <p:txBody>
+          <a:bodyPr/>
+          <a:lstStyle/>
+          <a:p>
+            <a:fld id="{7053BEFA-1175-F644-B249-7D41D72BD3FF}" type="datetime1">
+              <a:rPr lang="en-US" smtClean="0"/>
+              <a:t>1/6/17</a:t>
+            </a:fld>
+            <a:endParaRPr lang="en-US"/>
+          </a:p>
+        </p:txBody>
+      </p:sp>
+      <p:sp>
+        <p:nvSpPr>
+          <p:cNvPr id="5" name="Footer Placeholder 4"/>
+          <p:cNvSpPr>
+            <a:spLocks noGrp="1"/>
+          </p:cNvSpPr>
+          <p:nvPr>
+            <p:ph type="ftr" sz="quarter" idx="11"/>
+          </p:nvPr>
+        </p:nvSpPr>
+        <p:spPr/>
+        <p:txBody>
+          <a:bodyPr/>
+          <a:lstStyle/>
+          <a:p>
+            <a:endParaRPr lang="en-US" dirty="0"/>
+          </a:p>
+        </p:txBody>
+      </p:sp>
+      <p:sp>
+        <p:nvSpPr>
+          <p:cNvPr id="6" name="Slide Number Placeholder 5"/>
+          <p:cNvSpPr>
+            <a:spLocks noGrp="1"/>
+          </p:cNvSpPr>
+          <p:nvPr>
+            <p:ph type="sldNum" sz="quarter" idx="12"/>
+          </p:nvPr>
+        </p:nvSpPr>
+        <p:spPr/>
+        <p:txBody>
+          <a:bodyPr/>
+          <a:lstStyle/>
+          <a:p>
+            <a:fld id="{17E276FA-8F89-B34D-A726-BE3FA1F8DD97}" type="slidenum">
+              <a:rPr lang="en-US" smtClean="0"/>
+              <a:t>46</a:t>
             </a:fld>
             <a:endParaRPr lang="en-US" dirty="0"/>
           </a:p>
@@ -18756,181 +18842,7 @@
   <p:timing>
     <p:tnLst>
       <p:par>
-        <p:cTn xmlns:p14="http://schemas.microsoft.com/office/powerpoint/2010/main" id="1" dur="indefinite" restart="never" nodeType="tmRoot"/>
-      </p:par>
-    </p:tnLst>
-  </p:timing>
-</p:sld>
-</file>
-
-<file path=ppt/slides/slide46.xml><?xml version="1.0" encoding="utf-8"?>
-<p:sld xmlns:a="http://schemas.openxmlformats.org/drawingml/2006/main" xmlns:r="http://schemas.openxmlformats.org/officeDocument/2006/relationships" xmlns:p="http://schemas.openxmlformats.org/presentationml/2006/main">
-  <p:cSld>
-    <p:spTree>
-      <p:nvGrpSpPr>
-        <p:cNvPr id="1" name=""/>
-        <p:cNvGrpSpPr/>
-        <p:nvPr/>
-      </p:nvGrpSpPr>
-      <p:grpSpPr>
-        <a:xfrm>
-          <a:off x="0" y="0"/>
-          <a:ext cx="0" cy="0"/>
-          <a:chOff x="0" y="0"/>
-          <a:chExt cx="0" cy="0"/>
-        </a:xfrm>
-      </p:grpSpPr>
-      <p:sp>
-        <p:nvSpPr>
-          <p:cNvPr id="2" name="Title 1"/>
-          <p:cNvSpPr>
-            <a:spLocks noGrp="1"/>
-          </p:cNvSpPr>
-          <p:nvPr>
-            <p:ph type="title"/>
-          </p:nvPr>
-        </p:nvSpPr>
-        <p:spPr/>
-        <p:txBody>
-          <a:bodyPr/>
-          <a:lstStyle/>
-          <a:p>
-            <a:r>
-              <a:rPr lang="en-US" dirty="0" smtClean="0"/>
-              <a:t>Big Data:</a:t>
-            </a:r>
-            <a:br>
-              <a:rPr lang="en-US" dirty="0" smtClean="0"/>
-            </a:br>
-            <a:r>
-              <a:rPr lang="en-US" dirty="0" smtClean="0"/>
-              <a:t>CAP Theorem</a:t>
-            </a:r>
-            <a:endParaRPr lang="en-US" dirty="0"/>
-          </a:p>
-        </p:txBody>
-      </p:sp>
-      <p:sp>
-        <p:nvSpPr>
-          <p:cNvPr id="3" name="Content Placeholder 2"/>
-          <p:cNvSpPr>
-            <a:spLocks noGrp="1"/>
-          </p:cNvSpPr>
-          <p:nvPr>
-            <p:ph idx="1"/>
-          </p:nvPr>
-        </p:nvSpPr>
-        <p:spPr/>
-        <p:txBody>
-          <a:bodyPr/>
-          <a:lstStyle/>
-          <a:p>
-            <a:pPr marL="0" indent="0">
-              <a:buNone/>
-            </a:pPr>
-            <a:r>
-              <a:rPr lang="en-US" dirty="0" smtClean="0"/>
-              <a:t>Cannot maximize </a:t>
-            </a:r>
-            <a:r>
-              <a:rPr lang="en-US" i="1" dirty="0" smtClean="0"/>
-              <a:t>Consistency, </a:t>
-            </a:r>
-          </a:p>
-          <a:p>
-            <a:pPr marL="0" indent="0">
-              <a:buNone/>
-            </a:pPr>
-            <a:r>
-              <a:rPr lang="en-US" dirty="0" smtClean="0"/>
-              <a:t>	all </a:t>
-            </a:r>
-            <a:r>
-              <a:rPr lang="en-US" dirty="0"/>
-              <a:t>nodes see the same data at the same time</a:t>
-            </a:r>
-          </a:p>
-        </p:txBody>
-      </p:sp>
-      <p:sp>
-        <p:nvSpPr>
-          <p:cNvPr id="4" name="Date Placeholder 3"/>
-          <p:cNvSpPr>
-            <a:spLocks noGrp="1"/>
-          </p:cNvSpPr>
-          <p:nvPr>
-            <p:ph type="dt" sz="half" idx="10"/>
-          </p:nvPr>
-        </p:nvSpPr>
-        <p:spPr/>
-        <p:txBody>
-          <a:bodyPr/>
-          <a:lstStyle/>
-          <a:p>
-            <a:fld id="{7053BEFA-1175-F644-B249-7D41D72BD3FF}" type="datetime1">
-              <a:rPr lang="en-US" smtClean="0"/>
-              <a:t>6/12/16</a:t>
-            </a:fld>
-            <a:endParaRPr lang="en-US"/>
-          </a:p>
-        </p:txBody>
-      </p:sp>
-      <p:sp>
-        <p:nvSpPr>
-          <p:cNvPr id="5" name="Footer Placeholder 4"/>
-          <p:cNvSpPr>
-            <a:spLocks noGrp="1"/>
-          </p:cNvSpPr>
-          <p:nvPr>
-            <p:ph type="ftr" sz="quarter" idx="11"/>
-          </p:nvPr>
-        </p:nvSpPr>
-        <p:spPr/>
-        <p:txBody>
-          <a:bodyPr/>
-          <a:lstStyle/>
-          <a:p>
-            <a:endParaRPr lang="en-US" dirty="0"/>
-          </a:p>
-        </p:txBody>
-      </p:sp>
-      <p:sp>
-        <p:nvSpPr>
-          <p:cNvPr id="6" name="Slide Number Placeholder 5"/>
-          <p:cNvSpPr>
-            <a:spLocks noGrp="1"/>
-          </p:cNvSpPr>
-          <p:nvPr>
-            <p:ph type="sldNum" sz="quarter" idx="12"/>
-          </p:nvPr>
-        </p:nvSpPr>
-        <p:spPr/>
-        <p:txBody>
-          <a:bodyPr/>
-          <a:lstStyle/>
-          <a:p>
-            <a:fld id="{17E276FA-8F89-B34D-A726-BE3FA1F8DD97}" type="slidenum">
-              <a:rPr lang="en-US" smtClean="0"/>
-              <a:t>46</a:t>
-            </a:fld>
-            <a:endParaRPr lang="en-US" dirty="0"/>
-          </a:p>
-        </p:txBody>
-      </p:sp>
-    </p:spTree>
-    <p:extLst>
-      <p:ext uri="{BB962C8B-B14F-4D97-AF65-F5344CB8AC3E}">
-        <p14:creationId xmlns:p14="http://schemas.microsoft.com/office/powerpoint/2010/main" val="421095849"/>
-      </p:ext>
-    </p:extLst>
-  </p:cSld>
-  <p:clrMapOvr>
-    <a:masterClrMapping/>
-  </p:clrMapOvr>
-  <p:timing>
-    <p:tnLst>
-      <p:par>
-        <p:cTn xmlns:p14="http://schemas.microsoft.com/office/powerpoint/2010/main" id="1" dur="indefinite" restart="never" nodeType="tmRoot"/>
+        <p:cTn id="1" dur="indefinite" restart="never" nodeType="tmRoot"/>
       </p:par>
     </p:tnLst>
   </p:timing>
@@ -19008,7 +18920,7 @@
             </a:r>
             <a:r>
               <a:rPr lang="en-US" i="1" dirty="0" smtClean="0"/>
-              <a:t>Consistency, Availability</a:t>
+              <a:t>Consistency, </a:t>
             </a:r>
           </a:p>
           <a:p>
@@ -19017,11 +18929,11 @@
             </a:pPr>
             <a:r>
               <a:rPr lang="en-US" dirty="0" smtClean="0"/>
-              <a:t>	every </a:t>
+              <a:t>	all </a:t>
             </a:r>
             <a:r>
               <a:rPr lang="en-US" dirty="0"/>
-              <a:t>request receives a response about whether it was successful or failed</a:t>
+              <a:t>nodes see the same data at the same time</a:t>
             </a:r>
           </a:p>
         </p:txBody>
@@ -19043,7 +18955,7 @@
           <a:p>
             <a:fld id="{7053BEFA-1175-F644-B249-7D41D72BD3FF}" type="datetime1">
               <a:rPr lang="en-US" smtClean="0"/>
-              <a:t>6/12/16</a:t>
+              <a:t>1/6/17</a:t>
             </a:fld>
             <a:endParaRPr lang="en-US"/>
           </a:p>
@@ -19094,7 +19006,7 @@
     </p:spTree>
     <p:extLst>
       <p:ext uri="{BB962C8B-B14F-4D97-AF65-F5344CB8AC3E}">
-        <p14:creationId xmlns:p14="http://schemas.microsoft.com/office/powerpoint/2010/main" val="1126962130"/>
+        <p14:creationId xmlns:p14="http://schemas.microsoft.com/office/powerpoint/2010/main" val="421095849"/>
       </p:ext>
     </p:extLst>
   </p:cSld>
@@ -19104,7 +19016,7 @@
   <p:timing>
     <p:tnLst>
       <p:par>
-        <p:cTn xmlns:p14="http://schemas.microsoft.com/office/powerpoint/2010/main" id="1" dur="indefinite" restart="never" nodeType="tmRoot"/>
+        <p:cTn id="1" dur="indefinite" restart="never" nodeType="tmRoot"/>
       </p:par>
     </p:tnLst>
   </p:timing>
@@ -19182,69 +19094,21 @@
             </a:r>
             <a:r>
               <a:rPr lang="en-US" i="1" dirty="0" smtClean="0"/>
-              <a:t>Consistency, Availability </a:t>
-            </a:r>
-            <a:r>
-              <a:rPr lang="en-US" dirty="0" smtClean="0"/>
-              <a:t>and </a:t>
-            </a:r>
-            <a:r>
-              <a:rPr lang="en-US" i="1" dirty="0" smtClean="0"/>
-              <a:t>Partition </a:t>
-            </a:r>
-            <a:r>
-              <a:rPr lang="en-US" i="1" dirty="0"/>
-              <a:t>Tolerance </a:t>
+              <a:t>Consistency, Availability</a:t>
+            </a:r>
+          </a:p>
+          <a:p>
+            <a:pPr marL="0" indent="0">
+              <a:buNone/>
+            </a:pPr>
+            <a:r>
+              <a:rPr lang="en-US" dirty="0" smtClean="0"/>
+              <a:t>	every </a:t>
             </a:r>
             <a:r>
               <a:rPr lang="en-US" dirty="0"/>
-              <a:t>(in the event of a partial failure). </a:t>
-            </a:r>
-            <a:endParaRPr lang="en-US" i="1" dirty="0" smtClean="0"/>
-          </a:p>
-          <a:p>
-            <a:pPr marL="0" indent="0">
-              <a:buNone/>
-            </a:pPr>
-            <a:r>
-              <a:rPr lang="en-US" dirty="0" smtClean="0"/>
-              <a:t>	system continues </a:t>
-            </a:r>
-            <a:r>
-              <a:rPr lang="en-US" dirty="0"/>
-              <a:t>to operate despite arbitrary message loss or failure of part of the </a:t>
-            </a:r>
-            <a:r>
-              <a:rPr lang="en-US" dirty="0" smtClean="0"/>
-              <a:t>system</a:t>
-            </a:r>
-          </a:p>
-          <a:p>
-            <a:pPr marL="0" indent="0">
-              <a:buNone/>
-            </a:pPr>
-            <a:r>
-              <a:rPr lang="en-US" dirty="0"/>
-              <a:t> </a:t>
-            </a:r>
-            <a:r>
-              <a:rPr lang="en-US" dirty="0" smtClean="0"/>
-              <a:t>    relates to latency or e.g. mobile devices partly connected</a:t>
-            </a:r>
-          </a:p>
-          <a:p>
-            <a:pPr marL="0" indent="0">
-              <a:buNone/>
-            </a:pPr>
-            <a:r>
-              <a:rPr lang="en-US" dirty="0"/>
-              <a:t>	</a:t>
-            </a:r>
-            <a:r>
-              <a:rPr lang="en-US" dirty="0" smtClean="0"/>
-              <a:t>Suggests a scope for C&amp;A</a:t>
-            </a:r>
-            <a:endParaRPr lang="en-US" dirty="0"/>
+              <a:t>request receives a response about whether it was successful or failed</a:t>
+            </a:r>
           </a:p>
         </p:txBody>
       </p:sp>
@@ -19265,7 +19129,7 @@
           <a:p>
             <a:fld id="{7053BEFA-1175-F644-B249-7D41D72BD3FF}" type="datetime1">
               <a:rPr lang="en-US" smtClean="0"/>
-              <a:t>6/12/16</a:t>
+              <a:t>1/6/17</a:t>
             </a:fld>
             <a:endParaRPr lang="en-US"/>
           </a:p>
@@ -19316,7 +19180,7 @@
     </p:spTree>
     <p:extLst>
       <p:ext uri="{BB962C8B-B14F-4D97-AF65-F5344CB8AC3E}">
-        <p14:creationId xmlns:p14="http://schemas.microsoft.com/office/powerpoint/2010/main" val="74902467"/>
+        <p14:creationId xmlns:p14="http://schemas.microsoft.com/office/powerpoint/2010/main" val="1126962130"/>
       </p:ext>
     </p:extLst>
   </p:cSld>
@@ -19326,7 +19190,7 @@
   <p:timing>
     <p:tnLst>
       <p:par>
-        <p:cTn xmlns:p14="http://schemas.microsoft.com/office/powerpoint/2010/main" id="1" dur="indefinite" restart="never" nodeType="tmRoot"/>
+        <p:cTn id="1" dur="indefinite" restart="never" nodeType="tmRoot"/>
       </p:par>
     </p:tnLst>
   </p:timing>
@@ -19412,38 +19276,60 @@
             </a:r>
             <a:r>
               <a:rPr lang="en-US" i="1" dirty="0" smtClean="0"/>
-              <a:t>Partition Tolerance </a:t>
-            </a:r>
-            <a:r>
-              <a:rPr lang="en-US" dirty="0" smtClean="0"/>
+              <a:t>Partition </a:t>
+            </a:r>
+            <a:r>
+              <a:rPr lang="en-US" i="1" dirty="0"/>
+              <a:t>Tolerance </a:t>
+            </a:r>
+            <a:r>
+              <a:rPr lang="en-US" dirty="0"/>
               <a:t>(in the event of a partial failure). </a:t>
             </a:r>
+            <a:endParaRPr lang="en-US" i="1" dirty="0" smtClean="0"/>
           </a:p>
           <a:p>
             <a:pPr marL="0" indent="0">
               <a:buNone/>
             </a:pPr>
-            <a:endParaRPr lang="en-US" i="1" dirty="0" smtClean="0"/>
+            <a:r>
+              <a:rPr lang="en-US" dirty="0" smtClean="0"/>
+              <a:t>	system continues </a:t>
+            </a:r>
+            <a:r>
+              <a:rPr lang="en-US" dirty="0"/>
+              <a:t>to operate despite arbitrary message loss or failure of part of the </a:t>
+            </a:r>
+            <a:r>
+              <a:rPr lang="en-US" dirty="0" smtClean="0"/>
+              <a:t>system</a:t>
+            </a:r>
           </a:p>
           <a:p>
             <a:pPr marL="0" indent="0">
               <a:buNone/>
             </a:pPr>
             <a:r>
-              <a:rPr lang="en-US" i="1" dirty="0" smtClean="0"/>
-              <a:t>Every data storage solution makes tradeoffs</a:t>
+              <a:rPr lang="en-US" dirty="0"/>
+              <a:t> </a:t>
+            </a:r>
+            <a:r>
+              <a:rPr lang="en-US" dirty="0" smtClean="0"/>
+              <a:t>    relates to latency or e.g. mobile devices partly connected</a:t>
             </a:r>
           </a:p>
           <a:p>
             <a:pPr marL="0" indent="0">
               <a:buNone/>
             </a:pPr>
-            <a:endParaRPr lang="en-US" dirty="0"/>
-          </a:p>
-          <a:p>
-            <a:pPr marL="0" indent="0">
-              <a:buNone/>
-            </a:pPr>
+            <a:r>
+              <a:rPr lang="en-US" dirty="0"/>
+              <a:t>	</a:t>
+            </a:r>
+            <a:r>
+              <a:rPr lang="en-US" dirty="0" smtClean="0"/>
+              <a:t>Suggests a scope for C&amp;A</a:t>
+            </a:r>
             <a:endParaRPr lang="en-US" dirty="0"/>
           </a:p>
         </p:txBody>
@@ -19465,7 +19351,7 @@
           <a:p>
             <a:fld id="{7053BEFA-1175-F644-B249-7D41D72BD3FF}" type="datetime1">
               <a:rPr lang="en-US" smtClean="0"/>
-              <a:t>6/12/16</a:t>
+              <a:t>1/6/17</a:t>
             </a:fld>
             <a:endParaRPr lang="en-US"/>
           </a:p>
@@ -19516,13 +19402,20 @@
     </p:spTree>
     <p:extLst>
       <p:ext uri="{BB962C8B-B14F-4D97-AF65-F5344CB8AC3E}">
-        <p14:creationId xmlns:p14="http://schemas.microsoft.com/office/powerpoint/2010/main" val="2957153860"/>
+        <p14:creationId xmlns:p14="http://schemas.microsoft.com/office/powerpoint/2010/main" val="74902467"/>
       </p:ext>
     </p:extLst>
   </p:cSld>
   <p:clrMapOvr>
     <a:masterClrMapping/>
   </p:clrMapOvr>
+  <p:timing>
+    <p:tnLst>
+      <p:par>
+        <p:cTn id="1" dur="indefinite" restart="never" nodeType="tmRoot"/>
+      </p:par>
+    </p:tnLst>
+  </p:timing>
 </p:sld>
 </file>
 
@@ -19560,7 +19453,7 @@
           <a:p>
             <a:r>
               <a:rPr lang="en-US" dirty="0" smtClean="0"/>
-              <a:t>Goals for today</a:t>
+              <a:t>Discussion: Big Data Assumptions</a:t>
             </a:r>
             <a:endParaRPr lang="en-US" dirty="0"/>
           </a:p>
@@ -19581,41 +19474,55 @@
           <a:bodyPr/>
           <a:lstStyle/>
           <a:p>
+            <a:r>
+              <a:rPr lang="en-US" dirty="0" smtClean="0"/>
+              <a:t>Defines knowledge </a:t>
+            </a:r>
+          </a:p>
+          <a:p>
+            <a:r>
+              <a:rPr lang="en-US" dirty="0" smtClean="0"/>
+              <a:t>Misleading claims of objectivity/accuracy</a:t>
+            </a:r>
+          </a:p>
+          <a:p>
+            <a:r>
+              <a:rPr lang="en-US" dirty="0" smtClean="0"/>
+              <a:t>Bigger != Better (e.g. Requires Context to be interpreted)</a:t>
+            </a:r>
+          </a:p>
+          <a:p>
+            <a:r>
+              <a:rPr lang="en-US" dirty="0" smtClean="0"/>
+              <a:t>Accessible != Ethical</a:t>
+            </a:r>
+          </a:p>
+          <a:p>
+            <a:r>
+              <a:rPr lang="en-US" dirty="0" smtClean="0"/>
+              <a:t>New digital divide</a:t>
+            </a:r>
+          </a:p>
+          <a:p>
+            <a:endParaRPr lang="en-US" dirty="0"/>
+          </a:p>
+          <a:p>
             <a:pPr marL="0" indent="0">
               <a:buNone/>
             </a:pPr>
             <a:r>
               <a:rPr lang="en-US" dirty="0" smtClean="0"/>
-              <a:t>Discuss human issues in Big Data</a:t>
-            </a:r>
-          </a:p>
-          <a:p>
-            <a:pPr marL="0" indent="0">
-              <a:buNone/>
-            </a:pPr>
-            <a:r>
-              <a:rPr lang="en-US" b="1" dirty="0"/>
-              <a:t>Talk about Byte 3</a:t>
-            </a:r>
-          </a:p>
-          <a:p>
-            <a:pPr marL="0" indent="0">
-              <a:buNone/>
-            </a:pPr>
-            <a:r>
-              <a:rPr lang="en-US" dirty="0" smtClean="0"/>
-              <a:t>Quiz</a:t>
-            </a:r>
-            <a:endParaRPr lang="en-US" dirty="0"/>
-          </a:p>
-          <a:p>
-            <a:pPr marL="0" indent="0">
-              <a:buNone/>
-            </a:pPr>
-            <a:r>
-              <a:rPr lang="en-US" dirty="0" smtClean="0"/>
-              <a:t>Discuss infrastructure issues for Big Data</a:t>
-            </a:r>
+              <a:t>(</a:t>
+            </a:r>
+            <a:r>
+              <a:rPr lang="en-US" dirty="0" err="1" smtClean="0"/>
+              <a:t>boyd</a:t>
+            </a:r>
+            <a:r>
+              <a:rPr lang="en-US" dirty="0" smtClean="0"/>
+              <a:t> &amp; Crawford reading)</a:t>
+            </a:r>
+            <a:endParaRPr lang="en-US" dirty="0"/>
           </a:p>
         </p:txBody>
       </p:sp>
@@ -19636,7 +19543,7 @@
           <a:p>
             <a:fld id="{7053BEFA-1175-F644-B249-7D41D72BD3FF}" type="datetime1">
               <a:rPr lang="en-US" smtClean="0"/>
-              <a:t>6/10/16</a:t>
+              <a:t>1/6/17</a:t>
             </a:fld>
             <a:endParaRPr lang="en-US"/>
           </a:p>
@@ -19687,20 +19594,13 @@
     </p:spTree>
     <p:extLst>
       <p:ext uri="{BB962C8B-B14F-4D97-AF65-F5344CB8AC3E}">
-        <p14:creationId xmlns:p14="http://schemas.microsoft.com/office/powerpoint/2010/main" val="1490440753"/>
+        <p14:creationId xmlns:p14="http://schemas.microsoft.com/office/powerpoint/2010/main" val="2135174899"/>
       </p:ext>
     </p:extLst>
   </p:cSld>
   <p:clrMapOvr>
     <a:masterClrMapping/>
   </p:clrMapOvr>
-  <p:timing>
-    <p:tnLst>
-      <p:par>
-        <p:cTn xmlns:p14="http://schemas.microsoft.com/office/powerpoint/2010/main" id="1" dur="indefinite" restart="never" nodeType="tmRoot"/>
-      </p:par>
-    </p:tnLst>
-  </p:timing>
 </p:sld>
 </file>
 
@@ -19802,49 +19702,20 @@
             </a:pPr>
             <a:r>
               <a:rPr lang="en-US" i="1" dirty="0" smtClean="0"/>
-              <a:t>Specific to </a:t>
-            </a:r>
-            <a:r>
-              <a:rPr lang="en-US" dirty="0" smtClean="0"/>
-              <a:t>distribute systems</a:t>
+              <a:t>Every data storage solution makes tradeoffs</a:t>
             </a:r>
           </a:p>
           <a:p>
             <a:pPr marL="0" indent="0">
               <a:buNone/>
             </a:pPr>
-            <a:r>
-              <a:rPr lang="en-US" dirty="0"/>
-              <a:t>“The modern CAP goal should be to maximize combinations of consistency and availability that make sense for the specific </a:t>
-            </a:r>
-            <a:r>
-              <a:rPr lang="en-US" dirty="0" smtClean="0"/>
-              <a:t>application”</a:t>
-            </a:r>
-            <a:endParaRPr lang="en-US" sz="1400" dirty="0" smtClean="0"/>
+            <a:endParaRPr lang="en-US" dirty="0"/>
           </a:p>
           <a:p>
             <a:pPr marL="0" indent="0">
               <a:buNone/>
             </a:pPr>
-            <a:r>
-              <a:rPr lang="en-US" sz="1400" dirty="0"/>
-              <a:t>http://</a:t>
-            </a:r>
-            <a:r>
-              <a:rPr lang="en-US" sz="1400" dirty="0" err="1"/>
-              <a:t>www.infoq.com</a:t>
-            </a:r>
-            <a:r>
-              <a:rPr lang="en-US" sz="1400" dirty="0"/>
-              <a:t>/articles/cap-twelve-years-later-how-the-rules-have-changed</a:t>
-            </a:r>
-          </a:p>
-          <a:p>
-            <a:pPr marL="0" indent="0">
-              <a:buNone/>
-            </a:pPr>
-            <a:endParaRPr lang="en-US" sz="1400" dirty="0"/>
+            <a:endParaRPr lang="en-US" dirty="0"/>
           </a:p>
         </p:txBody>
       </p:sp>
@@ -19865,7 +19736,7 @@
           <a:p>
             <a:fld id="{7053BEFA-1175-F644-B249-7D41D72BD3FF}" type="datetime1">
               <a:rPr lang="en-US" smtClean="0"/>
-              <a:t>6/12/16</a:t>
+              <a:t>1/6/17</a:t>
             </a:fld>
             <a:endParaRPr lang="en-US"/>
           </a:p>
@@ -19916,20 +19787,13 @@
     </p:spTree>
     <p:extLst>
       <p:ext uri="{BB962C8B-B14F-4D97-AF65-F5344CB8AC3E}">
-        <p14:creationId xmlns:p14="http://schemas.microsoft.com/office/powerpoint/2010/main" val="2194586958"/>
+        <p14:creationId xmlns:p14="http://schemas.microsoft.com/office/powerpoint/2010/main" val="2957153860"/>
       </p:ext>
     </p:extLst>
   </p:cSld>
   <p:clrMapOvr>
     <a:masterClrMapping/>
   </p:clrMapOvr>
-  <p:timing>
-    <p:tnLst>
-      <p:par>
-        <p:cTn xmlns:p14="http://schemas.microsoft.com/office/powerpoint/2010/main" id="1" dur="indefinite" restart="never" nodeType="tmRoot"/>
-      </p:par>
-    </p:tnLst>
-  </p:timing>
 </p:sld>
 </file>
 
@@ -20000,27 +19864,80 @@
             </a:pPr>
             <a:r>
               <a:rPr lang="en-US" dirty="0" smtClean="0"/>
-              <a:t>Don’t be overly simplistic</a:t>
-            </a:r>
+              <a:t>Cannot maximize </a:t>
+            </a:r>
+            <a:r>
+              <a:rPr lang="en-US" i="1" dirty="0" smtClean="0"/>
+              <a:t>Consistency, Availability </a:t>
+            </a:r>
+            <a:r>
+              <a:rPr lang="en-US" dirty="0" smtClean="0"/>
+              <a:t>and </a:t>
+            </a:r>
+            <a:r>
+              <a:rPr lang="en-US" i="1" dirty="0" smtClean="0"/>
+              <a:t>Partition Tolerance </a:t>
+            </a:r>
+            <a:r>
+              <a:rPr lang="en-US" dirty="0" smtClean="0"/>
+              <a:t>(in the event of a partial failure). </a:t>
+            </a:r>
+          </a:p>
+          <a:p>
+            <a:pPr marL="0" indent="0">
+              <a:buNone/>
+            </a:pPr>
+            <a:endParaRPr lang="en-US" i="1" dirty="0" smtClean="0"/>
+          </a:p>
+          <a:p>
+            <a:pPr marL="0" indent="0">
+              <a:buNone/>
+            </a:pPr>
+            <a:r>
+              <a:rPr lang="en-US" i="1" dirty="0" smtClean="0"/>
+              <a:t>Specific to </a:t>
+            </a:r>
+            <a:r>
+              <a:rPr lang="en-US" dirty="0" smtClean="0"/>
+              <a:t>distribute systems</a:t>
+            </a:r>
+          </a:p>
+          <a:p>
+            <a:pPr marL="0" indent="0">
+              <a:buNone/>
+            </a:pPr>
+            <a:r>
+              <a:rPr lang="en-US" dirty="0"/>
+              <a:t>“The modern CAP goal should be to maximize combinations of consistency and availability that make sense for the specific </a:t>
+            </a:r>
+            <a:r>
+              <a:rPr lang="en-US" dirty="0" smtClean="0"/>
+              <a:t>application”</a:t>
+            </a:r>
+            <a:endParaRPr lang="en-US" sz="1400" dirty="0" smtClean="0"/>
+          </a:p>
+          <a:p>
+            <a:pPr marL="0" indent="0">
+              <a:buNone/>
+            </a:pPr>
+            <a:r>
+              <a:rPr lang="en-US" sz="1400" dirty="0"/>
+              <a:t>http://</a:t>
+            </a:r>
+            <a:r>
+              <a:rPr lang="en-US" sz="1400" dirty="0" err="1"/>
+              <a:t>www.infoq.com</a:t>
+            </a:r>
+            <a:r>
+              <a:rPr lang="en-US" sz="1400" dirty="0"/>
+              <a:t>/articles/cap-twelve-years-later-how-the-rules-have-changed</a:t>
+            </a:r>
+          </a:p>
+          <a:p>
+            <a:pPr marL="0" indent="0">
+              <a:buNone/>
+            </a:pPr>
             <a:endParaRPr lang="en-US" sz="1400" dirty="0"/>
-          </a:p>
-          <a:p>
-            <a:r>
-              <a:rPr lang="en-US" sz="2400" dirty="0" smtClean="0"/>
-              <a:t>CAP are continuous, not binary</a:t>
-            </a:r>
-          </a:p>
-          <a:p>
-            <a:r>
-              <a:rPr lang="en-US" sz="2400" dirty="0" smtClean="0"/>
-              <a:t>CAP can be re balanced at each decision</a:t>
-            </a:r>
-          </a:p>
-          <a:p>
-            <a:r>
-              <a:rPr lang="en-US" sz="2400" dirty="0" smtClean="0"/>
-              <a:t>Partitions are rare -&gt; mostly CA are both ok</a:t>
-            </a:r>
           </a:p>
         </p:txBody>
       </p:sp>
@@ -20041,7 +19958,7 @@
           <a:p>
             <a:fld id="{7053BEFA-1175-F644-B249-7D41D72BD3FF}" type="datetime1">
               <a:rPr lang="en-US" smtClean="0"/>
-              <a:t>6/12/16</a:t>
+              <a:t>1/6/17</a:t>
             </a:fld>
             <a:endParaRPr lang="en-US"/>
           </a:p>
@@ -20092,7 +20009,7 @@
     </p:spTree>
     <p:extLst>
       <p:ext uri="{BB962C8B-B14F-4D97-AF65-F5344CB8AC3E}">
-        <p14:creationId xmlns:p14="http://schemas.microsoft.com/office/powerpoint/2010/main" val="1527589589"/>
+        <p14:creationId xmlns:p14="http://schemas.microsoft.com/office/powerpoint/2010/main" val="2194586958"/>
       </p:ext>
     </p:extLst>
   </p:cSld>
@@ -20102,7 +20019,7 @@
   <p:timing>
     <p:tnLst>
       <p:par>
-        <p:cTn xmlns:p14="http://schemas.microsoft.com/office/powerpoint/2010/main" id="1" dur="indefinite" restart="never" nodeType="tmRoot"/>
+        <p:cTn id="1" dur="indefinite" restart="never" nodeType="tmRoot"/>
       </p:par>
     </p:tnLst>
   </p:timing>
@@ -20143,7 +20060,14 @@
           <a:p>
             <a:r>
               <a:rPr lang="en-US" dirty="0" smtClean="0"/>
-              <a:t>Example: Relational Databases</a:t>
+              <a:t>Big Data:</a:t>
+            </a:r>
+            <a:br>
+              <a:rPr lang="en-US" dirty="0" smtClean="0"/>
+            </a:br>
+            <a:r>
+              <a:rPr lang="en-US" dirty="0" smtClean="0"/>
+              <a:t>CAP Theorem</a:t>
             </a:r>
             <a:endParaRPr lang="en-US" dirty="0"/>
           </a:p>
@@ -20169,35 +20093,27 @@
             </a:pPr>
             <a:r>
               <a:rPr lang="en-US" dirty="0" smtClean="0"/>
-              <a:t>Maximize Consistency</a:t>
-            </a:r>
-          </a:p>
-          <a:p>
-            <a:pPr marL="0" indent="0">
-              <a:buNone/>
-            </a:pPr>
-            <a:r>
-              <a:rPr lang="en-US" dirty="0" smtClean="0"/>
-              <a:t>Consider financial data</a:t>
-            </a:r>
-          </a:p>
-          <a:p>
-            <a:pPr lvl="1"/>
-            <a:r>
-              <a:rPr lang="en-US" dirty="0" smtClean="0"/>
-              <a:t>Error or inconsistency is not allowed</a:t>
-            </a:r>
-          </a:p>
-          <a:p>
-            <a:pPr lvl="1"/>
-            <a:r>
-              <a:rPr lang="en-US" dirty="0" smtClean="0"/>
-              <a:t>Delays are minimized</a:t>
-            </a:r>
-          </a:p>
-          <a:p>
-            <a:pPr lvl="1"/>
-            <a:endParaRPr lang="en-US" dirty="0"/>
+              <a:t>Don’t be overly simplistic</a:t>
+            </a:r>
+            <a:endParaRPr lang="en-US" sz="1400" dirty="0"/>
+          </a:p>
+          <a:p>
+            <a:r>
+              <a:rPr lang="en-US" sz="2400" dirty="0" smtClean="0"/>
+              <a:t>CAP are continuous, not binary</a:t>
+            </a:r>
+          </a:p>
+          <a:p>
+            <a:r>
+              <a:rPr lang="en-US" sz="2400" dirty="0" smtClean="0"/>
+              <a:t>CAP can be re balanced at each decision</a:t>
+            </a:r>
+          </a:p>
+          <a:p>
+            <a:r>
+              <a:rPr lang="en-US" sz="2400" dirty="0" smtClean="0"/>
+              <a:t>Partitions are rare -&gt; mostly CA are both ok</a:t>
+            </a:r>
           </a:p>
         </p:txBody>
       </p:sp>
@@ -20218,7 +20134,7 @@
           <a:p>
             <a:fld id="{7053BEFA-1175-F644-B249-7D41D72BD3FF}" type="datetime1">
               <a:rPr lang="en-US" smtClean="0"/>
-              <a:t>6/12/16</a:t>
+              <a:t>1/6/17</a:t>
             </a:fld>
             <a:endParaRPr lang="en-US"/>
           </a:p>
@@ -20269,13 +20185,20 @@
     </p:spTree>
     <p:extLst>
       <p:ext uri="{BB962C8B-B14F-4D97-AF65-F5344CB8AC3E}">
-        <p14:creationId xmlns:p14="http://schemas.microsoft.com/office/powerpoint/2010/main" val="1141749950"/>
+        <p14:creationId xmlns:p14="http://schemas.microsoft.com/office/powerpoint/2010/main" val="1527589589"/>
       </p:ext>
     </p:extLst>
   </p:cSld>
   <p:clrMapOvr>
     <a:masterClrMapping/>
   </p:clrMapOvr>
+  <p:timing>
+    <p:tnLst>
+      <p:par>
+        <p:cTn id="1" dur="indefinite" restart="never" nodeType="tmRoot"/>
+      </p:par>
+    </p:tnLst>
+  </p:timing>
 </p:sld>
 </file>
 
@@ -20313,7 +20236,7 @@
           <a:p>
             <a:r>
               <a:rPr lang="en-US" dirty="0" smtClean="0"/>
-              <a:t>Contrast: Typical (ACID) Relational Database</a:t>
+              <a:t>Example: Relational Databases</a:t>
             </a:r>
             <a:endParaRPr lang="en-US" dirty="0"/>
           </a:p>
@@ -20338,46 +20261,36 @@
               <a:buNone/>
             </a:pPr>
             <a:r>
-              <a:rPr lang="en-US" b="1" dirty="0" smtClean="0"/>
-              <a:t>A</a:t>
-            </a:r>
-            <a:r>
-              <a:rPr lang="en-US" dirty="0" smtClean="0"/>
-              <a:t>tomicity: Good for CAP too. </a:t>
+              <a:rPr lang="en-US" dirty="0" smtClean="0"/>
+              <a:t>Maximize Consistency</a:t>
+            </a:r>
+          </a:p>
+          <a:p>
+            <a:pPr marL="0" indent="0">
+              <a:buNone/>
+            </a:pPr>
+            <a:r>
+              <a:rPr lang="en-US" dirty="0" smtClean="0"/>
+              <a:t>Consider financial data</a:t>
             </a:r>
           </a:p>
           <a:p>
             <a:pPr lvl="1"/>
             <a:r>
               <a:rPr lang="en-US" dirty="0" smtClean="0"/>
-              <a:t>When </a:t>
-            </a:r>
-            <a:r>
-              <a:rPr lang="en-US" dirty="0"/>
-              <a:t>the focus is availability, both sides of a partition should still use atomic operations. </a:t>
-            </a:r>
-            <a:endParaRPr lang="en-US" dirty="0" smtClean="0"/>
+              <a:t>Error or inconsistency is not allowed</a:t>
+            </a:r>
           </a:p>
           <a:p>
             <a:pPr lvl="1"/>
             <a:r>
               <a:rPr lang="en-US" dirty="0" smtClean="0"/>
-              <a:t>Also simplify </a:t>
-            </a:r>
-            <a:r>
-              <a:rPr lang="en-US" dirty="0"/>
-              <a:t>recovery.</a:t>
-            </a:r>
-          </a:p>
-          <a:p>
-            <a:pPr marL="0" indent="0">
-              <a:buNone/>
-            </a:pPr>
-            <a:r>
-              <a:rPr lang="en-US" dirty="0" smtClean="0"/>
-              <a:t> </a:t>
-            </a:r>
-            <a:endParaRPr lang="en-US" b="1" dirty="0"/>
+              <a:t>Delays are minimized</a:t>
+            </a:r>
+          </a:p>
+          <a:p>
+            <a:pPr lvl="1"/>
+            <a:endParaRPr lang="en-US" dirty="0"/>
           </a:p>
         </p:txBody>
       </p:sp>
@@ -20398,7 +20311,7 @@
           <a:p>
             <a:fld id="{7053BEFA-1175-F644-B249-7D41D72BD3FF}" type="datetime1">
               <a:rPr lang="en-US" smtClean="0"/>
-              <a:t>6/12/16</a:t>
+              <a:t>1/6/17</a:t>
             </a:fld>
             <a:endParaRPr lang="en-US"/>
           </a:p>
@@ -20449,20 +20362,13 @@
     </p:spTree>
     <p:extLst>
       <p:ext uri="{BB962C8B-B14F-4D97-AF65-F5344CB8AC3E}">
-        <p14:creationId xmlns:p14="http://schemas.microsoft.com/office/powerpoint/2010/main" val="462214374"/>
+        <p14:creationId xmlns:p14="http://schemas.microsoft.com/office/powerpoint/2010/main" val="1141749950"/>
       </p:ext>
     </p:extLst>
   </p:cSld>
   <p:clrMapOvr>
     <a:masterClrMapping/>
   </p:clrMapOvr>
-  <p:timing>
-    <p:tnLst>
-      <p:par>
-        <p:cTn xmlns:p14="http://schemas.microsoft.com/office/powerpoint/2010/main" id="1" dur="indefinite" restart="never" nodeType="tmRoot"/>
-      </p:par>
-    </p:tnLst>
-  </p:timing>
 </p:sld>
 </file>
 
@@ -20493,19 +20399,14 @@
             <p:ph type="title"/>
           </p:nvPr>
         </p:nvSpPr>
-        <p:spPr>
-          <a:xfrm>
-            <a:off x="954132" y="310162"/>
-            <a:ext cx="7022834" cy="990107"/>
-          </a:xfrm>
-        </p:spPr>
-        <p:txBody>
-          <a:bodyPr/>
-          <a:lstStyle/>
-          <a:p>
-            <a:r>
-              <a:rPr lang="en-US" dirty="0" smtClean="0"/>
-              <a:t>Contrast: Typical Relational Database</a:t>
+        <p:spPr/>
+        <p:txBody>
+          <a:bodyPr/>
+          <a:lstStyle/>
+          <a:p>
+            <a:r>
+              <a:rPr lang="en-US" dirty="0" smtClean="0"/>
+              <a:t>Contrast: Typical (ACID) Relational Database</a:t>
             </a:r>
             <a:endParaRPr lang="en-US" dirty="0"/>
           </a:p>
@@ -20539,63 +20440,37 @@
             </a:r>
           </a:p>
           <a:p>
+            <a:pPr lvl="1"/>
+            <a:r>
+              <a:rPr lang="en-US" dirty="0" smtClean="0"/>
+              <a:t>When </a:t>
+            </a:r>
+            <a:r>
+              <a:rPr lang="en-US" dirty="0"/>
+              <a:t>the focus is availability, both sides of a partition should still use atomic operations. </a:t>
+            </a:r>
+            <a:endParaRPr lang="en-US" dirty="0" smtClean="0"/>
+          </a:p>
+          <a:p>
+            <a:pPr lvl="1"/>
+            <a:r>
+              <a:rPr lang="en-US" dirty="0" smtClean="0"/>
+              <a:t>Also simplify </a:t>
+            </a:r>
+            <a:r>
+              <a:rPr lang="en-US" dirty="0"/>
+              <a:t>recovery.</a:t>
+            </a:r>
+          </a:p>
+          <a:p>
             <a:pPr marL="0" indent="0">
               <a:buNone/>
             </a:pPr>
             <a:r>
-              <a:rPr lang="en-US" b="1" dirty="0" smtClean="0"/>
-              <a:t>C</a:t>
-            </a:r>
-            <a:r>
-              <a:rPr lang="en-US" dirty="0" smtClean="0"/>
-              <a:t>onsistency: Different in CAP</a:t>
-            </a:r>
-          </a:p>
-          <a:p>
-            <a:pPr lvl="1"/>
-            <a:r>
-              <a:rPr lang="en-US" dirty="0" smtClean="0"/>
-              <a:t>Relational:  </a:t>
-            </a:r>
-            <a:r>
-              <a:rPr lang="en-US" dirty="0"/>
-              <a:t>a transaction </a:t>
-            </a:r>
-            <a:r>
-              <a:rPr lang="en-US" dirty="0" smtClean="0"/>
-              <a:t>preserves </a:t>
-            </a:r>
-            <a:r>
-              <a:rPr lang="en-US" dirty="0"/>
-              <a:t>all the database rules, such as unique keys</a:t>
-            </a:r>
-            <a:r>
-              <a:rPr lang="en-US" dirty="0" smtClean="0"/>
-              <a:t>.</a:t>
-            </a:r>
-          </a:p>
-          <a:p>
-            <a:pPr lvl="1"/>
-            <a:r>
-              <a:rPr lang="en-US" dirty="0" smtClean="0"/>
-              <a:t>CAP: </a:t>
-            </a:r>
-            <a:r>
-              <a:rPr lang="en-US" dirty="0"/>
-              <a:t>single copy consistency, a strict subset of ACID </a:t>
-            </a:r>
-            <a:r>
-              <a:rPr lang="en-US" dirty="0" smtClean="0"/>
-              <a:t>consistency (otherwise cannot be maintained across partitions)</a:t>
-            </a:r>
-          </a:p>
-          <a:p>
-            <a:pPr lvl="1"/>
-            <a:r>
-              <a:rPr lang="en-US" dirty="0" smtClean="0"/>
-              <a:t>Partition recovery restores ACID consistency</a:t>
-            </a:r>
-            <a:endParaRPr lang="en-US" dirty="0"/>
+              <a:rPr lang="en-US" dirty="0" smtClean="0"/>
+              <a:t> </a:t>
+            </a:r>
+            <a:endParaRPr lang="en-US" b="1" dirty="0"/>
           </a:p>
         </p:txBody>
       </p:sp>
@@ -20616,7 +20491,7 @@
           <a:p>
             <a:fld id="{7053BEFA-1175-F644-B249-7D41D72BD3FF}" type="datetime1">
               <a:rPr lang="en-US" smtClean="0"/>
-              <a:t>6/12/16</a:t>
+              <a:t>1/6/17</a:t>
             </a:fld>
             <a:endParaRPr lang="en-US"/>
           </a:p>
@@ -20667,7 +20542,7 @@
     </p:spTree>
     <p:extLst>
       <p:ext uri="{BB962C8B-B14F-4D97-AF65-F5344CB8AC3E}">
-        <p14:creationId xmlns:p14="http://schemas.microsoft.com/office/powerpoint/2010/main" val="2167834537"/>
+        <p14:creationId xmlns:p14="http://schemas.microsoft.com/office/powerpoint/2010/main" val="462214374"/>
       </p:ext>
     </p:extLst>
   </p:cSld>
@@ -20677,7 +20552,7 @@
   <p:timing>
     <p:tnLst>
       <p:par>
-        <p:cTn xmlns:p14="http://schemas.microsoft.com/office/powerpoint/2010/main" id="1" dur="indefinite" restart="never" nodeType="tmRoot"/>
+        <p:cTn id="1" dur="indefinite" restart="never" nodeType="tmRoot"/>
       </p:par>
     </p:tnLst>
   </p:timing>
@@ -20714,7 +20589,7 @@
         <p:spPr>
           <a:xfrm>
             <a:off x="954132" y="310162"/>
-            <a:ext cx="7559401" cy="990107"/>
+            <a:ext cx="7022834" cy="990107"/>
           </a:xfrm>
         </p:spPr>
         <p:txBody>
@@ -20770,40 +20645,50 @@
             </a:r>
           </a:p>
           <a:p>
-            <a:pPr marL="0" indent="0">
-              <a:buNone/>
-            </a:pPr>
-            <a:r>
-              <a:rPr lang="en-US" b="1" dirty="0" smtClean="0"/>
-              <a:t>I</a:t>
-            </a:r>
-            <a:r>
-              <a:rPr lang="en-US" dirty="0" smtClean="0"/>
-              <a:t>solation: core of CAP theorem</a:t>
-            </a:r>
-          </a:p>
-          <a:p>
             <a:pPr lvl="1"/>
             <a:r>
               <a:rPr lang="en-US" dirty="0" smtClean="0"/>
-              <a:t>Reduces functionality during a partition because </a:t>
-            </a:r>
-            <a:r>
-              <a:rPr lang="en-US" dirty="0" err="1" smtClean="0"/>
-              <a:t>serializability</a:t>
-            </a:r>
-            <a:r>
-              <a:rPr lang="en-US" dirty="0" smtClean="0"/>
-              <a:t> requires communication. </a:t>
-            </a:r>
-            <a:endParaRPr lang="en-US" dirty="0"/>
+              <a:t>Relational:  </a:t>
+            </a:r>
+            <a:r>
+              <a:rPr lang="en-US" dirty="0"/>
+              <a:t>a transaction </a:t>
+            </a:r>
+            <a:r>
+              <a:rPr lang="en-US" dirty="0" smtClean="0"/>
+              <a:t>preserves </a:t>
+            </a:r>
+            <a:r>
+              <a:rPr lang="en-US" dirty="0"/>
+              <a:t>all the database rules, such as unique keys</a:t>
+            </a:r>
+            <a:r>
+              <a:rPr lang="en-US" dirty="0" smtClean="0"/>
+              <a:t>.</a:t>
+            </a:r>
           </a:p>
           <a:p>
             <a:pPr lvl="1"/>
             <a:r>
               <a:rPr lang="en-US" dirty="0" smtClean="0"/>
-              <a:t>instead CAP can weaken correctness and compensate during recovery</a:t>
-            </a:r>
+              <a:t>CAP: </a:t>
+            </a:r>
+            <a:r>
+              <a:rPr lang="en-US" dirty="0"/>
+              <a:t>single copy consistency, a strict subset of ACID </a:t>
+            </a:r>
+            <a:r>
+              <a:rPr lang="en-US" dirty="0" smtClean="0"/>
+              <a:t>consistency (otherwise cannot be maintained across partitions)</a:t>
+            </a:r>
+          </a:p>
+          <a:p>
+            <a:pPr lvl="1"/>
+            <a:r>
+              <a:rPr lang="en-US" dirty="0" smtClean="0"/>
+              <a:t>Partition recovery restores ACID consistency</a:t>
+            </a:r>
+            <a:endParaRPr lang="en-US" dirty="0"/>
           </a:p>
         </p:txBody>
       </p:sp>
@@ -20824,7 +20709,7 @@
           <a:p>
             <a:fld id="{7053BEFA-1175-F644-B249-7D41D72BD3FF}" type="datetime1">
               <a:rPr lang="en-US" smtClean="0"/>
-              <a:t>6/12/16</a:t>
+              <a:t>1/6/17</a:t>
             </a:fld>
             <a:endParaRPr lang="en-US"/>
           </a:p>
@@ -20875,7 +20760,7 @@
     </p:spTree>
     <p:extLst>
       <p:ext uri="{BB962C8B-B14F-4D97-AF65-F5344CB8AC3E}">
-        <p14:creationId xmlns:p14="http://schemas.microsoft.com/office/powerpoint/2010/main" val="2586427018"/>
+        <p14:creationId xmlns:p14="http://schemas.microsoft.com/office/powerpoint/2010/main" val="2167834537"/>
       </p:ext>
     </p:extLst>
   </p:cSld>
@@ -20885,7 +20770,7 @@
   <p:timing>
     <p:tnLst>
       <p:par>
-        <p:cTn xmlns:p14="http://schemas.microsoft.com/office/powerpoint/2010/main" id="1" dur="indefinite" restart="never" nodeType="tmRoot"/>
+        <p:cTn id="1" dur="indefinite" restart="never" nodeType="tmRoot"/>
       </p:par>
     </p:tnLst>
   </p:timing>
@@ -20922,7 +20807,7 @@
         <p:spPr>
           <a:xfrm>
             <a:off x="954132" y="310162"/>
-            <a:ext cx="7934999" cy="990107"/>
+            <a:ext cx="7559401" cy="990107"/>
           </a:xfrm>
         </p:spPr>
         <p:txBody>
@@ -20991,18 +20876,27 @@
             </a:r>
           </a:p>
           <a:p>
-            <a:pPr marL="0" indent="0">
-              <a:buNone/>
-            </a:pPr>
-            <a:r>
-              <a:rPr lang="en-US" b="1" dirty="0" smtClean="0"/>
-              <a:t>D</a:t>
-            </a:r>
-            <a:r>
-              <a:rPr lang="en-US" dirty="0" smtClean="0"/>
-              <a:t>urability: Good for CAP too (but can be expensive) </a:t>
-            </a:r>
-            <a:endParaRPr lang="en-US" b="1" dirty="0" smtClean="0"/>
+            <a:pPr lvl="1"/>
+            <a:r>
+              <a:rPr lang="en-US" dirty="0" smtClean="0"/>
+              <a:t>Reduces functionality during a partition because </a:t>
+            </a:r>
+            <a:r>
+              <a:rPr lang="en-US" dirty="0" err="1" smtClean="0"/>
+              <a:t>serializability</a:t>
+            </a:r>
+            <a:r>
+              <a:rPr lang="en-US" dirty="0" smtClean="0"/>
+              <a:t> requires communication. </a:t>
+            </a:r>
+            <a:endParaRPr lang="en-US" dirty="0"/>
+          </a:p>
+          <a:p>
+            <a:pPr lvl="1"/>
+            <a:r>
+              <a:rPr lang="en-US" dirty="0" smtClean="0"/>
+              <a:t>instead CAP can weaken correctness and compensate during recovery</a:t>
+            </a:r>
           </a:p>
         </p:txBody>
       </p:sp>
@@ -21023,7 +20917,7 @@
           <a:p>
             <a:fld id="{7053BEFA-1175-F644-B249-7D41D72BD3FF}" type="datetime1">
               <a:rPr lang="en-US" smtClean="0"/>
-              <a:t>6/12/16</a:t>
+              <a:t>1/6/17</a:t>
             </a:fld>
             <a:endParaRPr lang="en-US"/>
           </a:p>
@@ -21074,7 +20968,7 @@
     </p:spTree>
     <p:extLst>
       <p:ext uri="{BB962C8B-B14F-4D97-AF65-F5344CB8AC3E}">
-        <p14:creationId xmlns:p14="http://schemas.microsoft.com/office/powerpoint/2010/main" val="2511799357"/>
+        <p14:creationId xmlns:p14="http://schemas.microsoft.com/office/powerpoint/2010/main" val="2586427018"/>
       </p:ext>
     </p:extLst>
   </p:cSld>
@@ -21084,7 +20978,7 @@
   <p:timing>
     <p:tnLst>
       <p:par>
-        <p:cTn xmlns:p14="http://schemas.microsoft.com/office/powerpoint/2010/main" id="1" dur="indefinite" restart="never" nodeType="tmRoot"/>
+        <p:cTn id="1" dur="indefinite" restart="never" nodeType="tmRoot"/>
       </p:par>
     </p:tnLst>
   </p:timing>
@@ -21118,14 +21012,19 @@
             <p:ph type="title"/>
           </p:nvPr>
         </p:nvSpPr>
-        <p:spPr/>
-        <p:txBody>
-          <a:bodyPr/>
-          <a:lstStyle/>
-          <a:p>
-            <a:r>
-              <a:rPr lang="en-US" dirty="0" smtClean="0"/>
-              <a:t>Real Implications of CAP</a:t>
+        <p:spPr>
+          <a:xfrm>
+            <a:off x="954132" y="310162"/>
+            <a:ext cx="7934999" cy="990107"/>
+          </a:xfrm>
+        </p:spPr>
+        <p:txBody>
+          <a:bodyPr/>
+          <a:lstStyle/>
+          <a:p>
+            <a:r>
+              <a:rPr lang="en-US" dirty="0" smtClean="0"/>
+              <a:t>Contrast: Typical Relational Database</a:t>
             </a:r>
             <a:endParaRPr lang="en-US" dirty="0"/>
           </a:p>
@@ -21147,103 +21046,56 @@
           <a:lstStyle/>
           <a:p>
             <a:pPr marL="0" indent="0">
-              <a:spcAft>
-                <a:spcPts val="0"/>
-              </a:spcAft>
-              <a:buClrTx/>
-              <a:buNone/>
-              <a:defRPr/>
+              <a:buNone/>
             </a:pPr>
             <a:r>
-              <a:rPr lang="en-US" dirty="0" smtClean="0"/>
-              <a:t>Always support Partition Tolerance (but know they are rare)</a:t>
+              <a:rPr lang="en-US" b="1" dirty="0" smtClean="0"/>
+              <a:t>A</a:t>
+            </a:r>
+            <a:r>
+              <a:rPr lang="en-US" dirty="0" smtClean="0"/>
+              <a:t>tomicity: Good for CAP too. </a:t>
             </a:r>
           </a:p>
           <a:p>
             <a:pPr marL="0" indent="0">
-              <a:spcAft>
-                <a:spcPts val="0"/>
-              </a:spcAft>
-              <a:buClrTx/>
-              <a:buNone/>
-              <a:defRPr/>
+              <a:buNone/>
             </a:pPr>
             <a:r>
-              <a:rPr lang="en-US" dirty="0" smtClean="0"/>
-              <a:t>Run ACID </a:t>
-            </a:r>
-            <a:r>
-              <a:rPr lang="en-US" dirty="0"/>
-              <a:t>transactions on each side of a partition </a:t>
-            </a:r>
-            <a:endParaRPr lang="en-US" dirty="0" smtClean="0"/>
-          </a:p>
-          <a:p>
-            <a:pPr lvl="1">
-              <a:spcAft>
-                <a:spcPts val="0"/>
-              </a:spcAft>
-              <a:buClrTx/>
-              <a:defRPr/>
+              <a:rPr lang="en-US" b="1" dirty="0" smtClean="0"/>
+              <a:t>C</a:t>
+            </a:r>
+            <a:r>
+              <a:rPr lang="en-US" dirty="0" smtClean="0"/>
+              <a:t>onsistency: Different in CAP</a:t>
+            </a:r>
+          </a:p>
+          <a:p>
+            <a:pPr marL="0" indent="0">
+              <a:buNone/>
             </a:pPr>
             <a:r>
-              <a:rPr lang="en-US" dirty="0" smtClean="0"/>
-              <a:t>makes </a:t>
-            </a:r>
-            <a:r>
-              <a:rPr lang="en-US" dirty="0"/>
-              <a:t>recovery </a:t>
-            </a:r>
-            <a:r>
-              <a:rPr lang="en-US" dirty="0" smtClean="0"/>
-              <a:t>easier</a:t>
-            </a:r>
-          </a:p>
-          <a:p>
-            <a:pPr lvl="1">
-              <a:spcAft>
-                <a:spcPts val="0"/>
-              </a:spcAft>
-              <a:buClrTx/>
-              <a:defRPr/>
+              <a:rPr lang="en-US" b="1" dirty="0" smtClean="0"/>
+              <a:t>I</a:t>
+            </a:r>
+            <a:r>
+              <a:rPr lang="en-US" dirty="0" smtClean="0"/>
+              <a:t>solation: core of CAP theorem</a:t>
+            </a:r>
+          </a:p>
+          <a:p>
+            <a:pPr marL="0" indent="0">
+              <a:buNone/>
             </a:pPr>
             <a:r>
-              <a:rPr lang="en-US" dirty="0" smtClean="0"/>
-              <a:t>enables </a:t>
-            </a:r>
-            <a:r>
-              <a:rPr lang="en-US" dirty="0"/>
-              <a:t>a framework for compensating transactions that can be used for recovery from a partition.</a:t>
-            </a:r>
-          </a:p>
-          <a:p>
-            <a:pPr marL="0" indent="0">
-              <a:spcAft>
-                <a:spcPts val="0"/>
-              </a:spcAft>
-              <a:buClrTx/>
-              <a:buNone/>
-              <a:defRPr/>
-            </a:pPr>
-            <a:r>
-              <a:rPr lang="en-US" dirty="0" smtClean="0"/>
-              <a:t>Support BASE (Basically </a:t>
-            </a:r>
-            <a:r>
-              <a:rPr lang="en-US" dirty="0"/>
-              <a:t>Available, Soft state, Eventually </a:t>
-            </a:r>
-            <a:r>
-              <a:rPr lang="en-US" dirty="0" smtClean="0"/>
-              <a:t>consistent) during partitions</a:t>
-            </a:r>
-            <a:endParaRPr lang="en-US" dirty="0"/>
-          </a:p>
-          <a:p>
-            <a:endParaRPr lang="en-US" dirty="0"/>
-          </a:p>
-          <a:p>
-            <a:endParaRPr lang="en-US" dirty="0"/>
+              <a:rPr lang="en-US" b="1" dirty="0" smtClean="0"/>
+              <a:t>D</a:t>
+            </a:r>
+            <a:r>
+              <a:rPr lang="en-US" dirty="0" smtClean="0"/>
+              <a:t>urability: Good for CAP too (but can be expensive) </a:t>
+            </a:r>
+            <a:endParaRPr lang="en-US" b="1" dirty="0" smtClean="0"/>
           </a:p>
         </p:txBody>
       </p:sp>
@@ -21264,7 +21116,7 @@
           <a:p>
             <a:fld id="{7053BEFA-1175-F644-B249-7D41D72BD3FF}" type="datetime1">
               <a:rPr lang="en-US" smtClean="0"/>
-              <a:t>6/12/16</a:t>
+              <a:t>1/6/17</a:t>
             </a:fld>
             <a:endParaRPr lang="en-US"/>
           </a:p>
@@ -21315,7 +21167,7 @@
     </p:spTree>
     <p:extLst>
       <p:ext uri="{BB962C8B-B14F-4D97-AF65-F5344CB8AC3E}">
-        <p14:creationId xmlns:p14="http://schemas.microsoft.com/office/powerpoint/2010/main" val="656324339"/>
+        <p14:creationId xmlns:p14="http://schemas.microsoft.com/office/powerpoint/2010/main" val="2511799357"/>
       </p:ext>
     </p:extLst>
   </p:cSld>
@@ -21325,7 +21177,7 @@
   <p:timing>
     <p:tnLst>
       <p:par>
-        <p:cTn xmlns:p14="http://schemas.microsoft.com/office/powerpoint/2010/main" id="1" dur="indefinite" restart="never" nodeType="tmRoot"/>
+        <p:cTn id="1" dur="indefinite" restart="never" nodeType="tmRoot"/>
       </p:par>
     </p:tnLst>
   </p:timing>
@@ -21366,7 +21218,7 @@
           <a:p>
             <a:r>
               <a:rPr lang="en-US" dirty="0" smtClean="0"/>
-              <a:t>Issues in cleaning</a:t>
+              <a:t>Real Implications of CAP</a:t>
             </a:r>
             <a:endParaRPr lang="en-US" dirty="0"/>
           </a:p>
@@ -21388,21 +21240,103 @@
           <a:lstStyle/>
           <a:p>
             <a:pPr marL="0" indent="0">
-              <a:buNone/>
+              <a:spcAft>
+                <a:spcPts val="0"/>
+              </a:spcAft>
+              <a:buClrTx/>
+              <a:buNone/>
+              <a:defRPr/>
             </a:pPr>
             <a:r>
               <a:rPr lang="en-US" dirty="0" smtClean="0"/>
-              <a:t>Very hard to track who did what</a:t>
+              <a:t>Always support Partition Tolerance (but know they are rare)</a:t>
             </a:r>
           </a:p>
           <a:p>
             <a:pPr marL="0" indent="0">
-              <a:buNone/>
+              <a:spcAft>
+                <a:spcPts val="0"/>
+              </a:spcAft>
+              <a:buClrTx/>
+              <a:buNone/>
+              <a:defRPr/>
             </a:pPr>
             <a:r>
               <a:rPr lang="en-US" dirty="0" smtClean="0"/>
-              <a:t>Hard to unroll changes – better to add columns than modify them</a:t>
-            </a:r>
+              <a:t>Run ACID </a:t>
+            </a:r>
+            <a:r>
+              <a:rPr lang="en-US" dirty="0"/>
+              <a:t>transactions on each side of a partition </a:t>
+            </a:r>
+            <a:endParaRPr lang="en-US" dirty="0" smtClean="0"/>
+          </a:p>
+          <a:p>
+            <a:pPr lvl="1">
+              <a:spcAft>
+                <a:spcPts val="0"/>
+              </a:spcAft>
+              <a:buClrTx/>
+              <a:defRPr/>
+            </a:pPr>
+            <a:r>
+              <a:rPr lang="en-US" dirty="0" smtClean="0"/>
+              <a:t>makes </a:t>
+            </a:r>
+            <a:r>
+              <a:rPr lang="en-US" dirty="0"/>
+              <a:t>recovery </a:t>
+            </a:r>
+            <a:r>
+              <a:rPr lang="en-US" dirty="0" smtClean="0"/>
+              <a:t>easier</a:t>
+            </a:r>
+          </a:p>
+          <a:p>
+            <a:pPr lvl="1">
+              <a:spcAft>
+                <a:spcPts val="0"/>
+              </a:spcAft>
+              <a:buClrTx/>
+              <a:defRPr/>
+            </a:pPr>
+            <a:r>
+              <a:rPr lang="en-US" dirty="0" smtClean="0"/>
+              <a:t>enables </a:t>
+            </a:r>
+            <a:r>
+              <a:rPr lang="en-US" dirty="0"/>
+              <a:t>a framework for compensating transactions that can be used for recovery from a partition.</a:t>
+            </a:r>
+          </a:p>
+          <a:p>
+            <a:pPr marL="0" indent="0">
+              <a:spcAft>
+                <a:spcPts val="0"/>
+              </a:spcAft>
+              <a:buClrTx/>
+              <a:buNone/>
+              <a:defRPr/>
+            </a:pPr>
+            <a:r>
+              <a:rPr lang="en-US" dirty="0" smtClean="0"/>
+              <a:t>Support BASE (Basically </a:t>
+            </a:r>
+            <a:r>
+              <a:rPr lang="en-US" dirty="0"/>
+              <a:t>Available, Soft state, Eventually </a:t>
+            </a:r>
+            <a:r>
+              <a:rPr lang="en-US" dirty="0" smtClean="0"/>
+              <a:t>consistent) during partitions</a:t>
+            </a:r>
+            <a:endParaRPr lang="en-US" dirty="0"/>
+          </a:p>
+          <a:p>
+            <a:endParaRPr lang="en-US" dirty="0"/>
+          </a:p>
+          <a:p>
+            <a:endParaRPr lang="en-US" dirty="0"/>
           </a:p>
         </p:txBody>
       </p:sp>
@@ -21423,7 +21357,7 @@
           <a:p>
             <a:fld id="{7053BEFA-1175-F644-B249-7D41D72BD3FF}" type="datetime1">
               <a:rPr lang="en-US" smtClean="0"/>
-              <a:t>6/10/16</a:t>
+              <a:t>1/6/17</a:t>
             </a:fld>
             <a:endParaRPr lang="en-US"/>
           </a:p>
@@ -21474,13 +21408,20 @@
     </p:spTree>
     <p:extLst>
       <p:ext uri="{BB962C8B-B14F-4D97-AF65-F5344CB8AC3E}">
-        <p14:creationId xmlns:p14="http://schemas.microsoft.com/office/powerpoint/2010/main" val="2476595019"/>
+        <p14:creationId xmlns:p14="http://schemas.microsoft.com/office/powerpoint/2010/main" val="656324339"/>
       </p:ext>
     </p:extLst>
   </p:cSld>
   <p:clrMapOvr>
     <a:masterClrMapping/>
   </p:clrMapOvr>
+  <p:timing>
+    <p:tnLst>
+      <p:par>
+        <p:cTn id="1" dur="indefinite" restart="never" nodeType="tmRoot"/>
+      </p:par>
+    </p:tnLst>
+  </p:timing>
 </p:sld>
 </file>
 
@@ -21518,7 +21459,7 @@
           <a:p>
             <a:r>
               <a:rPr lang="en-US" dirty="0" smtClean="0"/>
-              <a:t>Machine Learning in Parallel</a:t>
+              <a:t>Issues in cleaning</a:t>
             </a:r>
             <a:endParaRPr lang="en-US" dirty="0"/>
           </a:p>
@@ -21534,12 +21475,7 @@
             <p:ph idx="1"/>
           </p:nvPr>
         </p:nvSpPr>
-        <p:spPr>
-          <a:xfrm>
-            <a:off x="1128943" y="1659017"/>
-            <a:ext cx="7048804" cy="4379976"/>
-          </a:xfrm>
-        </p:spPr>
+        <p:spPr/>
         <p:txBody>
           <a:bodyPr/>
           <a:lstStyle/>
@@ -21549,90 +21485,17 @@
             </a:pPr>
             <a:r>
               <a:rPr lang="en-US" dirty="0" smtClean="0"/>
-              <a:t>Distributed machine learning</a:t>
-            </a:r>
-          </a:p>
-          <a:p>
-            <a:r>
-              <a:rPr lang="en-US" b="1" dirty="0" smtClean="0"/>
-              <a:t>Mahout</a:t>
-            </a:r>
-            <a:r>
-              <a:rPr lang="en-US" dirty="0" smtClean="0"/>
-              <a:t> [uses </a:t>
-            </a:r>
-            <a:r>
-              <a:rPr lang="en-US" dirty="0" err="1" smtClean="0"/>
-              <a:t>Hadoop</a:t>
-            </a:r>
-            <a:r>
-              <a:rPr lang="en-US" dirty="0" smtClean="0"/>
-              <a:t>]</a:t>
-            </a:r>
-            <a:r>
-              <a:rPr lang="en-US" dirty="0"/>
-              <a:t>: supports clustering, </a:t>
-            </a:r>
-            <a:r>
-              <a:rPr lang="en-US" dirty="0" smtClean="0"/>
-              <a:t>classification </a:t>
-            </a:r>
-            <a:r>
-              <a:rPr lang="en-US" dirty="0"/>
-              <a:t>and collaborative filtering </a:t>
-            </a:r>
-            <a:endParaRPr lang="en-US" dirty="0" smtClean="0"/>
-          </a:p>
-          <a:p>
-            <a:r>
-              <a:rPr lang="en-US" b="1" dirty="0" err="1" smtClean="0"/>
-              <a:t>MLBase</a:t>
-            </a:r>
-            <a:r>
-              <a:rPr lang="en-US" dirty="0" smtClean="0"/>
-              <a:t>: In-memory solution that chunks data and incrementally adds it to the training. </a:t>
-            </a:r>
-          </a:p>
-          <a:p>
-            <a:r>
-              <a:rPr lang="en-US" b="1" dirty="0" smtClean="0"/>
-              <a:t>Python + </a:t>
-            </a:r>
-            <a:r>
-              <a:rPr lang="en-US" b="1" dirty="0" err="1" smtClean="0"/>
-              <a:t>NumPy</a:t>
-            </a:r>
-            <a:r>
-              <a:rPr lang="en-US" dirty="0" smtClean="0"/>
-              <a:t> [in memory] + </a:t>
-            </a:r>
-            <a:r>
-              <a:rPr lang="en-US" b="1" dirty="0" err="1" smtClean="0"/>
-              <a:t>SciPy</a:t>
-            </a:r>
-            <a:r>
-              <a:rPr lang="en-US" dirty="0" smtClean="0"/>
-              <a:t> [in memory] + </a:t>
-            </a:r>
-            <a:r>
-              <a:rPr lang="en-US" b="1" dirty="0" smtClean="0"/>
-              <a:t>Pandas</a:t>
-            </a:r>
-            <a:r>
-              <a:rPr lang="en-US" dirty="0" smtClean="0"/>
-              <a:t> [support many things]</a:t>
-            </a:r>
-          </a:p>
-          <a:p>
-            <a:r>
-              <a:rPr lang="en-US" b="1" dirty="0" err="1" smtClean="0"/>
-              <a:t>iPython</a:t>
-            </a:r>
-            <a:r>
-              <a:rPr lang="en-US" dirty="0" smtClean="0"/>
-              <a:t> in parallel</a:t>
-            </a:r>
-            <a:endParaRPr lang="en-US" dirty="0"/>
+              <a:t>Very hard to track who did what</a:t>
+            </a:r>
+          </a:p>
+          <a:p>
+            <a:pPr marL="0" indent="0">
+              <a:buNone/>
+            </a:pPr>
+            <a:r>
+              <a:rPr lang="en-US" dirty="0" smtClean="0"/>
+              <a:t>Hard to unroll changes – better to add columns than modify them</a:t>
+            </a:r>
           </a:p>
         </p:txBody>
       </p:sp>
@@ -21653,7 +21516,7 @@
           <a:p>
             <a:fld id="{7053BEFA-1175-F644-B249-7D41D72BD3FF}" type="datetime1">
               <a:rPr lang="en-US" smtClean="0"/>
-              <a:t>6/10/16</a:t>
+              <a:t>1/6/17</a:t>
             </a:fld>
             <a:endParaRPr lang="en-US"/>
           </a:p>
@@ -21704,20 +21567,13 @@
     </p:spTree>
     <p:extLst>
       <p:ext uri="{BB962C8B-B14F-4D97-AF65-F5344CB8AC3E}">
-        <p14:creationId xmlns:p14="http://schemas.microsoft.com/office/powerpoint/2010/main" val="3828212094"/>
+        <p14:creationId xmlns:p14="http://schemas.microsoft.com/office/powerpoint/2010/main" val="2476595019"/>
       </p:ext>
     </p:extLst>
   </p:cSld>
   <p:clrMapOvr>
     <a:masterClrMapping/>
   </p:clrMapOvr>
-  <p:timing>
-    <p:tnLst>
-      <p:par>
-        <p:cTn xmlns:p14="http://schemas.microsoft.com/office/powerpoint/2010/main" id="1" dur="indefinite" restart="never" nodeType="tmRoot"/>
-      </p:par>
-    </p:tnLst>
-  </p:timing>
 </p:sld>
 </file>
 
@@ -21789,7 +21645,7 @@
               <a:buNone/>
             </a:pPr>
             <a:r>
-              <a:rPr lang="en-US" dirty="0"/>
+              <a:rPr lang="en-US" b="1" dirty="0"/>
               <a:t>Talk about Byte 3</a:t>
             </a:r>
           </a:p>
@@ -21798,10 +21654,10 @@
               <a:buNone/>
             </a:pPr>
             <a:r>
-              <a:rPr lang="en-US" b="1" dirty="0" smtClean="0"/>
-              <a:t>Quiz 3</a:t>
-            </a:r>
-            <a:endParaRPr lang="en-US" b="1" dirty="0"/>
+              <a:rPr lang="en-US" dirty="0" smtClean="0"/>
+              <a:t>Quiz</a:t>
+            </a:r>
+            <a:endParaRPr lang="en-US" dirty="0"/>
           </a:p>
           <a:p>
             <a:pPr marL="0" indent="0">
@@ -21831,7 +21687,7 @@
           <a:p>
             <a:fld id="{7053BEFA-1175-F644-B249-7D41D72BD3FF}" type="datetime1">
               <a:rPr lang="en-US" smtClean="0"/>
-              <a:t>6/10/16</a:t>
+              <a:t>1/6/17</a:t>
             </a:fld>
             <a:endParaRPr lang="en-US"/>
           </a:p>
@@ -21882,7 +21738,7 @@
     </p:spTree>
     <p:extLst>
       <p:ext uri="{BB962C8B-B14F-4D97-AF65-F5344CB8AC3E}">
-        <p14:creationId xmlns:p14="http://schemas.microsoft.com/office/powerpoint/2010/main" val="4228893118"/>
+        <p14:creationId xmlns:p14="http://schemas.microsoft.com/office/powerpoint/2010/main" val="1490440753"/>
       </p:ext>
     </p:extLst>
   </p:cSld>
@@ -21892,7 +21748,7 @@
   <p:timing>
     <p:tnLst>
       <p:par>
-        <p:cTn xmlns:p14="http://schemas.microsoft.com/office/powerpoint/2010/main" id="1" dur="indefinite" restart="never" nodeType="tmRoot"/>
+        <p:cTn id="1" dur="indefinite" restart="never" nodeType="tmRoot"/>
       </p:par>
     </p:tnLst>
   </p:timing>
@@ -21933,7 +21789,7 @@
           <a:p>
             <a:r>
               <a:rPr lang="en-US" dirty="0" smtClean="0"/>
-              <a:t>Goals for today</a:t>
+              <a:t>Machine Learning in Parallel</a:t>
             </a:r>
             <a:endParaRPr lang="en-US" dirty="0"/>
           </a:p>
@@ -21949,7 +21805,12 @@
             <p:ph idx="1"/>
           </p:nvPr>
         </p:nvSpPr>
-        <p:spPr/>
+        <p:spPr>
+          <a:xfrm>
+            <a:off x="1128943" y="1659017"/>
+            <a:ext cx="7048804" cy="4379976"/>
+          </a:xfrm>
+        </p:spPr>
         <p:txBody>
           <a:bodyPr/>
           <a:lstStyle/>
@@ -21959,36 +21820,90 @@
             </a:pPr>
             <a:r>
               <a:rPr lang="en-US" dirty="0" smtClean="0"/>
-              <a:t>Discuss human issues in Big Data</a:t>
-            </a:r>
-          </a:p>
-          <a:p>
-            <a:pPr marL="0" indent="0">
-              <a:buNone/>
-            </a:pPr>
+              <a:t>Distributed machine learning</a:t>
+            </a:r>
+          </a:p>
+          <a:p>
+            <a:r>
+              <a:rPr lang="en-US" b="1" dirty="0" smtClean="0"/>
+              <a:t>Mahout</a:t>
+            </a:r>
+            <a:r>
+              <a:rPr lang="en-US" dirty="0" smtClean="0"/>
+              <a:t> [uses </a:t>
+            </a:r>
+            <a:r>
+              <a:rPr lang="en-US" dirty="0" err="1" smtClean="0"/>
+              <a:t>Hadoop</a:t>
+            </a:r>
+            <a:r>
+              <a:rPr lang="en-US" dirty="0" smtClean="0"/>
+              <a:t>]</a:t>
+            </a:r>
             <a:r>
               <a:rPr lang="en-US" dirty="0"/>
-              <a:t>Talk about Byte 3</a:t>
-            </a:r>
-          </a:p>
-          <a:p>
-            <a:pPr marL="0" indent="0">
-              <a:buNone/>
-            </a:pPr>
-            <a:r>
-              <a:rPr lang="en-US" dirty="0" smtClean="0"/>
-              <a:t>Quiz</a:t>
-            </a:r>
-            <a:endParaRPr lang="en-US" dirty="0"/>
-          </a:p>
-          <a:p>
-            <a:pPr marL="0" indent="0">
-              <a:buNone/>
-            </a:pPr>
-            <a:r>
-              <a:rPr lang="en-US" dirty="0" smtClean="0"/>
-              <a:t>Discuss infrastructure issues for Big Data</a:t>
-            </a:r>
+              <a:t>: supports clustering, </a:t>
+            </a:r>
+            <a:r>
+              <a:rPr lang="en-US" dirty="0" smtClean="0"/>
+              <a:t>classification </a:t>
+            </a:r>
+            <a:r>
+              <a:rPr lang="en-US" dirty="0"/>
+              <a:t>and collaborative filtering </a:t>
+            </a:r>
+            <a:endParaRPr lang="en-US" dirty="0" smtClean="0"/>
+          </a:p>
+          <a:p>
+            <a:r>
+              <a:rPr lang="en-US" b="1" dirty="0" err="1" smtClean="0"/>
+              <a:t>MLBase</a:t>
+            </a:r>
+            <a:r>
+              <a:rPr lang="en-US" dirty="0" smtClean="0"/>
+              <a:t>: In-memory solution that chunks data and incrementally adds it to the training. </a:t>
+            </a:r>
+          </a:p>
+          <a:p>
+            <a:r>
+              <a:rPr lang="en-US" b="1" dirty="0" smtClean="0"/>
+              <a:t>Python + </a:t>
+            </a:r>
+            <a:r>
+              <a:rPr lang="en-US" b="1" dirty="0" err="1" smtClean="0"/>
+              <a:t>NumPy</a:t>
+            </a:r>
+            <a:r>
+              <a:rPr lang="en-US" dirty="0" smtClean="0"/>
+              <a:t> [in memory] + </a:t>
+            </a:r>
+            <a:r>
+              <a:rPr lang="en-US" b="1" dirty="0" err="1" smtClean="0"/>
+              <a:t>SciPy</a:t>
+            </a:r>
+            <a:r>
+              <a:rPr lang="en-US" dirty="0" smtClean="0"/>
+              <a:t> [in memory] + </a:t>
+            </a:r>
+            <a:r>
+              <a:rPr lang="en-US" b="1" dirty="0" smtClean="0"/>
+              <a:t>Pandas</a:t>
+            </a:r>
+            <a:r>
+              <a:rPr lang="en-US" dirty="0" smtClean="0"/>
+              <a:t> [support many things]</a:t>
+            </a:r>
+          </a:p>
+          <a:p>
+            <a:r>
+              <a:rPr lang="en-US" b="1" dirty="0" err="1" smtClean="0"/>
+              <a:t>iPython</a:t>
+            </a:r>
+            <a:r>
+              <a:rPr lang="en-US" dirty="0" smtClean="0"/>
+              <a:t> in parallel</a:t>
+            </a:r>
+            <a:endParaRPr lang="en-US" dirty="0"/>
           </a:p>
         </p:txBody>
       </p:sp>
@@ -22009,7 +21924,7 @@
           <a:p>
             <a:fld id="{7053BEFA-1175-F644-B249-7D41D72BD3FF}" type="datetime1">
               <a:rPr lang="en-US" smtClean="0"/>
-              <a:t>6/10/16</a:t>
+              <a:t>1/6/17</a:t>
             </a:fld>
             <a:endParaRPr lang="en-US"/>
           </a:p>
@@ -22052,6 +21967,184 @@
             <a:fld id="{17E276FA-8F89-B34D-A726-BE3FA1F8DD97}" type="slidenum">
               <a:rPr lang="en-US" smtClean="0"/>
               <a:t>60</a:t>
+            </a:fld>
+            <a:endParaRPr lang="en-US" dirty="0"/>
+          </a:p>
+        </p:txBody>
+      </p:sp>
+    </p:spTree>
+    <p:extLst>
+      <p:ext uri="{BB962C8B-B14F-4D97-AF65-F5344CB8AC3E}">
+        <p14:creationId xmlns:p14="http://schemas.microsoft.com/office/powerpoint/2010/main" val="3828212094"/>
+      </p:ext>
+    </p:extLst>
+  </p:cSld>
+  <p:clrMapOvr>
+    <a:masterClrMapping/>
+  </p:clrMapOvr>
+  <p:timing>
+    <p:tnLst>
+      <p:par>
+        <p:cTn id="1" dur="indefinite" restart="never" nodeType="tmRoot"/>
+      </p:par>
+    </p:tnLst>
+  </p:timing>
+</p:sld>
+</file>
+
+<file path=ppt/slides/slide61.xml><?xml version="1.0" encoding="utf-8"?>
+<p:sld xmlns:a="http://schemas.openxmlformats.org/drawingml/2006/main" xmlns:r="http://schemas.openxmlformats.org/officeDocument/2006/relationships" xmlns:p="http://schemas.openxmlformats.org/presentationml/2006/main">
+  <p:cSld>
+    <p:spTree>
+      <p:nvGrpSpPr>
+        <p:cNvPr id="1" name=""/>
+        <p:cNvGrpSpPr/>
+        <p:nvPr/>
+      </p:nvGrpSpPr>
+      <p:grpSpPr>
+        <a:xfrm>
+          <a:off x="0" y="0"/>
+          <a:ext cx="0" cy="0"/>
+          <a:chOff x="0" y="0"/>
+          <a:chExt cx="0" cy="0"/>
+        </a:xfrm>
+      </p:grpSpPr>
+      <p:sp>
+        <p:nvSpPr>
+          <p:cNvPr id="2" name="Title 1"/>
+          <p:cNvSpPr>
+            <a:spLocks noGrp="1"/>
+          </p:cNvSpPr>
+          <p:nvPr>
+            <p:ph type="title"/>
+          </p:nvPr>
+        </p:nvSpPr>
+        <p:spPr/>
+        <p:txBody>
+          <a:bodyPr/>
+          <a:lstStyle/>
+          <a:p>
+            <a:r>
+              <a:rPr lang="en-US" dirty="0" smtClean="0"/>
+              <a:t>Goals for today</a:t>
+            </a:r>
+            <a:endParaRPr lang="en-US" dirty="0"/>
+          </a:p>
+        </p:txBody>
+      </p:sp>
+      <p:sp>
+        <p:nvSpPr>
+          <p:cNvPr id="3" name="Content Placeholder 2"/>
+          <p:cNvSpPr>
+            <a:spLocks noGrp="1"/>
+          </p:cNvSpPr>
+          <p:nvPr>
+            <p:ph idx="1"/>
+          </p:nvPr>
+        </p:nvSpPr>
+        <p:spPr/>
+        <p:txBody>
+          <a:bodyPr/>
+          <a:lstStyle/>
+          <a:p>
+            <a:pPr marL="0" indent="0">
+              <a:buNone/>
+            </a:pPr>
+            <a:r>
+              <a:rPr lang="en-US" dirty="0" smtClean="0"/>
+              <a:t>Discuss human issues in Big Data</a:t>
+            </a:r>
+          </a:p>
+          <a:p>
+            <a:pPr marL="0" indent="0">
+              <a:buNone/>
+            </a:pPr>
+            <a:r>
+              <a:rPr lang="en-US" dirty="0"/>
+              <a:t>Talk about Byte 3</a:t>
+            </a:r>
+          </a:p>
+          <a:p>
+            <a:pPr marL="0" indent="0">
+              <a:buNone/>
+            </a:pPr>
+            <a:r>
+              <a:rPr lang="en-US" dirty="0" smtClean="0"/>
+              <a:t>Quiz</a:t>
+            </a:r>
+            <a:endParaRPr lang="en-US" dirty="0"/>
+          </a:p>
+          <a:p>
+            <a:pPr marL="0" indent="0">
+              <a:buNone/>
+            </a:pPr>
+            <a:r>
+              <a:rPr lang="en-US" dirty="0" smtClean="0"/>
+              <a:t>Discuss infrastructure issues for Big Data</a:t>
+            </a:r>
+          </a:p>
+        </p:txBody>
+      </p:sp>
+      <p:sp>
+        <p:nvSpPr>
+          <p:cNvPr id="4" name="Date Placeholder 3"/>
+          <p:cNvSpPr>
+            <a:spLocks noGrp="1"/>
+          </p:cNvSpPr>
+          <p:nvPr>
+            <p:ph type="dt" sz="half" idx="10"/>
+          </p:nvPr>
+        </p:nvSpPr>
+        <p:spPr/>
+        <p:txBody>
+          <a:bodyPr/>
+          <a:lstStyle/>
+          <a:p>
+            <a:fld id="{7053BEFA-1175-F644-B249-7D41D72BD3FF}" type="datetime1">
+              <a:rPr lang="en-US" smtClean="0"/>
+              <a:t>1/6/17</a:t>
+            </a:fld>
+            <a:endParaRPr lang="en-US"/>
+          </a:p>
+        </p:txBody>
+      </p:sp>
+      <p:sp>
+        <p:nvSpPr>
+          <p:cNvPr id="5" name="Footer Placeholder 4"/>
+          <p:cNvSpPr>
+            <a:spLocks noGrp="1"/>
+          </p:cNvSpPr>
+          <p:nvPr>
+            <p:ph type="ftr" sz="quarter" idx="11"/>
+          </p:nvPr>
+        </p:nvSpPr>
+        <p:spPr/>
+        <p:txBody>
+          <a:bodyPr/>
+          <a:lstStyle/>
+          <a:p>
+            <a:endParaRPr lang="en-US" dirty="0"/>
+          </a:p>
+        </p:txBody>
+      </p:sp>
+      <p:sp>
+        <p:nvSpPr>
+          <p:cNvPr id="6" name="Slide Number Placeholder 5"/>
+          <p:cNvSpPr>
+            <a:spLocks noGrp="1"/>
+          </p:cNvSpPr>
+          <p:nvPr>
+            <p:ph type="sldNum" sz="quarter" idx="12"/>
+          </p:nvPr>
+        </p:nvSpPr>
+        <p:spPr/>
+        <p:txBody>
+          <a:bodyPr/>
+          <a:lstStyle/>
+          <a:p>
+            <a:fld id="{17E276FA-8F89-B34D-A726-BE3FA1F8DD97}" type="slidenum">
+              <a:rPr lang="en-US" smtClean="0"/>
+              <a:t>61</a:t>
             </a:fld>
             <a:endParaRPr lang="en-US" dirty="0"/>
           </a:p>
@@ -22070,7 +22163,7 @@
   <p:timing>
     <p:tnLst>
       <p:par>
-        <p:cTn xmlns:p14="http://schemas.microsoft.com/office/powerpoint/2010/main" id="1" dur="indefinite" restart="never" nodeType="tmRoot"/>
+        <p:cTn id="1" dur="indefinite" restart="never" nodeType="tmRoot"/>
       </p:par>
     </p:tnLst>
   </p:timing>
@@ -22154,17 +22247,17 @@
               <a:buNone/>
             </a:pPr>
             <a:r>
-              <a:rPr lang="en-US" dirty="0" smtClean="0"/>
-              <a:t>Quiz</a:t>
-            </a:r>
-            <a:endParaRPr lang="en-US" dirty="0"/>
+              <a:rPr lang="en-US" b="1" dirty="0" smtClean="0"/>
+              <a:t>Quiz 3</a:t>
+            </a:r>
+            <a:endParaRPr lang="en-US" b="1" dirty="0"/>
           </a:p>
           <a:p>
             <a:pPr marL="0" indent="0">
               <a:buNone/>
             </a:pPr>
             <a:r>
-              <a:rPr lang="en-US" b="1" dirty="0" smtClean="0"/>
+              <a:rPr lang="en-US" dirty="0" smtClean="0"/>
               <a:t>Discuss infrastructure issues for Big Data</a:t>
             </a:r>
           </a:p>
@@ -22187,7 +22280,7 @@
           <a:p>
             <a:fld id="{7053BEFA-1175-F644-B249-7D41D72BD3FF}" type="datetime1">
               <a:rPr lang="en-US" smtClean="0"/>
-              <a:t>6/10/16</a:t>
+              <a:t>1/6/17</a:t>
             </a:fld>
             <a:endParaRPr lang="en-US"/>
           </a:p>
@@ -22238,7 +22331,7 @@
     </p:spTree>
     <p:extLst>
       <p:ext uri="{BB962C8B-B14F-4D97-AF65-F5344CB8AC3E}">
-        <p14:creationId xmlns:p14="http://schemas.microsoft.com/office/powerpoint/2010/main" val="1529901648"/>
+        <p14:creationId xmlns:p14="http://schemas.microsoft.com/office/powerpoint/2010/main" val="4228893118"/>
       </p:ext>
     </p:extLst>
   </p:cSld>
@@ -22248,7 +22341,7 @@
   <p:timing>
     <p:tnLst>
       <p:par>
-        <p:cTn xmlns:p14="http://schemas.microsoft.com/office/powerpoint/2010/main" id="1" dur="indefinite" restart="never" nodeType="tmRoot"/>
+        <p:cTn id="1" dur="indefinite" restart="never" nodeType="tmRoot"/>
       </p:par>
     </p:tnLst>
   </p:timing>
@@ -22289,7 +22382,7 @@
           <a:p>
             <a:r>
               <a:rPr lang="en-US" dirty="0" smtClean="0"/>
-              <a:t>Technical perspective on big data</a:t>
+              <a:t>Goals for today</a:t>
             </a:r>
             <a:endParaRPr lang="en-US" dirty="0"/>
           </a:p>
@@ -22314,111 +22407,37 @@
               <a:buNone/>
             </a:pPr>
             <a:r>
-              <a:rPr lang="en-US" i="1" dirty="0" smtClean="0"/>
-              <a:t>Mining Massive Data Sets</a:t>
-            </a:r>
-            <a:r>
-              <a:rPr lang="en-US" dirty="0" smtClean="0"/>
-              <a:t>: </a:t>
-            </a:r>
+              <a:rPr lang="en-US" dirty="0" smtClean="0"/>
+              <a:t>Discuss human issues in Big Data</a:t>
+            </a:r>
+          </a:p>
+          <a:p>
+            <a:pPr marL="0" indent="0">
+              <a:buNone/>
+            </a:pPr>
             <a:r>
               <a:rPr lang="en-US" dirty="0"/>
-              <a:t>http://</a:t>
-            </a:r>
-            <a:r>
-              <a:rPr lang="en-US" dirty="0" err="1"/>
-              <a:t>www.stanford.edu</a:t>
-            </a:r>
-            <a:r>
-              <a:rPr lang="en-US" dirty="0"/>
-              <a:t>/class/</a:t>
-            </a:r>
-            <a:r>
-              <a:rPr lang="en-US" dirty="0" smtClean="0"/>
-              <a:t>cs246   Book free online: </a:t>
-            </a:r>
-            <a:r>
-              <a:rPr lang="en-US" sz="2000" dirty="0" smtClean="0"/>
-              <a:t>http</a:t>
-            </a:r>
-            <a:r>
-              <a:rPr lang="en-US" sz="2000" dirty="0"/>
-              <a:t>://</a:t>
-            </a:r>
-            <a:r>
-              <a:rPr lang="en-US" sz="2000" dirty="0" err="1"/>
-              <a:t>i.stanford.edu</a:t>
-            </a:r>
-            <a:r>
-              <a:rPr lang="en-US" sz="2000" dirty="0"/>
-              <a:t>/~</a:t>
-            </a:r>
-            <a:r>
-              <a:rPr lang="en-US" sz="2000" dirty="0" err="1"/>
-              <a:t>ullman</a:t>
-            </a:r>
-            <a:r>
-              <a:rPr lang="en-US" sz="2000" dirty="0"/>
-              <a:t>/</a:t>
-            </a:r>
-            <a:r>
-              <a:rPr lang="en-US" sz="2000" dirty="0" err="1"/>
-              <a:t>mmds.html#</a:t>
-            </a:r>
-            <a:r>
-              <a:rPr lang="en-US" sz="2000" dirty="0" err="1" smtClean="0"/>
-              <a:t>latest</a:t>
-            </a:r>
-            <a:endParaRPr lang="en-US" dirty="0" smtClean="0"/>
+              <a:t>Talk about Byte 3</a:t>
+            </a:r>
           </a:p>
           <a:p>
             <a:pPr marL="0" indent="0">
               <a:buNone/>
             </a:pPr>
             <a:r>
-              <a:rPr lang="en-US" i="1" dirty="0" smtClean="0"/>
-              <a:t>Want to do it yourself in Python? </a:t>
-            </a:r>
-            <a:r>
-              <a:rPr lang="en-US" dirty="0" err="1" smtClean="0"/>
-              <a:t>Jurney’s</a:t>
-            </a:r>
-            <a:r>
-              <a:rPr lang="en-US" dirty="0" smtClean="0"/>
-              <a:t> ‘Agile Data Science’ will get you to a web app analyzing your </a:t>
-            </a:r>
-            <a:r>
-              <a:rPr lang="en-US" dirty="0" err="1" smtClean="0"/>
-              <a:t>gmail</a:t>
-            </a:r>
-            <a:endParaRPr lang="en-US" dirty="0" smtClean="0"/>
+              <a:rPr lang="en-US" dirty="0" smtClean="0"/>
+              <a:t>Quiz</a:t>
+            </a:r>
+            <a:endParaRPr lang="en-US" dirty="0"/>
           </a:p>
           <a:p>
             <a:pPr marL="0" indent="0">
               <a:buNone/>
             </a:pPr>
             <a:r>
-              <a:rPr lang="en-US" i="1" dirty="0" smtClean="0"/>
-              <a:t>Want to understand the tradeoffs in systems and platforms?</a:t>
-            </a:r>
-            <a:r>
-              <a:rPr lang="en-US" dirty="0" smtClean="0"/>
-              <a:t> </a:t>
-            </a:r>
-            <a:r>
-              <a:rPr lang="en-US" dirty="0" err="1" smtClean="0"/>
-              <a:t>Manoochehri’s</a:t>
-            </a:r>
-            <a:r>
-              <a:rPr lang="en-US" dirty="0" smtClean="0"/>
-              <a:t>  ‘Data Just Right’ </a:t>
-            </a:r>
-          </a:p>
-          <a:p>
-            <a:pPr marL="0" indent="0">
-              <a:buNone/>
-            </a:pPr>
-            <a:endParaRPr lang="en-US" dirty="0"/>
+              <a:rPr lang="en-US" b="1" dirty="0" smtClean="0"/>
+              <a:t>Discuss infrastructure issues for Big Data</a:t>
+            </a:r>
           </a:p>
         </p:txBody>
       </p:sp>
@@ -22439,7 +22458,7 @@
           <a:p>
             <a:fld id="{7053BEFA-1175-F644-B249-7D41D72BD3FF}" type="datetime1">
               <a:rPr lang="en-US" smtClean="0"/>
-              <a:t>6/10/16</a:t>
+              <a:t>1/6/17</a:t>
             </a:fld>
             <a:endParaRPr lang="en-US"/>
           </a:p>
@@ -22490,13 +22509,20 @@
     </p:spTree>
     <p:extLst>
       <p:ext uri="{BB962C8B-B14F-4D97-AF65-F5344CB8AC3E}">
-        <p14:creationId xmlns:p14="http://schemas.microsoft.com/office/powerpoint/2010/main" val="1398737796"/>
+        <p14:creationId xmlns:p14="http://schemas.microsoft.com/office/powerpoint/2010/main" val="1529901648"/>
       </p:ext>
     </p:extLst>
   </p:cSld>
   <p:clrMapOvr>
     <a:masterClrMapping/>
   </p:clrMapOvr>
+  <p:timing>
+    <p:tnLst>
+      <p:par>
+        <p:cTn id="1" dur="indefinite" restart="never" nodeType="tmRoot"/>
+      </p:par>
+    </p:tnLst>
+  </p:timing>
 </p:sld>
 </file>
 
@@ -22534,7 +22560,7 @@
           <a:p>
             <a:r>
               <a:rPr lang="en-US" dirty="0" smtClean="0"/>
-              <a:t>What do we want to do with it?</a:t>
+              <a:t>Technical perspective on big data</a:t>
             </a:r>
             <a:endParaRPr lang="en-US" dirty="0"/>
           </a:p>
@@ -22555,34 +22581,114 @@
           <a:bodyPr/>
           <a:lstStyle/>
           <a:p>
-            <a:r>
-              <a:rPr lang="en-US" dirty="0" smtClean="0"/>
-              <a:t>Demand driven analytics / direct modification</a:t>
-            </a:r>
-          </a:p>
-          <a:p>
-            <a:r>
-              <a:rPr lang="en-US" dirty="0" smtClean="0"/>
-              <a:t>Communicating high confidence results</a:t>
-            </a:r>
-          </a:p>
-          <a:p>
-            <a:r>
-              <a:rPr lang="en-US" dirty="0" smtClean="0"/>
-              <a:t>Track provenance and manipulation</a:t>
-            </a:r>
-          </a:p>
-          <a:p>
-            <a:r>
-              <a:rPr lang="en-US" dirty="0" smtClean="0"/>
-              <a:t>Test hypotheses and form theories (academic and/or design)</a:t>
-            </a:r>
-          </a:p>
-          <a:p>
-            <a:r>
-              <a:rPr lang="en-US" dirty="0" smtClean="0"/>
-              <a:t>Identify relationships</a:t>
-            </a:r>
+            <a:pPr marL="0" indent="0">
+              <a:buNone/>
+            </a:pPr>
+            <a:r>
+              <a:rPr lang="en-US" i="1" dirty="0" smtClean="0"/>
+              <a:t>Mining Massive Data Sets</a:t>
+            </a:r>
+            <a:r>
+              <a:rPr lang="en-US" dirty="0" smtClean="0"/>
+              <a:t>: </a:t>
+            </a:r>
+            <a:r>
+              <a:rPr lang="en-US" dirty="0"/>
+              <a:t>http://</a:t>
+            </a:r>
+            <a:r>
+              <a:rPr lang="en-US" dirty="0" err="1"/>
+              <a:t>www.stanford.edu</a:t>
+            </a:r>
+            <a:r>
+              <a:rPr lang="en-US" dirty="0"/>
+              <a:t>/class/</a:t>
+            </a:r>
+            <a:r>
+              <a:rPr lang="en-US" dirty="0" smtClean="0"/>
+              <a:t>cs246   Book free online: </a:t>
+            </a:r>
+            <a:r>
+              <a:rPr lang="en-US" sz="2000" dirty="0" smtClean="0"/>
+              <a:t>http</a:t>
+            </a:r>
+            <a:r>
+              <a:rPr lang="en-US" sz="2000" dirty="0"/>
+              <a:t>://</a:t>
+            </a:r>
+            <a:r>
+              <a:rPr lang="en-US" sz="2000" dirty="0" err="1"/>
+              <a:t>i.stanford.edu</a:t>
+            </a:r>
+            <a:r>
+              <a:rPr lang="en-US" sz="2000" dirty="0"/>
+              <a:t>/~</a:t>
+            </a:r>
+            <a:r>
+              <a:rPr lang="en-US" sz="2000" dirty="0" err="1"/>
+              <a:t>ullman</a:t>
+            </a:r>
+            <a:r>
+              <a:rPr lang="en-US" sz="2000" dirty="0"/>
+              <a:t>/</a:t>
+            </a:r>
+            <a:r>
+              <a:rPr lang="en-US" sz="2000" dirty="0" err="1"/>
+              <a:t>mmds.html#</a:t>
+            </a:r>
+            <a:r>
+              <a:rPr lang="en-US" sz="2000" dirty="0" err="1" smtClean="0"/>
+              <a:t>latest</a:t>
+            </a:r>
+            <a:endParaRPr lang="en-US" dirty="0" smtClean="0"/>
+          </a:p>
+          <a:p>
+            <a:pPr marL="0" indent="0">
+              <a:buNone/>
+            </a:pPr>
+            <a:r>
+              <a:rPr lang="en-US" i="1" dirty="0" smtClean="0"/>
+              <a:t>Want to do it yourself in Python? </a:t>
+            </a:r>
+            <a:r>
+              <a:rPr lang="en-US" dirty="0" err="1" smtClean="0"/>
+              <a:t>Jurney’s</a:t>
+            </a:r>
+            <a:r>
+              <a:rPr lang="en-US" dirty="0" smtClean="0"/>
+              <a:t> ‘Agile Data Science’ will get you to a web app analyzing your </a:t>
+            </a:r>
+            <a:r>
+              <a:rPr lang="en-US" dirty="0" err="1" smtClean="0"/>
+              <a:t>gmail</a:t>
+            </a:r>
+            <a:endParaRPr lang="en-US" dirty="0" smtClean="0"/>
+          </a:p>
+          <a:p>
+            <a:pPr marL="0" indent="0">
+              <a:buNone/>
+            </a:pPr>
+            <a:r>
+              <a:rPr lang="en-US" i="1" dirty="0" smtClean="0"/>
+              <a:t>Want to understand the tradeoffs in systems and platforms?</a:t>
+            </a:r>
+            <a:r>
+              <a:rPr lang="en-US" dirty="0" smtClean="0"/>
+              <a:t> </a:t>
+            </a:r>
+            <a:r>
+              <a:rPr lang="en-US" dirty="0" err="1" smtClean="0"/>
+              <a:t>Manoochehri’s</a:t>
+            </a:r>
+            <a:r>
+              <a:rPr lang="en-US" dirty="0" smtClean="0"/>
+              <a:t>  ‘Data Just Right’ </a:t>
+            </a:r>
+          </a:p>
+          <a:p>
+            <a:pPr marL="0" indent="0">
+              <a:buNone/>
+            </a:pPr>
             <a:endParaRPr lang="en-US" dirty="0"/>
           </a:p>
         </p:txBody>
@@ -22604,7 +22710,7 @@
           <a:p>
             <a:fld id="{7053BEFA-1175-F644-B249-7D41D72BD3FF}" type="datetime1">
               <a:rPr lang="en-US" smtClean="0"/>
-              <a:t>6/10/16</a:t>
+              <a:t>1/6/17</a:t>
             </a:fld>
             <a:endParaRPr lang="en-US"/>
           </a:p>
@@ -22655,7 +22761,7 @@
     </p:spTree>
     <p:extLst>
       <p:ext uri="{BB962C8B-B14F-4D97-AF65-F5344CB8AC3E}">
-        <p14:creationId xmlns:p14="http://schemas.microsoft.com/office/powerpoint/2010/main" val="719339863"/>
+        <p14:creationId xmlns:p14="http://schemas.microsoft.com/office/powerpoint/2010/main" val="1398737796"/>
       </p:ext>
     </p:extLst>
   </p:cSld>
